--- a/Planning Documents/Screen Only.pptx
+++ b/Planning Documents/Screen Only.pptx
@@ -258,7 +258,7 @@
           <a:p>
             <a:fld id="{1C6C3C8C-3449-4200-926F-38CA68415FA4}" type="datetimeFigureOut">
               <a:rPr lang="ko-KR" altLang="en-US" smtClean="0"/>
-              <a:t>2020-05-27</a:t>
+              <a:t>2020-06-23</a:t>
             </a:fld>
             <a:endParaRPr lang="ko-KR" altLang="en-US"/>
           </a:p>
@@ -428,7 +428,7 @@
           <a:p>
             <a:fld id="{1C6C3C8C-3449-4200-926F-38CA68415FA4}" type="datetimeFigureOut">
               <a:rPr lang="ko-KR" altLang="en-US" smtClean="0"/>
-              <a:t>2020-05-27</a:t>
+              <a:t>2020-06-23</a:t>
             </a:fld>
             <a:endParaRPr lang="ko-KR" altLang="en-US"/>
           </a:p>
@@ -608,7 +608,7 @@
           <a:p>
             <a:fld id="{1C6C3C8C-3449-4200-926F-38CA68415FA4}" type="datetimeFigureOut">
               <a:rPr lang="ko-KR" altLang="en-US" smtClean="0"/>
-              <a:t>2020-05-27</a:t>
+              <a:t>2020-06-23</a:t>
             </a:fld>
             <a:endParaRPr lang="ko-KR" altLang="en-US"/>
           </a:p>
@@ -778,7 +778,7 @@
           <a:p>
             <a:fld id="{1C6C3C8C-3449-4200-926F-38CA68415FA4}" type="datetimeFigureOut">
               <a:rPr lang="ko-KR" altLang="en-US" smtClean="0"/>
-              <a:t>2020-05-27</a:t>
+              <a:t>2020-06-23</a:t>
             </a:fld>
             <a:endParaRPr lang="ko-KR" altLang="en-US"/>
           </a:p>
@@ -1024,7 +1024,7 @@
           <a:p>
             <a:fld id="{1C6C3C8C-3449-4200-926F-38CA68415FA4}" type="datetimeFigureOut">
               <a:rPr lang="ko-KR" altLang="en-US" smtClean="0"/>
-              <a:t>2020-05-27</a:t>
+              <a:t>2020-06-23</a:t>
             </a:fld>
             <a:endParaRPr lang="ko-KR" altLang="en-US"/>
           </a:p>
@@ -1256,7 +1256,7 @@
           <a:p>
             <a:fld id="{1C6C3C8C-3449-4200-926F-38CA68415FA4}" type="datetimeFigureOut">
               <a:rPr lang="ko-KR" altLang="en-US" smtClean="0"/>
-              <a:t>2020-05-27</a:t>
+              <a:t>2020-06-23</a:t>
             </a:fld>
             <a:endParaRPr lang="ko-KR" altLang="en-US"/>
           </a:p>
@@ -1623,7 +1623,7 @@
           <a:p>
             <a:fld id="{1C6C3C8C-3449-4200-926F-38CA68415FA4}" type="datetimeFigureOut">
               <a:rPr lang="ko-KR" altLang="en-US" smtClean="0"/>
-              <a:t>2020-05-27</a:t>
+              <a:t>2020-06-23</a:t>
             </a:fld>
             <a:endParaRPr lang="ko-KR" altLang="en-US"/>
           </a:p>
@@ -1741,7 +1741,7 @@
           <a:p>
             <a:fld id="{1C6C3C8C-3449-4200-926F-38CA68415FA4}" type="datetimeFigureOut">
               <a:rPr lang="ko-KR" altLang="en-US" smtClean="0"/>
-              <a:t>2020-05-27</a:t>
+              <a:t>2020-06-23</a:t>
             </a:fld>
             <a:endParaRPr lang="ko-KR" altLang="en-US"/>
           </a:p>
@@ -1836,7 +1836,7 @@
           <a:p>
             <a:fld id="{1C6C3C8C-3449-4200-926F-38CA68415FA4}" type="datetimeFigureOut">
               <a:rPr lang="ko-KR" altLang="en-US" smtClean="0"/>
-              <a:t>2020-05-27</a:t>
+              <a:t>2020-06-23</a:t>
             </a:fld>
             <a:endParaRPr lang="ko-KR" altLang="en-US"/>
           </a:p>
@@ -2113,7 +2113,7 @@
           <a:p>
             <a:fld id="{1C6C3C8C-3449-4200-926F-38CA68415FA4}" type="datetimeFigureOut">
               <a:rPr lang="ko-KR" altLang="en-US" smtClean="0"/>
-              <a:t>2020-05-27</a:t>
+              <a:t>2020-06-23</a:t>
             </a:fld>
             <a:endParaRPr lang="ko-KR" altLang="en-US"/>
           </a:p>
@@ -2366,7 +2366,7 @@
           <a:p>
             <a:fld id="{1C6C3C8C-3449-4200-926F-38CA68415FA4}" type="datetimeFigureOut">
               <a:rPr lang="ko-KR" altLang="en-US" smtClean="0"/>
-              <a:t>2020-05-27</a:t>
+              <a:t>2020-06-23</a:t>
             </a:fld>
             <a:endParaRPr lang="ko-KR" altLang="en-US"/>
           </a:p>
@@ -2579,7 +2579,7 @@
           <a:p>
             <a:fld id="{1C6C3C8C-3449-4200-926F-38CA68415FA4}" type="datetimeFigureOut">
               <a:rPr lang="ko-KR" altLang="en-US" smtClean="0"/>
-              <a:t>2020-05-27</a:t>
+              <a:t>2020-06-23</a:t>
             </a:fld>
             <a:endParaRPr lang="ko-KR" altLang="en-US"/>
           </a:p>
@@ -10149,6 +10149,63 @@
           </a:p>
         </p:txBody>
       </p:sp>
+      <p:sp>
+        <p:nvSpPr>
+          <p:cNvPr id="125" name="대각선 줄무늬 124"/>
+          <p:cNvSpPr/>
+          <p:nvPr/>
+        </p:nvSpPr>
+        <p:spPr>
+          <a:xfrm rot="16200000" flipH="1" flipV="1">
+            <a:off x="10385768" y="4749757"/>
+            <a:ext cx="477263" cy="476942"/>
+          </a:xfrm>
+          <a:prstGeom prst="diagStripe">
+            <a:avLst>
+              <a:gd name="adj" fmla="val 0"/>
+            </a:avLst>
+          </a:prstGeom>
+          <a:solidFill>
+            <a:srgbClr val="A6DEA2"/>
+          </a:solidFill>
+          <a:ln w="38100">
+            <a:solidFill>
+              <a:schemeClr val="tx1">
+                <a:lumMod val="65000"/>
+                <a:lumOff val="35000"/>
+              </a:schemeClr>
+            </a:solidFill>
+          </a:ln>
+        </p:spPr>
+        <p:style>
+          <a:lnRef idx="2">
+            <a:schemeClr val="accent1">
+              <a:shade val="50000"/>
+            </a:schemeClr>
+          </a:lnRef>
+          <a:fillRef idx="1">
+            <a:schemeClr val="accent1"/>
+          </a:fillRef>
+          <a:effectRef idx="0">
+            <a:schemeClr val="accent1"/>
+          </a:effectRef>
+          <a:fontRef idx="minor">
+            <a:schemeClr val="lt1"/>
+          </a:fontRef>
+        </p:style>
+        <p:txBody>
+          <a:bodyPr rtlCol="0" anchor="ctr"/>
+          <a:lstStyle/>
+          <a:p>
+            <a:pPr algn="ctr"/>
+            <a:endParaRPr lang="ko-KR" altLang="en-US">
+              <a:solidFill>
+                <a:schemeClr val="tx1"/>
+              </a:solidFill>
+            </a:endParaRPr>
+          </a:p>
+        </p:txBody>
+      </p:sp>
     </p:spTree>
     <p:extLst>
       <p:ext uri="{BB962C8B-B14F-4D97-AF65-F5344CB8AC3E}">

--- a/Planning Documents/Screen Only.pptx
+++ b/Planning Documents/Screen Only.pptx
@@ -10,6 +10,7 @@
     <p:sldId id="258" r:id="rId4"/>
     <p:sldId id="259" r:id="rId5"/>
     <p:sldId id="260" r:id="rId6"/>
+    <p:sldId id="261" r:id="rId7"/>
   </p:sldIdLst>
   <p:sldSz cx="12192000" cy="6858000"/>
   <p:notesSz cx="6858000" cy="9144000"/>
@@ -258,7 +259,7 @@
           <a:p>
             <a:fld id="{1C6C3C8C-3449-4200-926F-38CA68415FA4}" type="datetimeFigureOut">
               <a:rPr lang="ko-KR" altLang="en-US" smtClean="0"/>
-              <a:t>2020-06-23</a:t>
+              <a:t>2020-07-01</a:t>
             </a:fld>
             <a:endParaRPr lang="ko-KR" altLang="en-US"/>
           </a:p>
@@ -428,7 +429,7 @@
           <a:p>
             <a:fld id="{1C6C3C8C-3449-4200-926F-38CA68415FA4}" type="datetimeFigureOut">
               <a:rPr lang="ko-KR" altLang="en-US" smtClean="0"/>
-              <a:t>2020-06-23</a:t>
+              <a:t>2020-07-01</a:t>
             </a:fld>
             <a:endParaRPr lang="ko-KR" altLang="en-US"/>
           </a:p>
@@ -608,7 +609,7 @@
           <a:p>
             <a:fld id="{1C6C3C8C-3449-4200-926F-38CA68415FA4}" type="datetimeFigureOut">
               <a:rPr lang="ko-KR" altLang="en-US" smtClean="0"/>
-              <a:t>2020-06-23</a:t>
+              <a:t>2020-07-01</a:t>
             </a:fld>
             <a:endParaRPr lang="ko-KR" altLang="en-US"/>
           </a:p>
@@ -778,7 +779,7 @@
           <a:p>
             <a:fld id="{1C6C3C8C-3449-4200-926F-38CA68415FA4}" type="datetimeFigureOut">
               <a:rPr lang="ko-KR" altLang="en-US" smtClean="0"/>
-              <a:t>2020-06-23</a:t>
+              <a:t>2020-07-01</a:t>
             </a:fld>
             <a:endParaRPr lang="ko-KR" altLang="en-US"/>
           </a:p>
@@ -1024,7 +1025,7 @@
           <a:p>
             <a:fld id="{1C6C3C8C-3449-4200-926F-38CA68415FA4}" type="datetimeFigureOut">
               <a:rPr lang="ko-KR" altLang="en-US" smtClean="0"/>
-              <a:t>2020-06-23</a:t>
+              <a:t>2020-07-01</a:t>
             </a:fld>
             <a:endParaRPr lang="ko-KR" altLang="en-US"/>
           </a:p>
@@ -1256,7 +1257,7 @@
           <a:p>
             <a:fld id="{1C6C3C8C-3449-4200-926F-38CA68415FA4}" type="datetimeFigureOut">
               <a:rPr lang="ko-KR" altLang="en-US" smtClean="0"/>
-              <a:t>2020-06-23</a:t>
+              <a:t>2020-07-01</a:t>
             </a:fld>
             <a:endParaRPr lang="ko-KR" altLang="en-US"/>
           </a:p>
@@ -1623,7 +1624,7 @@
           <a:p>
             <a:fld id="{1C6C3C8C-3449-4200-926F-38CA68415FA4}" type="datetimeFigureOut">
               <a:rPr lang="ko-KR" altLang="en-US" smtClean="0"/>
-              <a:t>2020-06-23</a:t>
+              <a:t>2020-07-01</a:t>
             </a:fld>
             <a:endParaRPr lang="ko-KR" altLang="en-US"/>
           </a:p>
@@ -1741,7 +1742,7 @@
           <a:p>
             <a:fld id="{1C6C3C8C-3449-4200-926F-38CA68415FA4}" type="datetimeFigureOut">
               <a:rPr lang="ko-KR" altLang="en-US" smtClean="0"/>
-              <a:t>2020-06-23</a:t>
+              <a:t>2020-07-01</a:t>
             </a:fld>
             <a:endParaRPr lang="ko-KR" altLang="en-US"/>
           </a:p>
@@ -1836,7 +1837,7 @@
           <a:p>
             <a:fld id="{1C6C3C8C-3449-4200-926F-38CA68415FA4}" type="datetimeFigureOut">
               <a:rPr lang="ko-KR" altLang="en-US" smtClean="0"/>
-              <a:t>2020-06-23</a:t>
+              <a:t>2020-07-01</a:t>
             </a:fld>
             <a:endParaRPr lang="ko-KR" altLang="en-US"/>
           </a:p>
@@ -2113,7 +2114,7 @@
           <a:p>
             <a:fld id="{1C6C3C8C-3449-4200-926F-38CA68415FA4}" type="datetimeFigureOut">
               <a:rPr lang="ko-KR" altLang="en-US" smtClean="0"/>
-              <a:t>2020-06-23</a:t>
+              <a:t>2020-07-01</a:t>
             </a:fld>
             <a:endParaRPr lang="ko-KR" altLang="en-US"/>
           </a:p>
@@ -2366,7 +2367,7 @@
           <a:p>
             <a:fld id="{1C6C3C8C-3449-4200-926F-38CA68415FA4}" type="datetimeFigureOut">
               <a:rPr lang="ko-KR" altLang="en-US" smtClean="0"/>
-              <a:t>2020-06-23</a:t>
+              <a:t>2020-07-01</a:t>
             </a:fld>
             <a:endParaRPr lang="ko-KR" altLang="en-US"/>
           </a:p>
@@ -2579,7 +2580,7 @@
           <a:p>
             <a:fld id="{1C6C3C8C-3449-4200-926F-38CA68415FA4}" type="datetimeFigureOut">
               <a:rPr lang="ko-KR" altLang="en-US" smtClean="0"/>
-              <a:t>2020-06-23</a:t>
+              <a:t>2020-07-01</a:t>
             </a:fld>
             <a:endParaRPr lang="ko-KR" altLang="en-US"/>
           </a:p>
@@ -9572,9 +9573,7 @@
       <p:cxnSp>
         <p:nvCxnSpPr>
           <p:cNvPr id="220" name="직선 연결선 219"/>
-          <p:cNvCxnSpPr>
-            <a:endCxn id="225" idx="3"/>
-          </p:cNvCxnSpPr>
+          <p:cNvCxnSpPr/>
           <p:nvPr/>
         </p:nvCxnSpPr>
         <p:spPr>
@@ -9769,9 +9768,282 @@
           </a:p>
         </p:txBody>
       </p:sp>
+      <p:sp>
+        <p:nvSpPr>
+          <p:cNvPr id="248" name="직사각형 247"/>
+          <p:cNvSpPr/>
+          <p:nvPr/>
+        </p:nvSpPr>
+        <p:spPr>
+          <a:xfrm>
+            <a:off x="9507669" y="5408859"/>
+            <a:ext cx="659265" cy="659265"/>
+          </a:xfrm>
+          <a:prstGeom prst="rect">
+            <a:avLst/>
+          </a:prstGeom>
+          <a:solidFill>
+            <a:schemeClr val="bg1">
+              <a:lumMod val="65000"/>
+            </a:schemeClr>
+          </a:solidFill>
+          <a:ln w="38100">
+            <a:solidFill>
+              <a:schemeClr val="tx1">
+                <a:lumMod val="65000"/>
+                <a:lumOff val="35000"/>
+              </a:schemeClr>
+            </a:solidFill>
+          </a:ln>
+        </p:spPr>
+        <p:style>
+          <a:lnRef idx="2">
+            <a:schemeClr val="accent1">
+              <a:shade val="50000"/>
+            </a:schemeClr>
+          </a:lnRef>
+          <a:fillRef idx="1">
+            <a:schemeClr val="accent1"/>
+          </a:fillRef>
+          <a:effectRef idx="0">
+            <a:schemeClr val="accent1"/>
+          </a:effectRef>
+          <a:fontRef idx="minor">
+            <a:schemeClr val="lt1"/>
+          </a:fontRef>
+        </p:style>
+        <p:txBody>
+          <a:bodyPr rtlCol="0" anchor="ctr"/>
+          <a:lstStyle/>
+          <a:p>
+            <a:pPr algn="ctr"/>
+            <a:endParaRPr lang="ko-KR" altLang="en-US"/>
+          </a:p>
+        </p:txBody>
+      </p:sp>
+      <p:sp>
+        <p:nvSpPr>
+          <p:cNvPr id="249" name="직사각형 248"/>
+          <p:cNvSpPr/>
+          <p:nvPr/>
+        </p:nvSpPr>
+        <p:spPr>
+          <a:xfrm>
+            <a:off x="9503603" y="4752902"/>
+            <a:ext cx="659265" cy="659265"/>
+          </a:xfrm>
+          <a:prstGeom prst="rect">
+            <a:avLst/>
+          </a:prstGeom>
+          <a:noFill/>
+          <a:ln w="38100">
+            <a:solidFill>
+              <a:schemeClr val="tx1">
+                <a:lumMod val="65000"/>
+                <a:lumOff val="35000"/>
+              </a:schemeClr>
+            </a:solidFill>
+          </a:ln>
+        </p:spPr>
+        <p:style>
+          <a:lnRef idx="2">
+            <a:schemeClr val="accent1">
+              <a:shade val="50000"/>
+            </a:schemeClr>
+          </a:lnRef>
+          <a:fillRef idx="1">
+            <a:schemeClr val="accent1"/>
+          </a:fillRef>
+          <a:effectRef idx="0">
+            <a:schemeClr val="accent1"/>
+          </a:effectRef>
+          <a:fontRef idx="minor">
+            <a:schemeClr val="lt1"/>
+          </a:fontRef>
+        </p:style>
+        <p:txBody>
+          <a:bodyPr rtlCol="0" anchor="ctr"/>
+          <a:lstStyle/>
+          <a:p>
+            <a:pPr algn="ctr"/>
+            <a:endParaRPr lang="ko-KR" altLang="en-US"/>
+          </a:p>
+        </p:txBody>
+      </p:sp>
+      <p:sp>
+        <p:nvSpPr>
+          <p:cNvPr id="123" name="직사각형 122"/>
+          <p:cNvSpPr/>
+          <p:nvPr/>
+        </p:nvSpPr>
+        <p:spPr>
+          <a:xfrm>
+            <a:off x="9507669" y="6064816"/>
+            <a:ext cx="659265" cy="659265"/>
+          </a:xfrm>
+          <a:prstGeom prst="rect">
+            <a:avLst/>
+          </a:prstGeom>
+          <a:solidFill>
+            <a:schemeClr val="accent5">
+              <a:lumMod val="40000"/>
+              <a:lumOff val="60000"/>
+            </a:schemeClr>
+          </a:solidFill>
+          <a:ln w="38100">
+            <a:solidFill>
+              <a:schemeClr val="tx1">
+                <a:lumMod val="65000"/>
+                <a:lumOff val="35000"/>
+              </a:schemeClr>
+            </a:solidFill>
+          </a:ln>
+        </p:spPr>
+        <p:style>
+          <a:lnRef idx="2">
+            <a:schemeClr val="accent1">
+              <a:shade val="50000"/>
+            </a:schemeClr>
+          </a:lnRef>
+          <a:fillRef idx="1">
+            <a:schemeClr val="accent1"/>
+          </a:fillRef>
+          <a:effectRef idx="0">
+            <a:schemeClr val="accent1"/>
+          </a:effectRef>
+          <a:fontRef idx="minor">
+            <a:schemeClr val="lt1"/>
+          </a:fontRef>
+        </p:style>
+        <p:txBody>
+          <a:bodyPr rtlCol="0" anchor="ctr"/>
+          <a:lstStyle/>
+          <a:p>
+            <a:pPr algn="ctr"/>
+            <a:endParaRPr lang="ko-KR" altLang="en-US"/>
+          </a:p>
+        </p:txBody>
+      </p:sp>
+      <p:sp>
+        <p:nvSpPr>
+          <p:cNvPr id="124" name="대각선 줄무늬 123"/>
+          <p:cNvSpPr/>
+          <p:nvPr/>
+        </p:nvSpPr>
+        <p:spPr>
+          <a:xfrm rot="16200000" flipH="1" flipV="1">
+            <a:off x="10385768" y="6155258"/>
+            <a:ext cx="477263" cy="476942"/>
+          </a:xfrm>
+          <a:prstGeom prst="diagStripe">
+            <a:avLst>
+              <a:gd name="adj" fmla="val 0"/>
+            </a:avLst>
+          </a:prstGeom>
+          <a:solidFill>
+            <a:schemeClr val="accent5">
+              <a:lumMod val="40000"/>
+              <a:lumOff val="60000"/>
+            </a:schemeClr>
+          </a:solidFill>
+          <a:ln w="38100">
+            <a:solidFill>
+              <a:schemeClr val="tx1">
+                <a:lumMod val="65000"/>
+                <a:lumOff val="35000"/>
+              </a:schemeClr>
+            </a:solidFill>
+          </a:ln>
+        </p:spPr>
+        <p:style>
+          <a:lnRef idx="2">
+            <a:schemeClr val="accent1">
+              <a:shade val="50000"/>
+            </a:schemeClr>
+          </a:lnRef>
+          <a:fillRef idx="1">
+            <a:schemeClr val="accent1"/>
+          </a:fillRef>
+          <a:effectRef idx="0">
+            <a:schemeClr val="accent1"/>
+          </a:effectRef>
+          <a:fontRef idx="minor">
+            <a:schemeClr val="lt1"/>
+          </a:fontRef>
+        </p:style>
+        <p:txBody>
+          <a:bodyPr rtlCol="0" anchor="ctr"/>
+          <a:lstStyle/>
+          <a:p>
+            <a:pPr algn="ctr"/>
+            <a:endParaRPr lang="ko-KR" altLang="en-US">
+              <a:solidFill>
+                <a:schemeClr val="tx1"/>
+              </a:solidFill>
+            </a:endParaRPr>
+          </a:p>
+        </p:txBody>
+      </p:sp>
+      <p:sp>
+        <p:nvSpPr>
+          <p:cNvPr id="125" name="대각선 줄무늬 124"/>
+          <p:cNvSpPr/>
+          <p:nvPr/>
+        </p:nvSpPr>
+        <p:spPr>
+          <a:xfrm rot="16200000" flipH="1" flipV="1">
+            <a:off x="10385768" y="4749757"/>
+            <a:ext cx="477263" cy="476942"/>
+          </a:xfrm>
+          <a:prstGeom prst="diagStripe">
+            <a:avLst>
+              <a:gd name="adj" fmla="val 0"/>
+            </a:avLst>
+          </a:prstGeom>
+          <a:solidFill>
+            <a:srgbClr val="A6DEA2"/>
+          </a:solidFill>
+          <a:ln w="38100">
+            <a:solidFill>
+              <a:schemeClr val="tx1">
+                <a:lumMod val="65000"/>
+                <a:lumOff val="35000"/>
+              </a:schemeClr>
+            </a:solidFill>
+          </a:ln>
+        </p:spPr>
+        <p:style>
+          <a:lnRef idx="2">
+            <a:schemeClr val="accent1">
+              <a:shade val="50000"/>
+            </a:schemeClr>
+          </a:lnRef>
+          <a:fillRef idx="1">
+            <a:schemeClr val="accent1"/>
+          </a:fillRef>
+          <a:effectRef idx="0">
+            <a:schemeClr val="accent1"/>
+          </a:effectRef>
+          <a:fontRef idx="minor">
+            <a:schemeClr val="lt1"/>
+          </a:fontRef>
+        </p:style>
+        <p:txBody>
+          <a:bodyPr rtlCol="0" anchor="ctr"/>
+          <a:lstStyle/>
+          <a:p>
+            <a:pPr algn="ctr"/>
+            <a:endParaRPr lang="ko-KR" altLang="en-US">
+              <a:solidFill>
+                <a:schemeClr val="tx1"/>
+              </a:solidFill>
+            </a:endParaRPr>
+          </a:p>
+        </p:txBody>
+      </p:sp>
       <p:grpSp>
         <p:nvGrpSpPr>
-          <p:cNvPr id="242" name="그룹 241"/>
+          <p:cNvPr id="3" name="그룹 2"/>
           <p:cNvGrpSpPr/>
           <p:nvPr/>
         </p:nvGrpSpPr>
@@ -9779,8 +10051,8 @@
           <a:xfrm>
             <a:off x="11484140" y="257943"/>
             <a:ext cx="482245" cy="482245"/>
-            <a:chOff x="2959331" y="465513"/>
-            <a:chExt cx="1330036" cy="1330036"/>
+            <a:chOff x="11484140" y="257943"/>
+            <a:chExt cx="482245" cy="482245"/>
           </a:xfrm>
         </p:grpSpPr>
         <p:sp>
@@ -9791,8 +10063,8 @@
           </p:nvSpPr>
           <p:spPr>
             <a:xfrm>
-              <a:off x="2959331" y="465513"/>
-              <a:ext cx="1330036" cy="1330036"/>
+              <a:off x="11484140" y="257943"/>
+              <a:ext cx="482245" cy="482245"/>
             </a:xfrm>
             <a:prstGeom prst="ellipse">
               <a:avLst/>
@@ -9800,7 +10072,7 @@
             <a:solidFill>
               <a:schemeClr val="bg2"/>
             </a:solidFill>
-            <a:ln w="28575">
+            <a:ln w="38100">
               <a:solidFill>
                 <a:schemeClr val="tx1">
                   <a:lumMod val="65000"/>
@@ -9836,25 +10108,24 @@
         </p:sp>
         <p:sp>
           <p:nvSpPr>
-            <p:cNvPr id="244" name="직사각형 243"/>
+            <p:cNvPr id="2" name="모서리가 둥근 직사각형 1"/>
             <p:cNvSpPr/>
             <p:nvPr/>
           </p:nvSpPr>
           <p:spPr>
             <a:xfrm>
-              <a:off x="3271058" y="785553"/>
-              <a:ext cx="224443" cy="689956"/>
+              <a:off x="11613642" y="382220"/>
+              <a:ext cx="81378" cy="250167"/>
             </a:xfrm>
-            <a:prstGeom prst="rect">
-              <a:avLst/>
+            <a:prstGeom prst="roundRect">
+              <a:avLst>
+                <a:gd name="adj" fmla="val 36385"/>
+              </a:avLst>
             </a:prstGeom>
             <a:solidFill>
-              <a:schemeClr val="tx1">
-                <a:lumMod val="65000"/>
-                <a:lumOff val="35000"/>
-              </a:schemeClr>
-            </a:solidFill>
-            <a:ln w="28575">
+              <a:srgbClr val="595959"/>
+            </a:solidFill>
+            <a:ln>
               <a:noFill/>
             </a:ln>
           </p:spPr>
@@ -9885,25 +10156,24 @@
         </p:sp>
         <p:sp>
           <p:nvSpPr>
-            <p:cNvPr id="245" name="직사각형 244"/>
+            <p:cNvPr id="247" name="모서리가 둥근 직사각형 246"/>
             <p:cNvSpPr/>
             <p:nvPr/>
           </p:nvSpPr>
           <p:spPr>
             <a:xfrm>
-              <a:off x="3724102" y="785553"/>
-              <a:ext cx="224443" cy="689956"/>
+              <a:off x="11774038" y="382220"/>
+              <a:ext cx="81378" cy="250167"/>
             </a:xfrm>
-            <a:prstGeom prst="rect">
-              <a:avLst/>
+            <a:prstGeom prst="roundRect">
+              <a:avLst>
+                <a:gd name="adj" fmla="val 36385"/>
+              </a:avLst>
             </a:prstGeom>
             <a:solidFill>
-              <a:schemeClr val="tx1">
-                <a:lumMod val="65000"/>
-                <a:lumOff val="35000"/>
-              </a:schemeClr>
-            </a:solidFill>
-            <a:ln w="28575">
+              <a:srgbClr val="595959"/>
+            </a:solidFill>
+            <a:ln>
               <a:noFill/>
             </a:ln>
           </p:spPr>
@@ -9933,16 +10203,5877 @@
           </p:txBody>
         </p:sp>
       </p:grpSp>
-      <p:sp>
-        <p:nvSpPr>
-          <p:cNvPr id="248" name="직사각형 247"/>
+    </p:spTree>
+    <p:extLst>
+      <p:ext uri="{BB962C8B-B14F-4D97-AF65-F5344CB8AC3E}">
+        <p14:creationId xmlns:p14="http://schemas.microsoft.com/office/powerpoint/2010/main" val="2452226769"/>
+      </p:ext>
+    </p:extLst>
+  </p:cSld>
+  <p:clrMapOvr>
+    <a:masterClrMapping/>
+  </p:clrMapOvr>
+</p:sld>
+</file>
+
+<file path=ppt/slides/slide6.xml><?xml version="1.0" encoding="utf-8"?>
+<p:sld xmlns:a="http://schemas.openxmlformats.org/drawingml/2006/main" xmlns:r="http://schemas.openxmlformats.org/officeDocument/2006/relationships" xmlns:p="http://schemas.openxmlformats.org/presentationml/2006/main">
+  <p:cSld>
+    <p:spTree>
+      <p:nvGrpSpPr>
+        <p:cNvPr id="1" name=""/>
+        <p:cNvGrpSpPr/>
+        <p:nvPr/>
+      </p:nvGrpSpPr>
+      <p:grpSpPr>
+        <a:xfrm>
+          <a:off x="0" y="0"/>
+          <a:ext cx="0" cy="0"/>
+          <a:chOff x="0" y="0"/>
+          <a:chExt cx="0" cy="0"/>
+        </a:xfrm>
+      </p:grpSpPr>
+      <p:sp>
+        <p:nvSpPr>
+          <p:cNvPr id="136" name="직사각형 135"/>
           <p:cNvSpPr/>
           <p:nvPr/>
         </p:nvSpPr>
         <p:spPr>
           <a:xfrm>
-            <a:off x="9507669" y="5408859"/>
-            <a:ext cx="659265" cy="659265"/>
+            <a:off x="0" y="1"/>
+            <a:ext cx="12192000" cy="6862129"/>
+          </a:xfrm>
+          <a:prstGeom prst="rect">
+            <a:avLst/>
+          </a:prstGeom>
+          <a:solidFill>
+            <a:schemeClr val="bg1">
+              <a:lumMod val="95000"/>
+            </a:schemeClr>
+          </a:solidFill>
+          <a:ln>
+            <a:noFill/>
+          </a:ln>
+        </p:spPr>
+        <p:style>
+          <a:lnRef idx="2">
+            <a:schemeClr val="accent1">
+              <a:shade val="50000"/>
+            </a:schemeClr>
+          </a:lnRef>
+          <a:fillRef idx="1">
+            <a:schemeClr val="accent1"/>
+          </a:fillRef>
+          <a:effectRef idx="0">
+            <a:schemeClr val="accent1"/>
+          </a:effectRef>
+          <a:fontRef idx="minor">
+            <a:schemeClr val="lt1"/>
+          </a:fontRef>
+        </p:style>
+        <p:txBody>
+          <a:bodyPr rtlCol="0" anchor="ctr"/>
+          <a:lstStyle/>
+          <a:p>
+            <a:pPr algn="ctr"/>
+            <a:endParaRPr lang="ko-KR" altLang="en-US" dirty="0"/>
+          </a:p>
+        </p:txBody>
+      </p:sp>
+      <p:grpSp>
+        <p:nvGrpSpPr>
+          <p:cNvPr id="137" name="그룹 136"/>
+          <p:cNvGrpSpPr/>
+          <p:nvPr/>
+        </p:nvGrpSpPr>
+        <p:grpSpPr>
+          <a:xfrm>
+            <a:off x="11484140" y="257943"/>
+            <a:ext cx="482245" cy="482245"/>
+            <a:chOff x="2959331" y="465513"/>
+            <a:chExt cx="1330036" cy="1330036"/>
+          </a:xfrm>
+        </p:grpSpPr>
+        <p:sp>
+          <p:nvSpPr>
+            <p:cNvPr id="138" name="타원 137"/>
+            <p:cNvSpPr/>
+            <p:nvPr/>
+          </p:nvSpPr>
+          <p:spPr>
+            <a:xfrm>
+              <a:off x="2959331" y="465513"/>
+              <a:ext cx="1330036" cy="1330036"/>
+            </a:xfrm>
+            <a:prstGeom prst="ellipse">
+              <a:avLst/>
+            </a:prstGeom>
+            <a:solidFill>
+              <a:schemeClr val="bg2"/>
+            </a:solidFill>
+            <a:ln>
+              <a:solidFill>
+                <a:schemeClr val="tx1"/>
+              </a:solidFill>
+            </a:ln>
+          </p:spPr>
+          <p:style>
+            <a:lnRef idx="2">
+              <a:schemeClr val="accent1">
+                <a:shade val="50000"/>
+              </a:schemeClr>
+            </a:lnRef>
+            <a:fillRef idx="1">
+              <a:schemeClr val="accent1"/>
+            </a:fillRef>
+            <a:effectRef idx="0">
+              <a:schemeClr val="accent1"/>
+            </a:effectRef>
+            <a:fontRef idx="minor">
+              <a:schemeClr val="lt1"/>
+            </a:fontRef>
+          </p:style>
+          <p:txBody>
+            <a:bodyPr rtlCol="0" anchor="ctr"/>
+            <a:lstStyle/>
+            <a:p>
+              <a:pPr algn="ctr"/>
+              <a:endParaRPr lang="ko-KR" altLang="en-US"/>
+            </a:p>
+          </p:txBody>
+        </p:sp>
+        <p:sp>
+          <p:nvSpPr>
+            <p:cNvPr id="139" name="직사각형 138"/>
+            <p:cNvSpPr/>
+            <p:nvPr/>
+          </p:nvSpPr>
+          <p:spPr>
+            <a:xfrm>
+              <a:off x="3271058" y="785553"/>
+              <a:ext cx="224443" cy="689956"/>
+            </a:xfrm>
+            <a:prstGeom prst="rect">
+              <a:avLst/>
+            </a:prstGeom>
+            <a:solidFill>
+              <a:schemeClr val="tx1">
+                <a:lumMod val="65000"/>
+                <a:lumOff val="35000"/>
+              </a:schemeClr>
+            </a:solidFill>
+            <a:ln>
+              <a:solidFill>
+                <a:schemeClr val="tx1"/>
+              </a:solidFill>
+            </a:ln>
+          </p:spPr>
+          <p:style>
+            <a:lnRef idx="2">
+              <a:schemeClr val="accent1">
+                <a:shade val="50000"/>
+              </a:schemeClr>
+            </a:lnRef>
+            <a:fillRef idx="1">
+              <a:schemeClr val="accent1"/>
+            </a:fillRef>
+            <a:effectRef idx="0">
+              <a:schemeClr val="accent1"/>
+            </a:effectRef>
+            <a:fontRef idx="minor">
+              <a:schemeClr val="lt1"/>
+            </a:fontRef>
+          </p:style>
+          <p:txBody>
+            <a:bodyPr rtlCol="0" anchor="ctr"/>
+            <a:lstStyle/>
+            <a:p>
+              <a:pPr algn="ctr"/>
+              <a:endParaRPr lang="ko-KR" altLang="en-US"/>
+            </a:p>
+          </p:txBody>
+        </p:sp>
+        <p:sp>
+          <p:nvSpPr>
+            <p:cNvPr id="140" name="직사각형 139"/>
+            <p:cNvSpPr/>
+            <p:nvPr/>
+          </p:nvSpPr>
+          <p:spPr>
+            <a:xfrm>
+              <a:off x="3724102" y="785553"/>
+              <a:ext cx="224443" cy="689956"/>
+            </a:xfrm>
+            <a:prstGeom prst="rect">
+              <a:avLst/>
+            </a:prstGeom>
+            <a:solidFill>
+              <a:schemeClr val="tx1">
+                <a:lumMod val="65000"/>
+                <a:lumOff val="35000"/>
+              </a:schemeClr>
+            </a:solidFill>
+            <a:ln>
+              <a:solidFill>
+                <a:schemeClr val="tx1"/>
+              </a:solidFill>
+            </a:ln>
+          </p:spPr>
+          <p:style>
+            <a:lnRef idx="2">
+              <a:schemeClr val="accent1">
+                <a:shade val="50000"/>
+              </a:schemeClr>
+            </a:lnRef>
+            <a:fillRef idx="1">
+              <a:schemeClr val="accent1"/>
+            </a:fillRef>
+            <a:effectRef idx="0">
+              <a:schemeClr val="accent1"/>
+            </a:effectRef>
+            <a:fontRef idx="minor">
+              <a:schemeClr val="lt1"/>
+            </a:fontRef>
+          </p:style>
+          <p:txBody>
+            <a:bodyPr rtlCol="0" anchor="ctr"/>
+            <a:lstStyle/>
+            <a:p>
+              <a:pPr algn="ctr"/>
+              <a:endParaRPr lang="ko-KR" altLang="en-US"/>
+            </a:p>
+          </p:txBody>
+        </p:sp>
+      </p:grpSp>
+      <p:grpSp>
+        <p:nvGrpSpPr>
+          <p:cNvPr id="141" name="그룹 140"/>
+          <p:cNvGrpSpPr/>
+          <p:nvPr/>
+        </p:nvGrpSpPr>
+        <p:grpSpPr>
+          <a:xfrm>
+            <a:off x="1815476" y="754603"/>
+            <a:ext cx="8571096" cy="5313521"/>
+            <a:chOff x="1814383" y="754149"/>
+            <a:chExt cx="8565937" cy="5310323"/>
+          </a:xfrm>
+        </p:grpSpPr>
+        <p:sp>
+          <p:nvSpPr>
+            <p:cNvPr id="142" name="직사각형 141"/>
+            <p:cNvSpPr/>
+            <p:nvPr/>
+          </p:nvSpPr>
+          <p:spPr>
+            <a:xfrm>
+              <a:off x="5767596" y="3428989"/>
+              <a:ext cx="658868" cy="658868"/>
+            </a:xfrm>
+            <a:prstGeom prst="rect">
+              <a:avLst/>
+            </a:prstGeom>
+            <a:noFill/>
+            <a:ln w="28575">
+              <a:solidFill>
+                <a:schemeClr val="tx1">
+                  <a:lumMod val="65000"/>
+                  <a:lumOff val="35000"/>
+                </a:schemeClr>
+              </a:solidFill>
+            </a:ln>
+          </p:spPr>
+          <p:style>
+            <a:lnRef idx="2">
+              <a:schemeClr val="accent1">
+                <a:shade val="50000"/>
+              </a:schemeClr>
+            </a:lnRef>
+            <a:fillRef idx="1">
+              <a:schemeClr val="accent1"/>
+            </a:fillRef>
+            <a:effectRef idx="0">
+              <a:schemeClr val="accent1"/>
+            </a:effectRef>
+            <a:fontRef idx="minor">
+              <a:schemeClr val="lt1"/>
+            </a:fontRef>
+          </p:style>
+          <p:txBody>
+            <a:bodyPr rtlCol="0" anchor="ctr"/>
+            <a:lstStyle/>
+            <a:p>
+              <a:pPr algn="ctr"/>
+              <a:endParaRPr lang="ko-KR" altLang="en-US"/>
+            </a:p>
+          </p:txBody>
+        </p:sp>
+        <p:sp>
+          <p:nvSpPr>
+            <p:cNvPr id="143" name="직사각형 142"/>
+            <p:cNvSpPr/>
+            <p:nvPr/>
+          </p:nvSpPr>
+          <p:spPr>
+            <a:xfrm>
+              <a:off x="6426465" y="3428989"/>
+              <a:ext cx="658868" cy="658868"/>
+            </a:xfrm>
+            <a:prstGeom prst="rect">
+              <a:avLst/>
+            </a:prstGeom>
+            <a:noFill/>
+            <a:ln w="28575">
+              <a:solidFill>
+                <a:schemeClr val="tx1">
+                  <a:lumMod val="65000"/>
+                  <a:lumOff val="35000"/>
+                </a:schemeClr>
+              </a:solidFill>
+            </a:ln>
+          </p:spPr>
+          <p:style>
+            <a:lnRef idx="2">
+              <a:schemeClr val="accent1">
+                <a:shade val="50000"/>
+              </a:schemeClr>
+            </a:lnRef>
+            <a:fillRef idx="1">
+              <a:schemeClr val="accent1"/>
+            </a:fillRef>
+            <a:effectRef idx="0">
+              <a:schemeClr val="accent1"/>
+            </a:effectRef>
+            <a:fontRef idx="minor">
+              <a:schemeClr val="lt1"/>
+            </a:fontRef>
+          </p:style>
+          <p:txBody>
+            <a:bodyPr rtlCol="0" anchor="ctr"/>
+            <a:lstStyle/>
+            <a:p>
+              <a:pPr algn="ctr"/>
+              <a:endParaRPr lang="ko-KR" altLang="en-US"/>
+            </a:p>
+          </p:txBody>
+        </p:sp>
+        <p:sp>
+          <p:nvSpPr>
+            <p:cNvPr id="144" name="직사각형 143"/>
+            <p:cNvSpPr/>
+            <p:nvPr/>
+          </p:nvSpPr>
+          <p:spPr>
+            <a:xfrm>
+              <a:off x="6426465" y="2770129"/>
+              <a:ext cx="658868" cy="658868"/>
+            </a:xfrm>
+            <a:prstGeom prst="rect">
+              <a:avLst/>
+            </a:prstGeom>
+            <a:noFill/>
+            <a:ln w="28575">
+              <a:solidFill>
+                <a:schemeClr val="tx1">
+                  <a:lumMod val="65000"/>
+                  <a:lumOff val="35000"/>
+                </a:schemeClr>
+              </a:solidFill>
+            </a:ln>
+          </p:spPr>
+          <p:style>
+            <a:lnRef idx="2">
+              <a:schemeClr val="accent1">
+                <a:shade val="50000"/>
+              </a:schemeClr>
+            </a:lnRef>
+            <a:fillRef idx="1">
+              <a:schemeClr val="accent1"/>
+            </a:fillRef>
+            <a:effectRef idx="0">
+              <a:schemeClr val="accent1"/>
+            </a:effectRef>
+            <a:fontRef idx="minor">
+              <a:schemeClr val="lt1"/>
+            </a:fontRef>
+          </p:style>
+          <p:txBody>
+            <a:bodyPr rtlCol="0" anchor="ctr"/>
+            <a:lstStyle/>
+            <a:p>
+              <a:pPr algn="ctr"/>
+              <a:endParaRPr lang="ko-KR" altLang="en-US"/>
+            </a:p>
+          </p:txBody>
+        </p:sp>
+        <p:sp>
+          <p:nvSpPr>
+            <p:cNvPr id="145" name="직사각형 144"/>
+            <p:cNvSpPr/>
+            <p:nvPr/>
+          </p:nvSpPr>
+          <p:spPr>
+            <a:xfrm>
+              <a:off x="5767596" y="2770129"/>
+              <a:ext cx="658868" cy="658868"/>
+            </a:xfrm>
+            <a:prstGeom prst="rect">
+              <a:avLst/>
+            </a:prstGeom>
+            <a:noFill/>
+            <a:ln w="28575">
+              <a:solidFill>
+                <a:schemeClr val="tx1">
+                  <a:lumMod val="65000"/>
+                  <a:lumOff val="35000"/>
+                </a:schemeClr>
+              </a:solidFill>
+            </a:ln>
+          </p:spPr>
+          <p:style>
+            <a:lnRef idx="2">
+              <a:schemeClr val="accent1">
+                <a:shade val="50000"/>
+              </a:schemeClr>
+            </a:lnRef>
+            <a:fillRef idx="1">
+              <a:schemeClr val="accent1"/>
+            </a:fillRef>
+            <a:effectRef idx="0">
+              <a:schemeClr val="accent1"/>
+            </a:effectRef>
+            <a:fontRef idx="minor">
+              <a:schemeClr val="lt1"/>
+            </a:fontRef>
+          </p:style>
+          <p:txBody>
+            <a:bodyPr rtlCol="0" anchor="ctr"/>
+            <a:lstStyle/>
+            <a:p>
+              <a:pPr algn="ctr"/>
+              <a:endParaRPr lang="ko-KR" altLang="en-US"/>
+            </a:p>
+          </p:txBody>
+        </p:sp>
+        <p:sp>
+          <p:nvSpPr>
+            <p:cNvPr id="146" name="직사각형 145"/>
+            <p:cNvSpPr/>
+            <p:nvPr/>
+          </p:nvSpPr>
+          <p:spPr>
+            <a:xfrm>
+              <a:off x="7744202" y="2770129"/>
+              <a:ext cx="658868" cy="658868"/>
+            </a:xfrm>
+            <a:prstGeom prst="rect">
+              <a:avLst/>
+            </a:prstGeom>
+            <a:noFill/>
+            <a:ln w="28575">
+              <a:solidFill>
+                <a:schemeClr val="tx1">
+                  <a:lumMod val="65000"/>
+                  <a:lumOff val="35000"/>
+                </a:schemeClr>
+              </a:solidFill>
+            </a:ln>
+          </p:spPr>
+          <p:style>
+            <a:lnRef idx="2">
+              <a:schemeClr val="accent1">
+                <a:shade val="50000"/>
+              </a:schemeClr>
+            </a:lnRef>
+            <a:fillRef idx="1">
+              <a:schemeClr val="accent1"/>
+            </a:fillRef>
+            <a:effectRef idx="0">
+              <a:schemeClr val="accent1"/>
+            </a:effectRef>
+            <a:fontRef idx="minor">
+              <a:schemeClr val="lt1"/>
+            </a:fontRef>
+          </p:style>
+          <p:txBody>
+            <a:bodyPr rtlCol="0" anchor="ctr"/>
+            <a:lstStyle/>
+            <a:p>
+              <a:pPr algn="ctr"/>
+              <a:endParaRPr lang="ko-KR" altLang="en-US"/>
+            </a:p>
+          </p:txBody>
+        </p:sp>
+        <p:sp>
+          <p:nvSpPr>
+            <p:cNvPr id="147" name="직사각형 146"/>
+            <p:cNvSpPr/>
+            <p:nvPr/>
+          </p:nvSpPr>
+          <p:spPr>
+            <a:xfrm>
+              <a:off x="7085333" y="2770129"/>
+              <a:ext cx="658868" cy="658868"/>
+            </a:xfrm>
+            <a:prstGeom prst="rect">
+              <a:avLst/>
+            </a:prstGeom>
+            <a:noFill/>
+            <a:ln w="28575">
+              <a:solidFill>
+                <a:schemeClr val="tx1">
+                  <a:lumMod val="65000"/>
+                  <a:lumOff val="35000"/>
+                </a:schemeClr>
+              </a:solidFill>
+            </a:ln>
+          </p:spPr>
+          <p:style>
+            <a:lnRef idx="2">
+              <a:schemeClr val="accent1">
+                <a:shade val="50000"/>
+              </a:schemeClr>
+            </a:lnRef>
+            <a:fillRef idx="1">
+              <a:schemeClr val="accent1"/>
+            </a:fillRef>
+            <a:effectRef idx="0">
+              <a:schemeClr val="accent1"/>
+            </a:effectRef>
+            <a:fontRef idx="minor">
+              <a:schemeClr val="lt1"/>
+            </a:fontRef>
+          </p:style>
+          <p:txBody>
+            <a:bodyPr rtlCol="0" anchor="ctr"/>
+            <a:lstStyle/>
+            <a:p>
+              <a:pPr algn="ctr"/>
+              <a:endParaRPr lang="ko-KR" altLang="en-US"/>
+            </a:p>
+          </p:txBody>
+        </p:sp>
+        <p:sp>
+          <p:nvSpPr>
+            <p:cNvPr id="148" name="직사각형 147"/>
+            <p:cNvSpPr/>
+            <p:nvPr/>
+          </p:nvSpPr>
+          <p:spPr>
+            <a:xfrm>
+              <a:off x="5767596" y="4746738"/>
+              <a:ext cx="658868" cy="658868"/>
+            </a:xfrm>
+            <a:prstGeom prst="rect">
+              <a:avLst/>
+            </a:prstGeom>
+            <a:noFill/>
+            <a:ln w="28575">
+              <a:solidFill>
+                <a:schemeClr val="tx1">
+                  <a:lumMod val="65000"/>
+                  <a:lumOff val="35000"/>
+                </a:schemeClr>
+              </a:solidFill>
+            </a:ln>
+          </p:spPr>
+          <p:style>
+            <a:lnRef idx="2">
+              <a:schemeClr val="accent1">
+                <a:shade val="50000"/>
+              </a:schemeClr>
+            </a:lnRef>
+            <a:fillRef idx="1">
+              <a:schemeClr val="accent1"/>
+            </a:fillRef>
+            <a:effectRef idx="0">
+              <a:schemeClr val="accent1"/>
+            </a:effectRef>
+            <a:fontRef idx="minor">
+              <a:schemeClr val="lt1"/>
+            </a:fontRef>
+          </p:style>
+          <p:txBody>
+            <a:bodyPr rtlCol="0" anchor="ctr"/>
+            <a:lstStyle/>
+            <a:p>
+              <a:pPr algn="ctr"/>
+              <a:endParaRPr lang="ko-KR" altLang="en-US"/>
+            </a:p>
+          </p:txBody>
+        </p:sp>
+        <p:sp>
+          <p:nvSpPr>
+            <p:cNvPr id="149" name="직사각형 148"/>
+            <p:cNvSpPr/>
+            <p:nvPr/>
+          </p:nvSpPr>
+          <p:spPr>
+            <a:xfrm>
+              <a:off x="6426465" y="4087869"/>
+              <a:ext cx="658868" cy="658868"/>
+            </a:xfrm>
+            <a:prstGeom prst="rect">
+              <a:avLst/>
+            </a:prstGeom>
+            <a:noFill/>
+            <a:ln w="28575">
+              <a:solidFill>
+                <a:schemeClr val="tx1">
+                  <a:lumMod val="65000"/>
+                  <a:lumOff val="35000"/>
+                </a:schemeClr>
+              </a:solidFill>
+            </a:ln>
+          </p:spPr>
+          <p:style>
+            <a:lnRef idx="2">
+              <a:schemeClr val="accent1">
+                <a:shade val="50000"/>
+              </a:schemeClr>
+            </a:lnRef>
+            <a:fillRef idx="1">
+              <a:schemeClr val="accent1"/>
+            </a:fillRef>
+            <a:effectRef idx="0">
+              <a:schemeClr val="accent1"/>
+            </a:effectRef>
+            <a:fontRef idx="minor">
+              <a:schemeClr val="lt1"/>
+            </a:fontRef>
+          </p:style>
+          <p:txBody>
+            <a:bodyPr rtlCol="0" anchor="ctr"/>
+            <a:lstStyle/>
+            <a:p>
+              <a:pPr algn="ctr"/>
+              <a:endParaRPr lang="ko-KR" altLang="en-US"/>
+            </a:p>
+          </p:txBody>
+        </p:sp>
+        <p:sp>
+          <p:nvSpPr>
+            <p:cNvPr id="150" name="직사각형 149"/>
+            <p:cNvSpPr/>
+            <p:nvPr/>
+          </p:nvSpPr>
+          <p:spPr>
+            <a:xfrm>
+              <a:off x="5767596" y="4087869"/>
+              <a:ext cx="658868" cy="658868"/>
+            </a:xfrm>
+            <a:prstGeom prst="rect">
+              <a:avLst/>
+            </a:prstGeom>
+            <a:noFill/>
+            <a:ln w="28575">
+              <a:solidFill>
+                <a:schemeClr val="tx1">
+                  <a:lumMod val="65000"/>
+                  <a:lumOff val="35000"/>
+                </a:schemeClr>
+              </a:solidFill>
+            </a:ln>
+          </p:spPr>
+          <p:style>
+            <a:lnRef idx="2">
+              <a:schemeClr val="accent1">
+                <a:shade val="50000"/>
+              </a:schemeClr>
+            </a:lnRef>
+            <a:fillRef idx="1">
+              <a:schemeClr val="accent1"/>
+            </a:fillRef>
+            <a:effectRef idx="0">
+              <a:schemeClr val="accent1"/>
+            </a:effectRef>
+            <a:fontRef idx="minor">
+              <a:schemeClr val="lt1"/>
+            </a:fontRef>
+          </p:style>
+          <p:txBody>
+            <a:bodyPr rtlCol="0" anchor="ctr"/>
+            <a:lstStyle/>
+            <a:p>
+              <a:pPr algn="ctr"/>
+              <a:endParaRPr lang="ko-KR" altLang="en-US"/>
+            </a:p>
+          </p:txBody>
+        </p:sp>
+        <p:sp>
+          <p:nvSpPr>
+            <p:cNvPr id="151" name="직사각형 150"/>
+            <p:cNvSpPr/>
+            <p:nvPr/>
+          </p:nvSpPr>
+          <p:spPr>
+            <a:xfrm>
+              <a:off x="4449859" y="4746738"/>
+              <a:ext cx="658868" cy="658868"/>
+            </a:xfrm>
+            <a:prstGeom prst="rect">
+              <a:avLst/>
+            </a:prstGeom>
+            <a:noFill/>
+            <a:ln w="28575">
+              <a:solidFill>
+                <a:schemeClr val="tx1">
+                  <a:lumMod val="65000"/>
+                  <a:lumOff val="35000"/>
+                </a:schemeClr>
+              </a:solidFill>
+            </a:ln>
+          </p:spPr>
+          <p:style>
+            <a:lnRef idx="2">
+              <a:schemeClr val="accent1">
+                <a:shade val="50000"/>
+              </a:schemeClr>
+            </a:lnRef>
+            <a:fillRef idx="1">
+              <a:schemeClr val="accent1"/>
+            </a:fillRef>
+            <a:effectRef idx="0">
+              <a:schemeClr val="accent1"/>
+            </a:effectRef>
+            <a:fontRef idx="minor">
+              <a:schemeClr val="lt1"/>
+            </a:fontRef>
+          </p:style>
+          <p:txBody>
+            <a:bodyPr rtlCol="0" anchor="ctr"/>
+            <a:lstStyle/>
+            <a:p>
+              <a:pPr algn="ctr"/>
+              <a:endParaRPr lang="ko-KR" altLang="en-US"/>
+            </a:p>
+          </p:txBody>
+        </p:sp>
+        <p:sp>
+          <p:nvSpPr>
+            <p:cNvPr id="152" name="직사각형 151"/>
+            <p:cNvSpPr/>
+            <p:nvPr/>
+          </p:nvSpPr>
+          <p:spPr>
+            <a:xfrm>
+              <a:off x="5108728" y="4746738"/>
+              <a:ext cx="658868" cy="658868"/>
+            </a:xfrm>
+            <a:prstGeom prst="rect">
+              <a:avLst/>
+            </a:prstGeom>
+            <a:noFill/>
+            <a:ln w="28575">
+              <a:solidFill>
+                <a:schemeClr val="tx1">
+                  <a:lumMod val="65000"/>
+                  <a:lumOff val="35000"/>
+                </a:schemeClr>
+              </a:solidFill>
+            </a:ln>
+          </p:spPr>
+          <p:style>
+            <a:lnRef idx="2">
+              <a:schemeClr val="accent1">
+                <a:shade val="50000"/>
+              </a:schemeClr>
+            </a:lnRef>
+            <a:fillRef idx="1">
+              <a:schemeClr val="accent1"/>
+            </a:fillRef>
+            <a:effectRef idx="0">
+              <a:schemeClr val="accent1"/>
+            </a:effectRef>
+            <a:fontRef idx="minor">
+              <a:schemeClr val="lt1"/>
+            </a:fontRef>
+          </p:style>
+          <p:txBody>
+            <a:bodyPr rtlCol="0" anchor="ctr"/>
+            <a:lstStyle/>
+            <a:p>
+              <a:pPr algn="ctr"/>
+              <a:endParaRPr lang="ko-KR" altLang="en-US"/>
+            </a:p>
+          </p:txBody>
+        </p:sp>
+        <p:sp>
+          <p:nvSpPr>
+            <p:cNvPr id="153" name="직사각형 152"/>
+            <p:cNvSpPr/>
+            <p:nvPr/>
+          </p:nvSpPr>
+          <p:spPr>
+            <a:xfrm>
+              <a:off x="5108728" y="4087869"/>
+              <a:ext cx="658868" cy="658868"/>
+            </a:xfrm>
+            <a:prstGeom prst="rect">
+              <a:avLst/>
+            </a:prstGeom>
+            <a:noFill/>
+            <a:ln w="28575">
+              <a:solidFill>
+                <a:schemeClr val="tx1">
+                  <a:lumMod val="65000"/>
+                  <a:lumOff val="35000"/>
+                </a:schemeClr>
+              </a:solidFill>
+            </a:ln>
+          </p:spPr>
+          <p:style>
+            <a:lnRef idx="2">
+              <a:schemeClr val="accent1">
+                <a:shade val="50000"/>
+              </a:schemeClr>
+            </a:lnRef>
+            <a:fillRef idx="1">
+              <a:schemeClr val="accent1"/>
+            </a:fillRef>
+            <a:effectRef idx="0">
+              <a:schemeClr val="accent1"/>
+            </a:effectRef>
+            <a:fontRef idx="minor">
+              <a:schemeClr val="lt1"/>
+            </a:fontRef>
+          </p:style>
+          <p:txBody>
+            <a:bodyPr rtlCol="0" anchor="ctr"/>
+            <a:lstStyle/>
+            <a:p>
+              <a:pPr algn="ctr"/>
+              <a:endParaRPr lang="ko-KR" altLang="en-US"/>
+            </a:p>
+          </p:txBody>
+        </p:sp>
+        <p:sp>
+          <p:nvSpPr>
+            <p:cNvPr id="154" name="직사각형 153"/>
+            <p:cNvSpPr/>
+            <p:nvPr/>
+          </p:nvSpPr>
+          <p:spPr>
+            <a:xfrm>
+              <a:off x="4449859" y="4087869"/>
+              <a:ext cx="658868" cy="658868"/>
+            </a:xfrm>
+            <a:prstGeom prst="rect">
+              <a:avLst/>
+            </a:prstGeom>
+            <a:noFill/>
+            <a:ln w="28575">
+              <a:solidFill>
+                <a:schemeClr val="tx1">
+                  <a:lumMod val="65000"/>
+                  <a:lumOff val="35000"/>
+                </a:schemeClr>
+              </a:solidFill>
+            </a:ln>
+          </p:spPr>
+          <p:style>
+            <a:lnRef idx="2">
+              <a:schemeClr val="accent1">
+                <a:shade val="50000"/>
+              </a:schemeClr>
+            </a:lnRef>
+            <a:fillRef idx="1">
+              <a:schemeClr val="accent1"/>
+            </a:fillRef>
+            <a:effectRef idx="0">
+              <a:schemeClr val="accent1"/>
+            </a:effectRef>
+            <a:fontRef idx="minor">
+              <a:schemeClr val="lt1"/>
+            </a:fontRef>
+          </p:style>
+          <p:txBody>
+            <a:bodyPr rtlCol="0" anchor="ctr"/>
+            <a:lstStyle/>
+            <a:p>
+              <a:pPr algn="ctr"/>
+              <a:endParaRPr lang="ko-KR" altLang="en-US"/>
+            </a:p>
+          </p:txBody>
+        </p:sp>
+        <p:sp>
+          <p:nvSpPr>
+            <p:cNvPr id="155" name="직사각형 154"/>
+            <p:cNvSpPr/>
+            <p:nvPr/>
+          </p:nvSpPr>
+          <p:spPr>
+            <a:xfrm>
+              <a:off x="4449859" y="3428989"/>
+              <a:ext cx="658868" cy="658868"/>
+            </a:xfrm>
+            <a:prstGeom prst="rect">
+              <a:avLst/>
+            </a:prstGeom>
+            <a:noFill/>
+            <a:ln w="28575">
+              <a:solidFill>
+                <a:schemeClr val="tx1">
+                  <a:lumMod val="65000"/>
+                  <a:lumOff val="35000"/>
+                </a:schemeClr>
+              </a:solidFill>
+            </a:ln>
+          </p:spPr>
+          <p:style>
+            <a:lnRef idx="2">
+              <a:schemeClr val="accent1">
+                <a:shade val="50000"/>
+              </a:schemeClr>
+            </a:lnRef>
+            <a:fillRef idx="1">
+              <a:schemeClr val="accent1"/>
+            </a:fillRef>
+            <a:effectRef idx="0">
+              <a:schemeClr val="accent1"/>
+            </a:effectRef>
+            <a:fontRef idx="minor">
+              <a:schemeClr val="lt1"/>
+            </a:fontRef>
+          </p:style>
+          <p:txBody>
+            <a:bodyPr rtlCol="0" anchor="ctr"/>
+            <a:lstStyle/>
+            <a:p>
+              <a:pPr algn="ctr"/>
+              <a:endParaRPr lang="ko-KR" altLang="en-US"/>
+            </a:p>
+          </p:txBody>
+        </p:sp>
+        <p:sp>
+          <p:nvSpPr>
+            <p:cNvPr id="156" name="직사각형 155"/>
+            <p:cNvSpPr/>
+            <p:nvPr/>
+          </p:nvSpPr>
+          <p:spPr>
+            <a:xfrm>
+              <a:off x="5108728" y="3428989"/>
+              <a:ext cx="658868" cy="658868"/>
+            </a:xfrm>
+            <a:prstGeom prst="rect">
+              <a:avLst/>
+            </a:prstGeom>
+            <a:noFill/>
+            <a:ln w="28575">
+              <a:solidFill>
+                <a:schemeClr val="tx1">
+                  <a:lumMod val="65000"/>
+                  <a:lumOff val="35000"/>
+                </a:schemeClr>
+              </a:solidFill>
+            </a:ln>
+          </p:spPr>
+          <p:style>
+            <a:lnRef idx="2">
+              <a:schemeClr val="accent1">
+                <a:shade val="50000"/>
+              </a:schemeClr>
+            </a:lnRef>
+            <a:fillRef idx="1">
+              <a:schemeClr val="accent1"/>
+            </a:fillRef>
+            <a:effectRef idx="0">
+              <a:schemeClr val="accent1"/>
+            </a:effectRef>
+            <a:fontRef idx="minor">
+              <a:schemeClr val="lt1"/>
+            </a:fontRef>
+          </p:style>
+          <p:txBody>
+            <a:bodyPr rtlCol="0" anchor="ctr"/>
+            <a:lstStyle/>
+            <a:p>
+              <a:pPr algn="ctr"/>
+              <a:endParaRPr lang="ko-KR" altLang="en-US"/>
+            </a:p>
+          </p:txBody>
+        </p:sp>
+        <p:sp>
+          <p:nvSpPr>
+            <p:cNvPr id="157" name="직사각형 156"/>
+            <p:cNvSpPr/>
+            <p:nvPr/>
+          </p:nvSpPr>
+          <p:spPr>
+            <a:xfrm>
+              <a:off x="5108728" y="2770129"/>
+              <a:ext cx="658868" cy="658868"/>
+            </a:xfrm>
+            <a:prstGeom prst="rect">
+              <a:avLst/>
+            </a:prstGeom>
+            <a:noFill/>
+            <a:ln w="28575">
+              <a:solidFill>
+                <a:schemeClr val="tx1">
+                  <a:lumMod val="65000"/>
+                  <a:lumOff val="35000"/>
+                </a:schemeClr>
+              </a:solidFill>
+            </a:ln>
+          </p:spPr>
+          <p:style>
+            <a:lnRef idx="2">
+              <a:schemeClr val="accent1">
+                <a:shade val="50000"/>
+              </a:schemeClr>
+            </a:lnRef>
+            <a:fillRef idx="1">
+              <a:schemeClr val="accent1"/>
+            </a:fillRef>
+            <a:effectRef idx="0">
+              <a:schemeClr val="accent1"/>
+            </a:effectRef>
+            <a:fontRef idx="minor">
+              <a:schemeClr val="lt1"/>
+            </a:fontRef>
+          </p:style>
+          <p:txBody>
+            <a:bodyPr rtlCol="0" anchor="ctr"/>
+            <a:lstStyle/>
+            <a:p>
+              <a:pPr algn="ctr"/>
+              <a:endParaRPr lang="ko-KR" altLang="en-US"/>
+            </a:p>
+          </p:txBody>
+        </p:sp>
+        <p:sp>
+          <p:nvSpPr>
+            <p:cNvPr id="158" name="직사각형 157"/>
+            <p:cNvSpPr/>
+            <p:nvPr/>
+          </p:nvSpPr>
+          <p:spPr>
+            <a:xfrm>
+              <a:off x="4449859" y="2770129"/>
+              <a:ext cx="658868" cy="658868"/>
+            </a:xfrm>
+            <a:prstGeom prst="rect">
+              <a:avLst/>
+            </a:prstGeom>
+            <a:noFill/>
+            <a:ln w="28575">
+              <a:solidFill>
+                <a:schemeClr val="tx1">
+                  <a:lumMod val="65000"/>
+                  <a:lumOff val="35000"/>
+                </a:schemeClr>
+              </a:solidFill>
+            </a:ln>
+          </p:spPr>
+          <p:style>
+            <a:lnRef idx="2">
+              <a:schemeClr val="accent1">
+                <a:shade val="50000"/>
+              </a:schemeClr>
+            </a:lnRef>
+            <a:fillRef idx="1">
+              <a:schemeClr val="accent1"/>
+            </a:fillRef>
+            <a:effectRef idx="0">
+              <a:schemeClr val="accent1"/>
+            </a:effectRef>
+            <a:fontRef idx="minor">
+              <a:schemeClr val="lt1"/>
+            </a:fontRef>
+          </p:style>
+          <p:txBody>
+            <a:bodyPr rtlCol="0" anchor="ctr"/>
+            <a:lstStyle/>
+            <a:p>
+              <a:pPr algn="ctr"/>
+              <a:endParaRPr lang="ko-KR" altLang="en-US"/>
+            </a:p>
+          </p:txBody>
+        </p:sp>
+        <p:sp>
+          <p:nvSpPr>
+            <p:cNvPr id="159" name="직사각형 158"/>
+            <p:cNvSpPr/>
+            <p:nvPr/>
+          </p:nvSpPr>
+          <p:spPr>
+            <a:xfrm>
+              <a:off x="4449859" y="2111263"/>
+              <a:ext cx="658868" cy="658868"/>
+            </a:xfrm>
+            <a:prstGeom prst="rect">
+              <a:avLst/>
+            </a:prstGeom>
+            <a:noFill/>
+            <a:ln w="28575">
+              <a:solidFill>
+                <a:schemeClr val="tx1">
+                  <a:lumMod val="65000"/>
+                  <a:lumOff val="35000"/>
+                </a:schemeClr>
+              </a:solidFill>
+            </a:ln>
+          </p:spPr>
+          <p:style>
+            <a:lnRef idx="2">
+              <a:schemeClr val="accent1">
+                <a:shade val="50000"/>
+              </a:schemeClr>
+            </a:lnRef>
+            <a:fillRef idx="1">
+              <a:schemeClr val="accent1"/>
+            </a:fillRef>
+            <a:effectRef idx="0">
+              <a:schemeClr val="accent1"/>
+            </a:effectRef>
+            <a:fontRef idx="minor">
+              <a:schemeClr val="lt1"/>
+            </a:fontRef>
+          </p:style>
+          <p:txBody>
+            <a:bodyPr rtlCol="0" anchor="ctr"/>
+            <a:lstStyle/>
+            <a:p>
+              <a:pPr algn="ctr"/>
+              <a:endParaRPr lang="ko-KR" altLang="en-US"/>
+            </a:p>
+          </p:txBody>
+        </p:sp>
+        <p:sp>
+          <p:nvSpPr>
+            <p:cNvPr id="160" name="직사각형 159"/>
+            <p:cNvSpPr/>
+            <p:nvPr/>
+          </p:nvSpPr>
+          <p:spPr>
+            <a:xfrm>
+              <a:off x="5108728" y="2111263"/>
+              <a:ext cx="658868" cy="658868"/>
+            </a:xfrm>
+            <a:prstGeom prst="rect">
+              <a:avLst/>
+            </a:prstGeom>
+            <a:noFill/>
+            <a:ln w="28575">
+              <a:solidFill>
+                <a:schemeClr val="tx1">
+                  <a:lumMod val="65000"/>
+                  <a:lumOff val="35000"/>
+                </a:schemeClr>
+              </a:solidFill>
+            </a:ln>
+          </p:spPr>
+          <p:style>
+            <a:lnRef idx="2">
+              <a:schemeClr val="accent1">
+                <a:shade val="50000"/>
+              </a:schemeClr>
+            </a:lnRef>
+            <a:fillRef idx="1">
+              <a:schemeClr val="accent1"/>
+            </a:fillRef>
+            <a:effectRef idx="0">
+              <a:schemeClr val="accent1"/>
+            </a:effectRef>
+            <a:fontRef idx="minor">
+              <a:schemeClr val="lt1"/>
+            </a:fontRef>
+          </p:style>
+          <p:txBody>
+            <a:bodyPr rtlCol="0" anchor="ctr"/>
+            <a:lstStyle/>
+            <a:p>
+              <a:pPr algn="ctr"/>
+              <a:endParaRPr lang="ko-KR" altLang="en-US"/>
+            </a:p>
+          </p:txBody>
+        </p:sp>
+        <p:sp>
+          <p:nvSpPr>
+            <p:cNvPr id="161" name="직사각형 160"/>
+            <p:cNvSpPr/>
+            <p:nvPr/>
+          </p:nvSpPr>
+          <p:spPr>
+            <a:xfrm>
+              <a:off x="5108728" y="1452394"/>
+              <a:ext cx="658868" cy="658868"/>
+            </a:xfrm>
+            <a:prstGeom prst="rect">
+              <a:avLst/>
+            </a:prstGeom>
+            <a:noFill/>
+            <a:ln w="28575">
+              <a:solidFill>
+                <a:schemeClr val="tx1">
+                  <a:lumMod val="65000"/>
+                  <a:lumOff val="35000"/>
+                </a:schemeClr>
+              </a:solidFill>
+            </a:ln>
+          </p:spPr>
+          <p:style>
+            <a:lnRef idx="2">
+              <a:schemeClr val="accent1">
+                <a:shade val="50000"/>
+              </a:schemeClr>
+            </a:lnRef>
+            <a:fillRef idx="1">
+              <a:schemeClr val="accent1"/>
+            </a:fillRef>
+            <a:effectRef idx="0">
+              <a:schemeClr val="accent1"/>
+            </a:effectRef>
+            <a:fontRef idx="minor">
+              <a:schemeClr val="lt1"/>
+            </a:fontRef>
+          </p:style>
+          <p:txBody>
+            <a:bodyPr rtlCol="0" anchor="ctr"/>
+            <a:lstStyle/>
+            <a:p>
+              <a:pPr algn="ctr"/>
+              <a:endParaRPr lang="ko-KR" altLang="en-US"/>
+            </a:p>
+          </p:txBody>
+        </p:sp>
+        <p:sp>
+          <p:nvSpPr>
+            <p:cNvPr id="162" name="직사각형 161"/>
+            <p:cNvSpPr/>
+            <p:nvPr/>
+          </p:nvSpPr>
+          <p:spPr>
+            <a:xfrm>
+              <a:off x="4449859" y="1452394"/>
+              <a:ext cx="658868" cy="658868"/>
+            </a:xfrm>
+            <a:prstGeom prst="rect">
+              <a:avLst/>
+            </a:prstGeom>
+            <a:noFill/>
+            <a:ln w="28575">
+              <a:solidFill>
+                <a:schemeClr val="tx1">
+                  <a:lumMod val="65000"/>
+                  <a:lumOff val="35000"/>
+                </a:schemeClr>
+              </a:solidFill>
+            </a:ln>
+          </p:spPr>
+          <p:style>
+            <a:lnRef idx="2">
+              <a:schemeClr val="accent1">
+                <a:shade val="50000"/>
+              </a:schemeClr>
+            </a:lnRef>
+            <a:fillRef idx="1">
+              <a:schemeClr val="accent1"/>
+            </a:fillRef>
+            <a:effectRef idx="0">
+              <a:schemeClr val="accent1"/>
+            </a:effectRef>
+            <a:fontRef idx="minor">
+              <a:schemeClr val="lt1"/>
+            </a:fontRef>
+          </p:style>
+          <p:txBody>
+            <a:bodyPr rtlCol="0" anchor="ctr"/>
+            <a:lstStyle/>
+            <a:p>
+              <a:pPr algn="ctr"/>
+              <a:endParaRPr lang="ko-KR" altLang="en-US"/>
+            </a:p>
+          </p:txBody>
+        </p:sp>
+        <p:sp>
+          <p:nvSpPr>
+            <p:cNvPr id="163" name="직사각형 162"/>
+            <p:cNvSpPr/>
+            <p:nvPr/>
+          </p:nvSpPr>
+          <p:spPr>
+            <a:xfrm>
+              <a:off x="5767596" y="2111263"/>
+              <a:ext cx="658868" cy="658868"/>
+            </a:xfrm>
+            <a:prstGeom prst="rect">
+              <a:avLst/>
+            </a:prstGeom>
+            <a:noFill/>
+            <a:ln w="28575">
+              <a:solidFill>
+                <a:schemeClr val="tx1">
+                  <a:lumMod val="65000"/>
+                  <a:lumOff val="35000"/>
+                </a:schemeClr>
+              </a:solidFill>
+            </a:ln>
+          </p:spPr>
+          <p:style>
+            <a:lnRef idx="2">
+              <a:schemeClr val="accent1">
+                <a:shade val="50000"/>
+              </a:schemeClr>
+            </a:lnRef>
+            <a:fillRef idx="1">
+              <a:schemeClr val="accent1"/>
+            </a:fillRef>
+            <a:effectRef idx="0">
+              <a:schemeClr val="accent1"/>
+            </a:effectRef>
+            <a:fontRef idx="minor">
+              <a:schemeClr val="lt1"/>
+            </a:fontRef>
+          </p:style>
+          <p:txBody>
+            <a:bodyPr rtlCol="0" anchor="ctr"/>
+            <a:lstStyle/>
+            <a:p>
+              <a:pPr algn="ctr"/>
+              <a:endParaRPr lang="ko-KR" altLang="en-US"/>
+            </a:p>
+          </p:txBody>
+        </p:sp>
+        <p:sp>
+          <p:nvSpPr>
+            <p:cNvPr id="164" name="직사각형 163"/>
+            <p:cNvSpPr/>
+            <p:nvPr/>
+          </p:nvSpPr>
+          <p:spPr>
+            <a:xfrm>
+              <a:off x="6426465" y="2111263"/>
+              <a:ext cx="658868" cy="658868"/>
+            </a:xfrm>
+            <a:prstGeom prst="rect">
+              <a:avLst/>
+            </a:prstGeom>
+            <a:noFill/>
+            <a:ln w="28575">
+              <a:solidFill>
+                <a:schemeClr val="tx1">
+                  <a:lumMod val="65000"/>
+                  <a:lumOff val="35000"/>
+                </a:schemeClr>
+              </a:solidFill>
+            </a:ln>
+          </p:spPr>
+          <p:style>
+            <a:lnRef idx="2">
+              <a:schemeClr val="accent1">
+                <a:shade val="50000"/>
+              </a:schemeClr>
+            </a:lnRef>
+            <a:fillRef idx="1">
+              <a:schemeClr val="accent1"/>
+            </a:fillRef>
+            <a:effectRef idx="0">
+              <a:schemeClr val="accent1"/>
+            </a:effectRef>
+            <a:fontRef idx="minor">
+              <a:schemeClr val="lt1"/>
+            </a:fontRef>
+          </p:style>
+          <p:txBody>
+            <a:bodyPr rtlCol="0" anchor="ctr"/>
+            <a:lstStyle/>
+            <a:p>
+              <a:pPr algn="ctr"/>
+              <a:endParaRPr lang="ko-KR" altLang="en-US"/>
+            </a:p>
+          </p:txBody>
+        </p:sp>
+        <p:sp>
+          <p:nvSpPr>
+            <p:cNvPr id="165" name="직사각형 164"/>
+            <p:cNvSpPr/>
+            <p:nvPr/>
+          </p:nvSpPr>
+          <p:spPr>
+            <a:xfrm>
+              <a:off x="6426465" y="1452394"/>
+              <a:ext cx="658868" cy="658868"/>
+            </a:xfrm>
+            <a:prstGeom prst="rect">
+              <a:avLst/>
+            </a:prstGeom>
+            <a:noFill/>
+            <a:ln w="28575">
+              <a:solidFill>
+                <a:schemeClr val="tx1">
+                  <a:lumMod val="65000"/>
+                  <a:lumOff val="35000"/>
+                </a:schemeClr>
+              </a:solidFill>
+            </a:ln>
+          </p:spPr>
+          <p:style>
+            <a:lnRef idx="2">
+              <a:schemeClr val="accent1">
+                <a:shade val="50000"/>
+              </a:schemeClr>
+            </a:lnRef>
+            <a:fillRef idx="1">
+              <a:schemeClr val="accent1"/>
+            </a:fillRef>
+            <a:effectRef idx="0">
+              <a:schemeClr val="accent1"/>
+            </a:effectRef>
+            <a:fontRef idx="minor">
+              <a:schemeClr val="lt1"/>
+            </a:fontRef>
+          </p:style>
+          <p:txBody>
+            <a:bodyPr rtlCol="0" anchor="ctr"/>
+            <a:lstStyle/>
+            <a:p>
+              <a:pPr algn="ctr"/>
+              <a:endParaRPr lang="ko-KR" altLang="en-US"/>
+            </a:p>
+          </p:txBody>
+        </p:sp>
+        <p:sp>
+          <p:nvSpPr>
+            <p:cNvPr id="166" name="직사각형 165"/>
+            <p:cNvSpPr/>
+            <p:nvPr/>
+          </p:nvSpPr>
+          <p:spPr>
+            <a:xfrm>
+              <a:off x="5767596" y="1452394"/>
+              <a:ext cx="658868" cy="658868"/>
+            </a:xfrm>
+            <a:prstGeom prst="rect">
+              <a:avLst/>
+            </a:prstGeom>
+            <a:noFill/>
+            <a:ln w="28575">
+              <a:solidFill>
+                <a:schemeClr val="tx1">
+                  <a:lumMod val="65000"/>
+                  <a:lumOff val="35000"/>
+                </a:schemeClr>
+              </a:solidFill>
+            </a:ln>
+          </p:spPr>
+          <p:style>
+            <a:lnRef idx="2">
+              <a:schemeClr val="accent1">
+                <a:shade val="50000"/>
+              </a:schemeClr>
+            </a:lnRef>
+            <a:fillRef idx="1">
+              <a:schemeClr val="accent1"/>
+            </a:fillRef>
+            <a:effectRef idx="0">
+              <a:schemeClr val="accent1"/>
+            </a:effectRef>
+            <a:fontRef idx="minor">
+              <a:schemeClr val="lt1"/>
+            </a:fontRef>
+          </p:style>
+          <p:txBody>
+            <a:bodyPr rtlCol="0" anchor="ctr"/>
+            <a:lstStyle/>
+            <a:p>
+              <a:pPr algn="ctr"/>
+              <a:endParaRPr lang="ko-KR" altLang="en-US"/>
+            </a:p>
+          </p:txBody>
+        </p:sp>
+        <p:sp>
+          <p:nvSpPr>
+            <p:cNvPr id="167" name="직사각형 166"/>
+            <p:cNvSpPr/>
+            <p:nvPr/>
+          </p:nvSpPr>
+          <p:spPr>
+            <a:xfrm>
+              <a:off x="7085333" y="2111263"/>
+              <a:ext cx="658868" cy="658868"/>
+            </a:xfrm>
+            <a:prstGeom prst="rect">
+              <a:avLst/>
+            </a:prstGeom>
+            <a:noFill/>
+            <a:ln w="28575">
+              <a:solidFill>
+                <a:schemeClr val="tx1">
+                  <a:lumMod val="65000"/>
+                  <a:lumOff val="35000"/>
+                </a:schemeClr>
+              </a:solidFill>
+            </a:ln>
+          </p:spPr>
+          <p:style>
+            <a:lnRef idx="2">
+              <a:schemeClr val="accent1">
+                <a:shade val="50000"/>
+              </a:schemeClr>
+            </a:lnRef>
+            <a:fillRef idx="1">
+              <a:schemeClr val="accent1"/>
+            </a:fillRef>
+            <a:effectRef idx="0">
+              <a:schemeClr val="accent1"/>
+            </a:effectRef>
+            <a:fontRef idx="minor">
+              <a:schemeClr val="lt1"/>
+            </a:fontRef>
+          </p:style>
+          <p:txBody>
+            <a:bodyPr rtlCol="0" anchor="ctr"/>
+            <a:lstStyle/>
+            <a:p>
+              <a:pPr algn="ctr"/>
+              <a:endParaRPr lang="ko-KR" altLang="en-US"/>
+            </a:p>
+          </p:txBody>
+        </p:sp>
+        <p:sp>
+          <p:nvSpPr>
+            <p:cNvPr id="168" name="직사각형 167"/>
+            <p:cNvSpPr/>
+            <p:nvPr/>
+          </p:nvSpPr>
+          <p:spPr>
+            <a:xfrm>
+              <a:off x="7744202" y="2111263"/>
+              <a:ext cx="658868" cy="658868"/>
+            </a:xfrm>
+            <a:prstGeom prst="rect">
+              <a:avLst/>
+            </a:prstGeom>
+            <a:noFill/>
+            <a:ln w="28575">
+              <a:solidFill>
+                <a:schemeClr val="tx1">
+                  <a:lumMod val="65000"/>
+                  <a:lumOff val="35000"/>
+                </a:schemeClr>
+              </a:solidFill>
+            </a:ln>
+          </p:spPr>
+          <p:style>
+            <a:lnRef idx="2">
+              <a:schemeClr val="accent1">
+                <a:shade val="50000"/>
+              </a:schemeClr>
+            </a:lnRef>
+            <a:fillRef idx="1">
+              <a:schemeClr val="accent1"/>
+            </a:fillRef>
+            <a:effectRef idx="0">
+              <a:schemeClr val="accent1"/>
+            </a:effectRef>
+            <a:fontRef idx="minor">
+              <a:schemeClr val="lt1"/>
+            </a:fontRef>
+          </p:style>
+          <p:txBody>
+            <a:bodyPr rtlCol="0" anchor="ctr"/>
+            <a:lstStyle/>
+            <a:p>
+              <a:pPr algn="ctr"/>
+              <a:endParaRPr lang="ko-KR" altLang="en-US"/>
+            </a:p>
+          </p:txBody>
+        </p:sp>
+        <p:sp>
+          <p:nvSpPr>
+            <p:cNvPr id="169" name="직사각형 168"/>
+            <p:cNvSpPr/>
+            <p:nvPr/>
+          </p:nvSpPr>
+          <p:spPr>
+            <a:xfrm>
+              <a:off x="8403071" y="2111263"/>
+              <a:ext cx="658868" cy="658868"/>
+            </a:xfrm>
+            <a:prstGeom prst="rect">
+              <a:avLst/>
+            </a:prstGeom>
+            <a:noFill/>
+            <a:ln w="28575">
+              <a:solidFill>
+                <a:schemeClr val="tx1">
+                  <a:lumMod val="65000"/>
+                  <a:lumOff val="35000"/>
+                </a:schemeClr>
+              </a:solidFill>
+            </a:ln>
+          </p:spPr>
+          <p:style>
+            <a:lnRef idx="2">
+              <a:schemeClr val="accent1">
+                <a:shade val="50000"/>
+              </a:schemeClr>
+            </a:lnRef>
+            <a:fillRef idx="1">
+              <a:schemeClr val="accent1"/>
+            </a:fillRef>
+            <a:effectRef idx="0">
+              <a:schemeClr val="accent1"/>
+            </a:effectRef>
+            <a:fontRef idx="minor">
+              <a:schemeClr val="lt1"/>
+            </a:fontRef>
+          </p:style>
+          <p:txBody>
+            <a:bodyPr rtlCol="0" anchor="ctr"/>
+            <a:lstStyle/>
+            <a:p>
+              <a:pPr algn="ctr"/>
+              <a:endParaRPr lang="ko-KR" altLang="en-US"/>
+            </a:p>
+          </p:txBody>
+        </p:sp>
+        <p:sp>
+          <p:nvSpPr>
+            <p:cNvPr id="170" name="직사각형 169"/>
+            <p:cNvSpPr/>
+            <p:nvPr/>
+          </p:nvSpPr>
+          <p:spPr>
+            <a:xfrm>
+              <a:off x="9061939" y="2111263"/>
+              <a:ext cx="658868" cy="658868"/>
+            </a:xfrm>
+            <a:prstGeom prst="rect">
+              <a:avLst/>
+            </a:prstGeom>
+            <a:noFill/>
+            <a:ln w="28575">
+              <a:solidFill>
+                <a:schemeClr val="tx1">
+                  <a:lumMod val="65000"/>
+                  <a:lumOff val="35000"/>
+                </a:schemeClr>
+              </a:solidFill>
+            </a:ln>
+          </p:spPr>
+          <p:style>
+            <a:lnRef idx="2">
+              <a:schemeClr val="accent1">
+                <a:shade val="50000"/>
+              </a:schemeClr>
+            </a:lnRef>
+            <a:fillRef idx="1">
+              <a:schemeClr val="accent1"/>
+            </a:fillRef>
+            <a:effectRef idx="0">
+              <a:schemeClr val="accent1"/>
+            </a:effectRef>
+            <a:fontRef idx="minor">
+              <a:schemeClr val="lt1"/>
+            </a:fontRef>
+          </p:style>
+          <p:txBody>
+            <a:bodyPr rtlCol="0" anchor="ctr"/>
+            <a:lstStyle/>
+            <a:p>
+              <a:pPr algn="ctr"/>
+              <a:endParaRPr lang="ko-KR" altLang="en-US"/>
+            </a:p>
+          </p:txBody>
+        </p:sp>
+        <p:sp>
+          <p:nvSpPr>
+            <p:cNvPr id="171" name="직사각형 170"/>
+            <p:cNvSpPr/>
+            <p:nvPr/>
+          </p:nvSpPr>
+          <p:spPr>
+            <a:xfrm>
+              <a:off x="9061939" y="1452394"/>
+              <a:ext cx="658868" cy="658868"/>
+            </a:xfrm>
+            <a:prstGeom prst="rect">
+              <a:avLst/>
+            </a:prstGeom>
+            <a:noFill/>
+            <a:ln w="28575">
+              <a:solidFill>
+                <a:schemeClr val="tx1">
+                  <a:lumMod val="65000"/>
+                  <a:lumOff val="35000"/>
+                </a:schemeClr>
+              </a:solidFill>
+            </a:ln>
+          </p:spPr>
+          <p:style>
+            <a:lnRef idx="2">
+              <a:schemeClr val="accent1">
+                <a:shade val="50000"/>
+              </a:schemeClr>
+            </a:lnRef>
+            <a:fillRef idx="1">
+              <a:schemeClr val="accent1"/>
+            </a:fillRef>
+            <a:effectRef idx="0">
+              <a:schemeClr val="accent1"/>
+            </a:effectRef>
+            <a:fontRef idx="minor">
+              <a:schemeClr val="lt1"/>
+            </a:fontRef>
+          </p:style>
+          <p:txBody>
+            <a:bodyPr rtlCol="0" anchor="ctr"/>
+            <a:lstStyle/>
+            <a:p>
+              <a:pPr algn="ctr"/>
+              <a:endParaRPr lang="ko-KR" altLang="en-US"/>
+            </a:p>
+          </p:txBody>
+        </p:sp>
+        <p:sp>
+          <p:nvSpPr>
+            <p:cNvPr id="172" name="직사각형 171"/>
+            <p:cNvSpPr/>
+            <p:nvPr/>
+          </p:nvSpPr>
+          <p:spPr>
+            <a:xfrm>
+              <a:off x="9720809" y="1452394"/>
+              <a:ext cx="658868" cy="658868"/>
+            </a:xfrm>
+            <a:prstGeom prst="rect">
+              <a:avLst/>
+            </a:prstGeom>
+            <a:solidFill>
+              <a:schemeClr val="bg1">
+                <a:lumMod val="65000"/>
+              </a:schemeClr>
+            </a:solidFill>
+            <a:ln w="28575">
+              <a:solidFill>
+                <a:schemeClr val="tx1">
+                  <a:lumMod val="65000"/>
+                  <a:lumOff val="35000"/>
+                </a:schemeClr>
+              </a:solidFill>
+            </a:ln>
+          </p:spPr>
+          <p:style>
+            <a:lnRef idx="2">
+              <a:schemeClr val="accent1">
+                <a:shade val="50000"/>
+              </a:schemeClr>
+            </a:lnRef>
+            <a:fillRef idx="1">
+              <a:schemeClr val="accent1"/>
+            </a:fillRef>
+            <a:effectRef idx="0">
+              <a:schemeClr val="accent1"/>
+            </a:effectRef>
+            <a:fontRef idx="minor">
+              <a:schemeClr val="lt1"/>
+            </a:fontRef>
+          </p:style>
+          <p:txBody>
+            <a:bodyPr rtlCol="0" anchor="ctr"/>
+            <a:lstStyle/>
+            <a:p>
+              <a:pPr algn="ctr"/>
+              <a:endParaRPr lang="ko-KR" altLang="en-US"/>
+            </a:p>
+          </p:txBody>
+        </p:sp>
+        <p:sp>
+          <p:nvSpPr>
+            <p:cNvPr id="173" name="직사각형 172"/>
+            <p:cNvSpPr/>
+            <p:nvPr/>
+          </p:nvSpPr>
+          <p:spPr>
+            <a:xfrm>
+              <a:off x="9720809" y="3428995"/>
+              <a:ext cx="658868" cy="658868"/>
+            </a:xfrm>
+            <a:prstGeom prst="rect">
+              <a:avLst/>
+            </a:prstGeom>
+            <a:solidFill>
+              <a:schemeClr val="bg1">
+                <a:lumMod val="65000"/>
+              </a:schemeClr>
+            </a:solidFill>
+            <a:ln w="28575">
+              <a:solidFill>
+                <a:schemeClr val="tx1">
+                  <a:lumMod val="65000"/>
+                  <a:lumOff val="35000"/>
+                </a:schemeClr>
+              </a:solidFill>
+            </a:ln>
+          </p:spPr>
+          <p:style>
+            <a:lnRef idx="2">
+              <a:schemeClr val="accent1">
+                <a:shade val="50000"/>
+              </a:schemeClr>
+            </a:lnRef>
+            <a:fillRef idx="1">
+              <a:schemeClr val="accent1"/>
+            </a:fillRef>
+            <a:effectRef idx="0">
+              <a:schemeClr val="accent1"/>
+            </a:effectRef>
+            <a:fontRef idx="minor">
+              <a:schemeClr val="lt1"/>
+            </a:fontRef>
+          </p:style>
+          <p:txBody>
+            <a:bodyPr rtlCol="0" anchor="ctr"/>
+            <a:lstStyle/>
+            <a:p>
+              <a:pPr algn="ctr"/>
+              <a:endParaRPr lang="ko-KR" altLang="en-US"/>
+            </a:p>
+          </p:txBody>
+        </p:sp>
+        <p:sp>
+          <p:nvSpPr>
+            <p:cNvPr id="174" name="직사각형 173"/>
+            <p:cNvSpPr/>
+            <p:nvPr/>
+          </p:nvSpPr>
+          <p:spPr>
+            <a:xfrm>
+              <a:off x="9720809" y="2770129"/>
+              <a:ext cx="658868" cy="658868"/>
+            </a:xfrm>
+            <a:prstGeom prst="rect">
+              <a:avLst/>
+            </a:prstGeom>
+            <a:solidFill>
+              <a:schemeClr val="bg1">
+                <a:lumMod val="65000"/>
+              </a:schemeClr>
+            </a:solidFill>
+            <a:ln w="28575">
+              <a:solidFill>
+                <a:schemeClr val="tx1">
+                  <a:lumMod val="65000"/>
+                  <a:lumOff val="35000"/>
+                </a:schemeClr>
+              </a:solidFill>
+            </a:ln>
+          </p:spPr>
+          <p:style>
+            <a:lnRef idx="2">
+              <a:schemeClr val="accent1">
+                <a:shade val="50000"/>
+              </a:schemeClr>
+            </a:lnRef>
+            <a:fillRef idx="1">
+              <a:schemeClr val="accent1"/>
+            </a:fillRef>
+            <a:effectRef idx="0">
+              <a:schemeClr val="accent1"/>
+            </a:effectRef>
+            <a:fontRef idx="minor">
+              <a:schemeClr val="lt1"/>
+            </a:fontRef>
+          </p:style>
+          <p:txBody>
+            <a:bodyPr rtlCol="0" anchor="ctr"/>
+            <a:lstStyle/>
+            <a:p>
+              <a:pPr algn="ctr"/>
+              <a:endParaRPr lang="ko-KR" altLang="en-US"/>
+            </a:p>
+          </p:txBody>
+        </p:sp>
+        <p:sp>
+          <p:nvSpPr>
+            <p:cNvPr id="175" name="직사각형 174"/>
+            <p:cNvSpPr/>
+            <p:nvPr/>
+          </p:nvSpPr>
+          <p:spPr>
+            <a:xfrm>
+              <a:off x="9061939" y="2770129"/>
+              <a:ext cx="658868" cy="658868"/>
+            </a:xfrm>
+            <a:prstGeom prst="rect">
+              <a:avLst/>
+            </a:prstGeom>
+            <a:noFill/>
+            <a:ln w="28575">
+              <a:solidFill>
+                <a:schemeClr val="tx1">
+                  <a:lumMod val="65000"/>
+                  <a:lumOff val="35000"/>
+                </a:schemeClr>
+              </a:solidFill>
+            </a:ln>
+          </p:spPr>
+          <p:style>
+            <a:lnRef idx="2">
+              <a:schemeClr val="accent1">
+                <a:shade val="50000"/>
+              </a:schemeClr>
+            </a:lnRef>
+            <a:fillRef idx="1">
+              <a:schemeClr val="accent1"/>
+            </a:fillRef>
+            <a:effectRef idx="0">
+              <a:schemeClr val="accent1"/>
+            </a:effectRef>
+            <a:fontRef idx="minor">
+              <a:schemeClr val="lt1"/>
+            </a:fontRef>
+          </p:style>
+          <p:txBody>
+            <a:bodyPr rtlCol="0" anchor="ctr"/>
+            <a:lstStyle/>
+            <a:p>
+              <a:pPr algn="ctr"/>
+              <a:endParaRPr lang="ko-KR" altLang="en-US"/>
+            </a:p>
+          </p:txBody>
+        </p:sp>
+        <p:sp>
+          <p:nvSpPr>
+            <p:cNvPr id="176" name="직사각형 175"/>
+            <p:cNvSpPr/>
+            <p:nvPr/>
+          </p:nvSpPr>
+          <p:spPr>
+            <a:xfrm>
+              <a:off x="8403071" y="2770129"/>
+              <a:ext cx="658868" cy="658868"/>
+            </a:xfrm>
+            <a:prstGeom prst="rect">
+              <a:avLst/>
+            </a:prstGeom>
+            <a:noFill/>
+            <a:ln w="28575">
+              <a:solidFill>
+                <a:schemeClr val="tx1">
+                  <a:lumMod val="65000"/>
+                  <a:lumOff val="35000"/>
+                </a:schemeClr>
+              </a:solidFill>
+            </a:ln>
+          </p:spPr>
+          <p:style>
+            <a:lnRef idx="2">
+              <a:schemeClr val="accent1">
+                <a:shade val="50000"/>
+              </a:schemeClr>
+            </a:lnRef>
+            <a:fillRef idx="1">
+              <a:schemeClr val="accent1"/>
+            </a:fillRef>
+            <a:effectRef idx="0">
+              <a:schemeClr val="accent1"/>
+            </a:effectRef>
+            <a:fontRef idx="minor">
+              <a:schemeClr val="lt1"/>
+            </a:fontRef>
+          </p:style>
+          <p:txBody>
+            <a:bodyPr rtlCol="0" anchor="ctr"/>
+            <a:lstStyle/>
+            <a:p>
+              <a:pPr algn="ctr"/>
+              <a:endParaRPr lang="ko-KR" altLang="en-US"/>
+            </a:p>
+          </p:txBody>
+        </p:sp>
+        <p:sp>
+          <p:nvSpPr>
+            <p:cNvPr id="177" name="직사각형 176"/>
+            <p:cNvSpPr/>
+            <p:nvPr/>
+          </p:nvSpPr>
+          <p:spPr>
+            <a:xfrm>
+              <a:off x="7082625" y="4746738"/>
+              <a:ext cx="658868" cy="658868"/>
+            </a:xfrm>
+            <a:prstGeom prst="rect">
+              <a:avLst/>
+            </a:prstGeom>
+            <a:solidFill>
+              <a:schemeClr val="bg1">
+                <a:lumMod val="65000"/>
+              </a:schemeClr>
+            </a:solidFill>
+            <a:ln w="28575">
+              <a:solidFill>
+                <a:schemeClr val="tx1">
+                  <a:lumMod val="65000"/>
+                  <a:lumOff val="35000"/>
+                </a:schemeClr>
+              </a:solidFill>
+            </a:ln>
+          </p:spPr>
+          <p:style>
+            <a:lnRef idx="2">
+              <a:schemeClr val="accent1">
+                <a:shade val="50000"/>
+              </a:schemeClr>
+            </a:lnRef>
+            <a:fillRef idx="1">
+              <a:schemeClr val="accent1"/>
+            </a:fillRef>
+            <a:effectRef idx="0">
+              <a:schemeClr val="accent1"/>
+            </a:effectRef>
+            <a:fontRef idx="minor">
+              <a:schemeClr val="lt1"/>
+            </a:fontRef>
+          </p:style>
+          <p:txBody>
+            <a:bodyPr rtlCol="0" anchor="ctr"/>
+            <a:lstStyle/>
+            <a:p>
+              <a:pPr algn="ctr"/>
+              <a:endParaRPr lang="ko-KR" altLang="en-US"/>
+            </a:p>
+          </p:txBody>
+        </p:sp>
+        <p:sp>
+          <p:nvSpPr>
+            <p:cNvPr id="178" name="직사각형 177"/>
+            <p:cNvSpPr/>
+            <p:nvPr/>
+          </p:nvSpPr>
+          <p:spPr>
+            <a:xfrm>
+              <a:off x="7082625" y="4087869"/>
+              <a:ext cx="658868" cy="658868"/>
+            </a:xfrm>
+            <a:prstGeom prst="rect">
+              <a:avLst/>
+            </a:prstGeom>
+            <a:solidFill>
+              <a:schemeClr val="bg1">
+                <a:lumMod val="65000"/>
+              </a:schemeClr>
+            </a:solidFill>
+            <a:ln w="28575">
+              <a:solidFill>
+                <a:schemeClr val="tx1">
+                  <a:lumMod val="65000"/>
+                  <a:lumOff val="35000"/>
+                </a:schemeClr>
+              </a:solidFill>
+            </a:ln>
+          </p:spPr>
+          <p:style>
+            <a:lnRef idx="2">
+              <a:schemeClr val="accent1">
+                <a:shade val="50000"/>
+              </a:schemeClr>
+            </a:lnRef>
+            <a:fillRef idx="1">
+              <a:schemeClr val="accent1"/>
+            </a:fillRef>
+            <a:effectRef idx="0">
+              <a:schemeClr val="accent1"/>
+            </a:effectRef>
+            <a:fontRef idx="minor">
+              <a:schemeClr val="lt1"/>
+            </a:fontRef>
+          </p:style>
+          <p:txBody>
+            <a:bodyPr rtlCol="0" anchor="ctr"/>
+            <a:lstStyle/>
+            <a:p>
+              <a:pPr algn="ctr"/>
+              <a:endParaRPr lang="ko-KR" altLang="en-US"/>
+            </a:p>
+          </p:txBody>
+        </p:sp>
+        <p:sp>
+          <p:nvSpPr>
+            <p:cNvPr id="179" name="직사각형 178"/>
+            <p:cNvSpPr/>
+            <p:nvPr/>
+          </p:nvSpPr>
+          <p:spPr>
+            <a:xfrm>
+              <a:off x="3132122" y="3428989"/>
+              <a:ext cx="658868" cy="658868"/>
+            </a:xfrm>
+            <a:prstGeom prst="rect">
+              <a:avLst/>
+            </a:prstGeom>
+            <a:noFill/>
+            <a:ln w="28575">
+              <a:solidFill>
+                <a:schemeClr val="tx1">
+                  <a:lumMod val="65000"/>
+                  <a:lumOff val="35000"/>
+                </a:schemeClr>
+              </a:solidFill>
+            </a:ln>
+          </p:spPr>
+          <p:style>
+            <a:lnRef idx="2">
+              <a:schemeClr val="accent1">
+                <a:shade val="50000"/>
+              </a:schemeClr>
+            </a:lnRef>
+            <a:fillRef idx="1">
+              <a:schemeClr val="accent1"/>
+            </a:fillRef>
+            <a:effectRef idx="0">
+              <a:schemeClr val="accent1"/>
+            </a:effectRef>
+            <a:fontRef idx="minor">
+              <a:schemeClr val="lt1"/>
+            </a:fontRef>
+          </p:style>
+          <p:txBody>
+            <a:bodyPr rtlCol="0" anchor="ctr"/>
+            <a:lstStyle/>
+            <a:p>
+              <a:pPr algn="ctr"/>
+              <a:endParaRPr lang="ko-KR" altLang="en-US"/>
+            </a:p>
+          </p:txBody>
+        </p:sp>
+        <p:sp>
+          <p:nvSpPr>
+            <p:cNvPr id="180" name="직사각형 179"/>
+            <p:cNvSpPr/>
+            <p:nvPr/>
+          </p:nvSpPr>
+          <p:spPr>
+            <a:xfrm>
+              <a:off x="3790990" y="3428989"/>
+              <a:ext cx="658868" cy="658868"/>
+            </a:xfrm>
+            <a:prstGeom prst="rect">
+              <a:avLst/>
+            </a:prstGeom>
+            <a:noFill/>
+            <a:ln w="28575">
+              <a:solidFill>
+                <a:schemeClr val="tx1">
+                  <a:lumMod val="65000"/>
+                  <a:lumOff val="35000"/>
+                </a:schemeClr>
+              </a:solidFill>
+            </a:ln>
+          </p:spPr>
+          <p:style>
+            <a:lnRef idx="2">
+              <a:schemeClr val="accent1">
+                <a:shade val="50000"/>
+              </a:schemeClr>
+            </a:lnRef>
+            <a:fillRef idx="1">
+              <a:schemeClr val="accent1"/>
+            </a:fillRef>
+            <a:effectRef idx="0">
+              <a:schemeClr val="accent1"/>
+            </a:effectRef>
+            <a:fontRef idx="minor">
+              <a:schemeClr val="lt1"/>
+            </a:fontRef>
+          </p:style>
+          <p:txBody>
+            <a:bodyPr rtlCol="0" anchor="ctr"/>
+            <a:lstStyle/>
+            <a:p>
+              <a:pPr algn="ctr"/>
+              <a:endParaRPr lang="ko-KR" altLang="en-US"/>
+            </a:p>
+          </p:txBody>
+        </p:sp>
+        <p:sp>
+          <p:nvSpPr>
+            <p:cNvPr id="181" name="직사각형 180"/>
+            <p:cNvSpPr/>
+            <p:nvPr/>
+          </p:nvSpPr>
+          <p:spPr>
+            <a:xfrm>
+              <a:off x="3790990" y="2770129"/>
+              <a:ext cx="658868" cy="658868"/>
+            </a:xfrm>
+            <a:prstGeom prst="rect">
+              <a:avLst/>
+            </a:prstGeom>
+            <a:noFill/>
+            <a:ln w="28575">
+              <a:solidFill>
+                <a:schemeClr val="tx1">
+                  <a:lumMod val="65000"/>
+                  <a:lumOff val="35000"/>
+                </a:schemeClr>
+              </a:solidFill>
+            </a:ln>
+          </p:spPr>
+          <p:style>
+            <a:lnRef idx="2">
+              <a:schemeClr val="accent1">
+                <a:shade val="50000"/>
+              </a:schemeClr>
+            </a:lnRef>
+            <a:fillRef idx="1">
+              <a:schemeClr val="accent1"/>
+            </a:fillRef>
+            <a:effectRef idx="0">
+              <a:schemeClr val="accent1"/>
+            </a:effectRef>
+            <a:fontRef idx="minor">
+              <a:schemeClr val="lt1"/>
+            </a:fontRef>
+          </p:style>
+          <p:txBody>
+            <a:bodyPr rtlCol="0" anchor="ctr"/>
+            <a:lstStyle/>
+            <a:p>
+              <a:pPr algn="ctr"/>
+              <a:endParaRPr lang="ko-KR" altLang="en-US"/>
+            </a:p>
+          </p:txBody>
+        </p:sp>
+        <p:sp>
+          <p:nvSpPr>
+            <p:cNvPr id="182" name="직사각형 181"/>
+            <p:cNvSpPr/>
+            <p:nvPr/>
+          </p:nvSpPr>
+          <p:spPr>
+            <a:xfrm>
+              <a:off x="3132122" y="2770129"/>
+              <a:ext cx="658868" cy="658868"/>
+            </a:xfrm>
+            <a:prstGeom prst="rect">
+              <a:avLst/>
+            </a:prstGeom>
+            <a:noFill/>
+            <a:ln w="28575">
+              <a:solidFill>
+                <a:schemeClr val="tx1">
+                  <a:lumMod val="65000"/>
+                  <a:lumOff val="35000"/>
+                </a:schemeClr>
+              </a:solidFill>
+            </a:ln>
+          </p:spPr>
+          <p:style>
+            <a:lnRef idx="2">
+              <a:schemeClr val="accent1">
+                <a:shade val="50000"/>
+              </a:schemeClr>
+            </a:lnRef>
+            <a:fillRef idx="1">
+              <a:schemeClr val="accent1"/>
+            </a:fillRef>
+            <a:effectRef idx="0">
+              <a:schemeClr val="accent1"/>
+            </a:effectRef>
+            <a:fontRef idx="minor">
+              <a:schemeClr val="lt1"/>
+            </a:fontRef>
+          </p:style>
+          <p:txBody>
+            <a:bodyPr rtlCol="0" anchor="ctr"/>
+            <a:lstStyle/>
+            <a:p>
+              <a:pPr algn="ctr"/>
+              <a:endParaRPr lang="ko-KR" altLang="en-US"/>
+            </a:p>
+          </p:txBody>
+        </p:sp>
+        <p:sp>
+          <p:nvSpPr>
+            <p:cNvPr id="183" name="직사각형 182"/>
+            <p:cNvSpPr/>
+            <p:nvPr/>
+          </p:nvSpPr>
+          <p:spPr>
+            <a:xfrm>
+              <a:off x="3132122" y="4746738"/>
+              <a:ext cx="658868" cy="658868"/>
+            </a:xfrm>
+            <a:prstGeom prst="rect">
+              <a:avLst/>
+            </a:prstGeom>
+            <a:noFill/>
+            <a:ln w="28575">
+              <a:solidFill>
+                <a:schemeClr val="tx1">
+                  <a:lumMod val="65000"/>
+                  <a:lumOff val="35000"/>
+                </a:schemeClr>
+              </a:solidFill>
+            </a:ln>
+          </p:spPr>
+          <p:style>
+            <a:lnRef idx="2">
+              <a:schemeClr val="accent1">
+                <a:shade val="50000"/>
+              </a:schemeClr>
+            </a:lnRef>
+            <a:fillRef idx="1">
+              <a:schemeClr val="accent1"/>
+            </a:fillRef>
+            <a:effectRef idx="0">
+              <a:schemeClr val="accent1"/>
+            </a:effectRef>
+            <a:fontRef idx="minor">
+              <a:schemeClr val="lt1"/>
+            </a:fontRef>
+          </p:style>
+          <p:txBody>
+            <a:bodyPr rtlCol="0" anchor="ctr"/>
+            <a:lstStyle/>
+            <a:p>
+              <a:pPr algn="ctr"/>
+              <a:endParaRPr lang="ko-KR" altLang="en-US"/>
+            </a:p>
+          </p:txBody>
+        </p:sp>
+        <p:sp>
+          <p:nvSpPr>
+            <p:cNvPr id="184" name="직사각형 183"/>
+            <p:cNvSpPr/>
+            <p:nvPr/>
+          </p:nvSpPr>
+          <p:spPr>
+            <a:xfrm>
+              <a:off x="3790990" y="4746738"/>
+              <a:ext cx="658868" cy="658868"/>
+            </a:xfrm>
+            <a:prstGeom prst="rect">
+              <a:avLst/>
+            </a:prstGeom>
+            <a:noFill/>
+            <a:ln w="28575">
+              <a:solidFill>
+                <a:schemeClr val="tx1">
+                  <a:lumMod val="65000"/>
+                  <a:lumOff val="35000"/>
+                </a:schemeClr>
+              </a:solidFill>
+            </a:ln>
+          </p:spPr>
+          <p:style>
+            <a:lnRef idx="2">
+              <a:schemeClr val="accent1">
+                <a:shade val="50000"/>
+              </a:schemeClr>
+            </a:lnRef>
+            <a:fillRef idx="1">
+              <a:schemeClr val="accent1"/>
+            </a:fillRef>
+            <a:effectRef idx="0">
+              <a:schemeClr val="accent1"/>
+            </a:effectRef>
+            <a:fontRef idx="minor">
+              <a:schemeClr val="lt1"/>
+            </a:fontRef>
+          </p:style>
+          <p:txBody>
+            <a:bodyPr rtlCol="0" anchor="ctr"/>
+            <a:lstStyle/>
+            <a:p>
+              <a:pPr algn="ctr"/>
+              <a:endParaRPr lang="ko-KR" altLang="en-US"/>
+            </a:p>
+          </p:txBody>
+        </p:sp>
+        <p:sp>
+          <p:nvSpPr>
+            <p:cNvPr id="185" name="직사각형 184"/>
+            <p:cNvSpPr/>
+            <p:nvPr/>
+          </p:nvSpPr>
+          <p:spPr>
+            <a:xfrm>
+              <a:off x="3790990" y="4087869"/>
+              <a:ext cx="658868" cy="658868"/>
+            </a:xfrm>
+            <a:prstGeom prst="rect">
+              <a:avLst/>
+            </a:prstGeom>
+            <a:noFill/>
+            <a:ln w="28575">
+              <a:solidFill>
+                <a:schemeClr val="tx1">
+                  <a:lumMod val="65000"/>
+                  <a:lumOff val="35000"/>
+                </a:schemeClr>
+              </a:solidFill>
+            </a:ln>
+          </p:spPr>
+          <p:style>
+            <a:lnRef idx="2">
+              <a:schemeClr val="accent1">
+                <a:shade val="50000"/>
+              </a:schemeClr>
+            </a:lnRef>
+            <a:fillRef idx="1">
+              <a:schemeClr val="accent1"/>
+            </a:fillRef>
+            <a:effectRef idx="0">
+              <a:schemeClr val="accent1"/>
+            </a:effectRef>
+            <a:fontRef idx="minor">
+              <a:schemeClr val="lt1"/>
+            </a:fontRef>
+          </p:style>
+          <p:txBody>
+            <a:bodyPr rtlCol="0" anchor="ctr"/>
+            <a:lstStyle/>
+            <a:p>
+              <a:pPr algn="ctr"/>
+              <a:endParaRPr lang="ko-KR" altLang="en-US"/>
+            </a:p>
+          </p:txBody>
+        </p:sp>
+        <p:sp>
+          <p:nvSpPr>
+            <p:cNvPr id="186" name="직사각형 185"/>
+            <p:cNvSpPr/>
+            <p:nvPr/>
+          </p:nvSpPr>
+          <p:spPr>
+            <a:xfrm>
+              <a:off x="3132122" y="4087869"/>
+              <a:ext cx="658868" cy="658868"/>
+            </a:xfrm>
+            <a:prstGeom prst="rect">
+              <a:avLst/>
+            </a:prstGeom>
+            <a:noFill/>
+            <a:ln w="28575">
+              <a:solidFill>
+                <a:schemeClr val="tx1">
+                  <a:lumMod val="65000"/>
+                  <a:lumOff val="35000"/>
+                </a:schemeClr>
+              </a:solidFill>
+            </a:ln>
+          </p:spPr>
+          <p:style>
+            <a:lnRef idx="2">
+              <a:schemeClr val="accent1">
+                <a:shade val="50000"/>
+              </a:schemeClr>
+            </a:lnRef>
+            <a:fillRef idx="1">
+              <a:schemeClr val="accent1"/>
+            </a:fillRef>
+            <a:effectRef idx="0">
+              <a:schemeClr val="accent1"/>
+            </a:effectRef>
+            <a:fontRef idx="minor">
+              <a:schemeClr val="lt1"/>
+            </a:fontRef>
+          </p:style>
+          <p:txBody>
+            <a:bodyPr rtlCol="0" anchor="ctr"/>
+            <a:lstStyle/>
+            <a:p>
+              <a:pPr algn="ctr"/>
+              <a:endParaRPr lang="ko-KR" altLang="en-US"/>
+            </a:p>
+          </p:txBody>
+        </p:sp>
+        <p:sp>
+          <p:nvSpPr>
+            <p:cNvPr id="187" name="직사각형 186"/>
+            <p:cNvSpPr/>
+            <p:nvPr/>
+          </p:nvSpPr>
+          <p:spPr>
+            <a:xfrm>
+              <a:off x="1814384" y="4746738"/>
+              <a:ext cx="658868" cy="658868"/>
+            </a:xfrm>
+            <a:prstGeom prst="rect">
+              <a:avLst/>
+            </a:prstGeom>
+            <a:solidFill>
+              <a:schemeClr val="bg1">
+                <a:lumMod val="65000"/>
+              </a:schemeClr>
+            </a:solidFill>
+            <a:ln w="28575">
+              <a:solidFill>
+                <a:schemeClr val="tx1">
+                  <a:lumMod val="65000"/>
+                  <a:lumOff val="35000"/>
+                </a:schemeClr>
+              </a:solidFill>
+            </a:ln>
+          </p:spPr>
+          <p:style>
+            <a:lnRef idx="2">
+              <a:schemeClr val="accent1">
+                <a:shade val="50000"/>
+              </a:schemeClr>
+            </a:lnRef>
+            <a:fillRef idx="1">
+              <a:schemeClr val="accent1"/>
+            </a:fillRef>
+            <a:effectRef idx="0">
+              <a:schemeClr val="accent1"/>
+            </a:effectRef>
+            <a:fontRef idx="minor">
+              <a:schemeClr val="lt1"/>
+            </a:fontRef>
+          </p:style>
+          <p:txBody>
+            <a:bodyPr rtlCol="0" anchor="ctr"/>
+            <a:lstStyle/>
+            <a:p>
+              <a:pPr algn="ctr"/>
+              <a:endParaRPr lang="ko-KR" altLang="en-US"/>
+            </a:p>
+          </p:txBody>
+        </p:sp>
+        <p:sp>
+          <p:nvSpPr>
+            <p:cNvPr id="188" name="직사각형 187"/>
+            <p:cNvSpPr/>
+            <p:nvPr/>
+          </p:nvSpPr>
+          <p:spPr>
+            <a:xfrm>
+              <a:off x="2473252" y="4746738"/>
+              <a:ext cx="658868" cy="658868"/>
+            </a:xfrm>
+            <a:prstGeom prst="rect">
+              <a:avLst/>
+            </a:prstGeom>
+            <a:noFill/>
+            <a:ln w="28575">
+              <a:solidFill>
+                <a:schemeClr val="tx1">
+                  <a:lumMod val="65000"/>
+                  <a:lumOff val="35000"/>
+                </a:schemeClr>
+              </a:solidFill>
+            </a:ln>
+          </p:spPr>
+          <p:style>
+            <a:lnRef idx="2">
+              <a:schemeClr val="accent1">
+                <a:shade val="50000"/>
+              </a:schemeClr>
+            </a:lnRef>
+            <a:fillRef idx="1">
+              <a:schemeClr val="accent1"/>
+            </a:fillRef>
+            <a:effectRef idx="0">
+              <a:schemeClr val="accent1"/>
+            </a:effectRef>
+            <a:fontRef idx="minor">
+              <a:schemeClr val="lt1"/>
+            </a:fontRef>
+          </p:style>
+          <p:txBody>
+            <a:bodyPr rtlCol="0" anchor="ctr"/>
+            <a:lstStyle/>
+            <a:p>
+              <a:pPr algn="ctr"/>
+              <a:endParaRPr lang="ko-KR" altLang="en-US"/>
+            </a:p>
+          </p:txBody>
+        </p:sp>
+        <p:sp>
+          <p:nvSpPr>
+            <p:cNvPr id="189" name="직사각형 188"/>
+            <p:cNvSpPr/>
+            <p:nvPr/>
+          </p:nvSpPr>
+          <p:spPr>
+            <a:xfrm>
+              <a:off x="2473252" y="4087869"/>
+              <a:ext cx="658868" cy="658868"/>
+            </a:xfrm>
+            <a:prstGeom prst="rect">
+              <a:avLst/>
+            </a:prstGeom>
+            <a:noFill/>
+            <a:ln w="28575">
+              <a:solidFill>
+                <a:schemeClr val="tx1">
+                  <a:lumMod val="65000"/>
+                  <a:lumOff val="35000"/>
+                </a:schemeClr>
+              </a:solidFill>
+            </a:ln>
+          </p:spPr>
+          <p:style>
+            <a:lnRef idx="2">
+              <a:schemeClr val="accent1">
+                <a:shade val="50000"/>
+              </a:schemeClr>
+            </a:lnRef>
+            <a:fillRef idx="1">
+              <a:schemeClr val="accent1"/>
+            </a:fillRef>
+            <a:effectRef idx="0">
+              <a:schemeClr val="accent1"/>
+            </a:effectRef>
+            <a:fontRef idx="minor">
+              <a:schemeClr val="lt1"/>
+            </a:fontRef>
+          </p:style>
+          <p:txBody>
+            <a:bodyPr rtlCol="0" anchor="ctr"/>
+            <a:lstStyle/>
+            <a:p>
+              <a:pPr algn="ctr"/>
+              <a:endParaRPr lang="ko-KR" altLang="en-US"/>
+            </a:p>
+          </p:txBody>
+        </p:sp>
+        <p:sp>
+          <p:nvSpPr>
+            <p:cNvPr id="190" name="직사각형 189"/>
+            <p:cNvSpPr/>
+            <p:nvPr/>
+          </p:nvSpPr>
+          <p:spPr>
+            <a:xfrm>
+              <a:off x="1814384" y="3428989"/>
+              <a:ext cx="658868" cy="658868"/>
+            </a:xfrm>
+            <a:prstGeom prst="rect">
+              <a:avLst/>
+            </a:prstGeom>
+            <a:solidFill>
+              <a:schemeClr val="bg1">
+                <a:lumMod val="65000"/>
+              </a:schemeClr>
+            </a:solidFill>
+            <a:ln w="28575">
+              <a:solidFill>
+                <a:schemeClr val="tx1">
+                  <a:lumMod val="65000"/>
+                  <a:lumOff val="35000"/>
+                </a:schemeClr>
+              </a:solidFill>
+            </a:ln>
+          </p:spPr>
+          <p:style>
+            <a:lnRef idx="2">
+              <a:schemeClr val="accent1">
+                <a:shade val="50000"/>
+              </a:schemeClr>
+            </a:lnRef>
+            <a:fillRef idx="1">
+              <a:schemeClr val="accent1"/>
+            </a:fillRef>
+            <a:effectRef idx="0">
+              <a:schemeClr val="accent1"/>
+            </a:effectRef>
+            <a:fontRef idx="minor">
+              <a:schemeClr val="lt1"/>
+            </a:fontRef>
+          </p:style>
+          <p:txBody>
+            <a:bodyPr rtlCol="0" anchor="ctr"/>
+            <a:lstStyle/>
+            <a:p>
+              <a:pPr algn="ctr"/>
+              <a:endParaRPr lang="ko-KR" altLang="en-US"/>
+            </a:p>
+          </p:txBody>
+        </p:sp>
+        <p:sp>
+          <p:nvSpPr>
+            <p:cNvPr id="191" name="직사각형 190"/>
+            <p:cNvSpPr/>
+            <p:nvPr/>
+          </p:nvSpPr>
+          <p:spPr>
+            <a:xfrm>
+              <a:off x="2473252" y="3428989"/>
+              <a:ext cx="658868" cy="658868"/>
+            </a:xfrm>
+            <a:prstGeom prst="rect">
+              <a:avLst/>
+            </a:prstGeom>
+            <a:noFill/>
+            <a:ln w="28575">
+              <a:solidFill>
+                <a:schemeClr val="tx1">
+                  <a:lumMod val="65000"/>
+                  <a:lumOff val="35000"/>
+                </a:schemeClr>
+              </a:solidFill>
+            </a:ln>
+          </p:spPr>
+          <p:style>
+            <a:lnRef idx="2">
+              <a:schemeClr val="accent1">
+                <a:shade val="50000"/>
+              </a:schemeClr>
+            </a:lnRef>
+            <a:fillRef idx="1">
+              <a:schemeClr val="accent1"/>
+            </a:fillRef>
+            <a:effectRef idx="0">
+              <a:schemeClr val="accent1"/>
+            </a:effectRef>
+            <a:fontRef idx="minor">
+              <a:schemeClr val="lt1"/>
+            </a:fontRef>
+          </p:style>
+          <p:txBody>
+            <a:bodyPr rtlCol="0" anchor="ctr"/>
+            <a:lstStyle/>
+            <a:p>
+              <a:pPr algn="ctr"/>
+              <a:endParaRPr lang="ko-KR" altLang="en-US"/>
+            </a:p>
+          </p:txBody>
+        </p:sp>
+        <p:sp>
+          <p:nvSpPr>
+            <p:cNvPr id="192" name="직사각형 191"/>
+            <p:cNvSpPr/>
+            <p:nvPr/>
+          </p:nvSpPr>
+          <p:spPr>
+            <a:xfrm>
+              <a:off x="2473252" y="2770129"/>
+              <a:ext cx="658868" cy="658868"/>
+            </a:xfrm>
+            <a:prstGeom prst="rect">
+              <a:avLst/>
+            </a:prstGeom>
+            <a:noFill/>
+            <a:ln w="28575">
+              <a:solidFill>
+                <a:schemeClr val="tx1">
+                  <a:lumMod val="65000"/>
+                  <a:lumOff val="35000"/>
+                </a:schemeClr>
+              </a:solidFill>
+            </a:ln>
+          </p:spPr>
+          <p:style>
+            <a:lnRef idx="2">
+              <a:schemeClr val="accent1">
+                <a:shade val="50000"/>
+              </a:schemeClr>
+            </a:lnRef>
+            <a:fillRef idx="1">
+              <a:schemeClr val="accent1"/>
+            </a:fillRef>
+            <a:effectRef idx="0">
+              <a:schemeClr val="accent1"/>
+            </a:effectRef>
+            <a:fontRef idx="minor">
+              <a:schemeClr val="lt1"/>
+            </a:fontRef>
+          </p:style>
+          <p:txBody>
+            <a:bodyPr rtlCol="0" anchor="ctr"/>
+            <a:lstStyle/>
+            <a:p>
+              <a:pPr algn="ctr"/>
+              <a:endParaRPr lang="ko-KR" altLang="en-US"/>
+            </a:p>
+          </p:txBody>
+        </p:sp>
+        <p:sp>
+          <p:nvSpPr>
+            <p:cNvPr id="193" name="직사각형 192"/>
+            <p:cNvSpPr/>
+            <p:nvPr/>
+          </p:nvSpPr>
+          <p:spPr>
+            <a:xfrm>
+              <a:off x="1814383" y="2770130"/>
+              <a:ext cx="658868" cy="658868"/>
+            </a:xfrm>
+            <a:prstGeom prst="rect">
+              <a:avLst/>
+            </a:prstGeom>
+            <a:solidFill>
+              <a:schemeClr val="bg1">
+                <a:lumMod val="65000"/>
+              </a:schemeClr>
+            </a:solidFill>
+            <a:ln w="28575">
+              <a:solidFill>
+                <a:schemeClr val="tx1">
+                  <a:lumMod val="65000"/>
+                  <a:lumOff val="35000"/>
+                </a:schemeClr>
+              </a:solidFill>
+            </a:ln>
+          </p:spPr>
+          <p:style>
+            <a:lnRef idx="2">
+              <a:schemeClr val="accent1">
+                <a:shade val="50000"/>
+              </a:schemeClr>
+            </a:lnRef>
+            <a:fillRef idx="1">
+              <a:schemeClr val="accent1"/>
+            </a:fillRef>
+            <a:effectRef idx="0">
+              <a:schemeClr val="accent1"/>
+            </a:effectRef>
+            <a:fontRef idx="minor">
+              <a:schemeClr val="lt1"/>
+            </a:fontRef>
+          </p:style>
+          <p:txBody>
+            <a:bodyPr rtlCol="0" anchor="ctr"/>
+            <a:lstStyle/>
+            <a:p>
+              <a:pPr algn="ctr"/>
+              <a:endParaRPr lang="ko-KR" altLang="en-US"/>
+            </a:p>
+          </p:txBody>
+        </p:sp>
+        <p:sp>
+          <p:nvSpPr>
+            <p:cNvPr id="194" name="직사각형 193"/>
+            <p:cNvSpPr/>
+            <p:nvPr/>
+          </p:nvSpPr>
+          <p:spPr>
+            <a:xfrm>
+              <a:off x="2473252" y="2111263"/>
+              <a:ext cx="658868" cy="658868"/>
+            </a:xfrm>
+            <a:prstGeom prst="rect">
+              <a:avLst/>
+            </a:prstGeom>
+            <a:noFill/>
+            <a:ln w="28575">
+              <a:solidFill>
+                <a:schemeClr val="tx1">
+                  <a:lumMod val="65000"/>
+                  <a:lumOff val="35000"/>
+                </a:schemeClr>
+              </a:solidFill>
+            </a:ln>
+          </p:spPr>
+          <p:style>
+            <a:lnRef idx="2">
+              <a:schemeClr val="accent1">
+                <a:shade val="50000"/>
+              </a:schemeClr>
+            </a:lnRef>
+            <a:fillRef idx="1">
+              <a:schemeClr val="accent1"/>
+            </a:fillRef>
+            <a:effectRef idx="0">
+              <a:schemeClr val="accent1"/>
+            </a:effectRef>
+            <a:fontRef idx="minor">
+              <a:schemeClr val="lt1"/>
+            </a:fontRef>
+          </p:style>
+          <p:txBody>
+            <a:bodyPr rtlCol="0" anchor="ctr"/>
+            <a:lstStyle/>
+            <a:p>
+              <a:pPr algn="ctr"/>
+              <a:endParaRPr lang="ko-KR" altLang="en-US"/>
+            </a:p>
+          </p:txBody>
+        </p:sp>
+        <p:sp>
+          <p:nvSpPr>
+            <p:cNvPr id="195" name="직사각형 194"/>
+            <p:cNvSpPr/>
+            <p:nvPr/>
+          </p:nvSpPr>
+          <p:spPr>
+            <a:xfrm>
+              <a:off x="2473252" y="1452394"/>
+              <a:ext cx="658868" cy="658868"/>
+            </a:xfrm>
+            <a:prstGeom prst="rect">
+              <a:avLst/>
+            </a:prstGeom>
+            <a:noFill/>
+            <a:ln w="28575">
+              <a:solidFill>
+                <a:schemeClr val="tx1">
+                  <a:lumMod val="65000"/>
+                  <a:lumOff val="35000"/>
+                </a:schemeClr>
+              </a:solidFill>
+            </a:ln>
+          </p:spPr>
+          <p:style>
+            <a:lnRef idx="2">
+              <a:schemeClr val="accent1">
+                <a:shade val="50000"/>
+              </a:schemeClr>
+            </a:lnRef>
+            <a:fillRef idx="1">
+              <a:schemeClr val="accent1"/>
+            </a:fillRef>
+            <a:effectRef idx="0">
+              <a:schemeClr val="accent1"/>
+            </a:effectRef>
+            <a:fontRef idx="minor">
+              <a:schemeClr val="lt1"/>
+            </a:fontRef>
+          </p:style>
+          <p:txBody>
+            <a:bodyPr rtlCol="0" anchor="ctr"/>
+            <a:lstStyle/>
+            <a:p>
+              <a:pPr algn="ctr"/>
+              <a:endParaRPr lang="ko-KR" altLang="en-US"/>
+            </a:p>
+          </p:txBody>
+        </p:sp>
+        <p:sp>
+          <p:nvSpPr>
+            <p:cNvPr id="196" name="직사각형 195"/>
+            <p:cNvSpPr/>
+            <p:nvPr/>
+          </p:nvSpPr>
+          <p:spPr>
+            <a:xfrm>
+              <a:off x="1814384" y="1452394"/>
+              <a:ext cx="658868" cy="658868"/>
+            </a:xfrm>
+            <a:prstGeom prst="rect">
+              <a:avLst/>
+            </a:prstGeom>
+            <a:solidFill>
+              <a:schemeClr val="bg1">
+                <a:lumMod val="65000"/>
+              </a:schemeClr>
+            </a:solidFill>
+            <a:ln w="28575">
+              <a:solidFill>
+                <a:schemeClr val="tx1">
+                  <a:lumMod val="65000"/>
+                  <a:lumOff val="35000"/>
+                </a:schemeClr>
+              </a:solidFill>
+            </a:ln>
+          </p:spPr>
+          <p:style>
+            <a:lnRef idx="2">
+              <a:schemeClr val="accent1">
+                <a:shade val="50000"/>
+              </a:schemeClr>
+            </a:lnRef>
+            <a:fillRef idx="1">
+              <a:schemeClr val="accent1"/>
+            </a:fillRef>
+            <a:effectRef idx="0">
+              <a:schemeClr val="accent1"/>
+            </a:effectRef>
+            <a:fontRef idx="minor">
+              <a:schemeClr val="lt1"/>
+            </a:fontRef>
+          </p:style>
+          <p:txBody>
+            <a:bodyPr rtlCol="0" anchor="ctr"/>
+            <a:lstStyle/>
+            <a:p>
+              <a:pPr algn="ctr"/>
+              <a:endParaRPr lang="ko-KR" altLang="en-US"/>
+            </a:p>
+          </p:txBody>
+        </p:sp>
+        <p:sp>
+          <p:nvSpPr>
+            <p:cNvPr id="197" name="직사각형 196"/>
+            <p:cNvSpPr/>
+            <p:nvPr/>
+          </p:nvSpPr>
+          <p:spPr>
+            <a:xfrm>
+              <a:off x="3132122" y="2111263"/>
+              <a:ext cx="658868" cy="658868"/>
+            </a:xfrm>
+            <a:prstGeom prst="rect">
+              <a:avLst/>
+            </a:prstGeom>
+            <a:noFill/>
+            <a:ln w="28575">
+              <a:solidFill>
+                <a:schemeClr val="tx1">
+                  <a:lumMod val="65000"/>
+                  <a:lumOff val="35000"/>
+                </a:schemeClr>
+              </a:solidFill>
+            </a:ln>
+          </p:spPr>
+          <p:style>
+            <a:lnRef idx="2">
+              <a:schemeClr val="accent1">
+                <a:shade val="50000"/>
+              </a:schemeClr>
+            </a:lnRef>
+            <a:fillRef idx="1">
+              <a:schemeClr val="accent1"/>
+            </a:fillRef>
+            <a:effectRef idx="0">
+              <a:schemeClr val="accent1"/>
+            </a:effectRef>
+            <a:fontRef idx="minor">
+              <a:schemeClr val="lt1"/>
+            </a:fontRef>
+          </p:style>
+          <p:txBody>
+            <a:bodyPr rtlCol="0" anchor="ctr"/>
+            <a:lstStyle/>
+            <a:p>
+              <a:pPr algn="ctr"/>
+              <a:endParaRPr lang="ko-KR" altLang="en-US"/>
+            </a:p>
+          </p:txBody>
+        </p:sp>
+        <p:sp>
+          <p:nvSpPr>
+            <p:cNvPr id="198" name="직사각형 197"/>
+            <p:cNvSpPr/>
+            <p:nvPr/>
+          </p:nvSpPr>
+          <p:spPr>
+            <a:xfrm>
+              <a:off x="3790990" y="2111263"/>
+              <a:ext cx="658868" cy="658868"/>
+            </a:xfrm>
+            <a:prstGeom prst="rect">
+              <a:avLst/>
+            </a:prstGeom>
+            <a:noFill/>
+            <a:ln w="28575">
+              <a:solidFill>
+                <a:schemeClr val="tx1">
+                  <a:lumMod val="65000"/>
+                  <a:lumOff val="35000"/>
+                </a:schemeClr>
+              </a:solidFill>
+            </a:ln>
+          </p:spPr>
+          <p:style>
+            <a:lnRef idx="2">
+              <a:schemeClr val="accent1">
+                <a:shade val="50000"/>
+              </a:schemeClr>
+            </a:lnRef>
+            <a:fillRef idx="1">
+              <a:schemeClr val="accent1"/>
+            </a:fillRef>
+            <a:effectRef idx="0">
+              <a:schemeClr val="accent1"/>
+            </a:effectRef>
+            <a:fontRef idx="minor">
+              <a:schemeClr val="lt1"/>
+            </a:fontRef>
+          </p:style>
+          <p:txBody>
+            <a:bodyPr rtlCol="0" anchor="ctr"/>
+            <a:lstStyle/>
+            <a:p>
+              <a:pPr algn="ctr"/>
+              <a:endParaRPr lang="ko-KR" altLang="en-US"/>
+            </a:p>
+          </p:txBody>
+        </p:sp>
+        <p:sp>
+          <p:nvSpPr>
+            <p:cNvPr id="199" name="직사각형 198"/>
+            <p:cNvSpPr/>
+            <p:nvPr/>
+          </p:nvSpPr>
+          <p:spPr>
+            <a:xfrm>
+              <a:off x="3790990" y="1452394"/>
+              <a:ext cx="658868" cy="658868"/>
+            </a:xfrm>
+            <a:prstGeom prst="rect">
+              <a:avLst/>
+            </a:prstGeom>
+            <a:noFill/>
+            <a:ln w="28575">
+              <a:solidFill>
+                <a:schemeClr val="tx1">
+                  <a:lumMod val="65000"/>
+                  <a:lumOff val="35000"/>
+                </a:schemeClr>
+              </a:solidFill>
+            </a:ln>
+          </p:spPr>
+          <p:style>
+            <a:lnRef idx="2">
+              <a:schemeClr val="accent1">
+                <a:shade val="50000"/>
+              </a:schemeClr>
+            </a:lnRef>
+            <a:fillRef idx="1">
+              <a:schemeClr val="accent1"/>
+            </a:fillRef>
+            <a:effectRef idx="0">
+              <a:schemeClr val="accent1"/>
+            </a:effectRef>
+            <a:fontRef idx="minor">
+              <a:schemeClr val="lt1"/>
+            </a:fontRef>
+          </p:style>
+          <p:txBody>
+            <a:bodyPr rtlCol="0" anchor="ctr"/>
+            <a:lstStyle/>
+            <a:p>
+              <a:pPr algn="ctr"/>
+              <a:endParaRPr lang="ko-KR" altLang="en-US"/>
+            </a:p>
+          </p:txBody>
+        </p:sp>
+        <p:sp>
+          <p:nvSpPr>
+            <p:cNvPr id="200" name="직사각형 199"/>
+            <p:cNvSpPr/>
+            <p:nvPr/>
+          </p:nvSpPr>
+          <p:spPr>
+            <a:xfrm>
+              <a:off x="3132122" y="1452394"/>
+              <a:ext cx="658868" cy="658868"/>
+            </a:xfrm>
+            <a:prstGeom prst="rect">
+              <a:avLst/>
+            </a:prstGeom>
+            <a:noFill/>
+            <a:ln w="28575">
+              <a:solidFill>
+                <a:schemeClr val="tx1">
+                  <a:lumMod val="65000"/>
+                  <a:lumOff val="35000"/>
+                </a:schemeClr>
+              </a:solidFill>
+            </a:ln>
+          </p:spPr>
+          <p:style>
+            <a:lnRef idx="2">
+              <a:schemeClr val="accent1">
+                <a:shade val="50000"/>
+              </a:schemeClr>
+            </a:lnRef>
+            <a:fillRef idx="1">
+              <a:schemeClr val="accent1"/>
+            </a:fillRef>
+            <a:effectRef idx="0">
+              <a:schemeClr val="accent1"/>
+            </a:effectRef>
+            <a:fontRef idx="minor">
+              <a:schemeClr val="lt1"/>
+            </a:fontRef>
+          </p:style>
+          <p:txBody>
+            <a:bodyPr rtlCol="0" anchor="ctr"/>
+            <a:lstStyle/>
+            <a:p>
+              <a:pPr algn="ctr"/>
+              <a:endParaRPr lang="ko-KR" altLang="en-US"/>
+            </a:p>
+          </p:txBody>
+        </p:sp>
+        <p:sp>
+          <p:nvSpPr>
+            <p:cNvPr id="201" name="직사각형 200"/>
+            <p:cNvSpPr/>
+            <p:nvPr/>
+          </p:nvSpPr>
+          <p:spPr>
+            <a:xfrm>
+              <a:off x="5108728" y="793526"/>
+              <a:ext cx="658868" cy="658868"/>
+            </a:xfrm>
+            <a:prstGeom prst="rect">
+              <a:avLst/>
+            </a:prstGeom>
+            <a:solidFill>
+              <a:schemeClr val="bg1">
+                <a:lumMod val="65000"/>
+              </a:schemeClr>
+            </a:solidFill>
+            <a:ln w="28575">
+              <a:solidFill>
+                <a:schemeClr val="tx1">
+                  <a:lumMod val="65000"/>
+                  <a:lumOff val="35000"/>
+                </a:schemeClr>
+              </a:solidFill>
+            </a:ln>
+          </p:spPr>
+          <p:style>
+            <a:lnRef idx="2">
+              <a:schemeClr val="accent1">
+                <a:shade val="50000"/>
+              </a:schemeClr>
+            </a:lnRef>
+            <a:fillRef idx="1">
+              <a:schemeClr val="accent1"/>
+            </a:fillRef>
+            <a:effectRef idx="0">
+              <a:schemeClr val="accent1"/>
+            </a:effectRef>
+            <a:fontRef idx="minor">
+              <a:schemeClr val="lt1"/>
+            </a:fontRef>
+          </p:style>
+          <p:txBody>
+            <a:bodyPr rtlCol="0" anchor="ctr"/>
+            <a:lstStyle/>
+            <a:p>
+              <a:pPr algn="ctr"/>
+              <a:endParaRPr lang="ko-KR" altLang="en-US"/>
+            </a:p>
+          </p:txBody>
+        </p:sp>
+        <p:sp>
+          <p:nvSpPr>
+            <p:cNvPr id="202" name="직사각형 201"/>
+            <p:cNvSpPr/>
+            <p:nvPr/>
+          </p:nvSpPr>
+          <p:spPr>
+            <a:xfrm>
+              <a:off x="6426465" y="793526"/>
+              <a:ext cx="658868" cy="658868"/>
+            </a:xfrm>
+            <a:prstGeom prst="rect">
+              <a:avLst/>
+            </a:prstGeom>
+            <a:solidFill>
+              <a:schemeClr val="bg1">
+                <a:lumMod val="65000"/>
+              </a:schemeClr>
+            </a:solidFill>
+            <a:ln w="28575">
+              <a:solidFill>
+                <a:schemeClr val="tx1">
+                  <a:lumMod val="65000"/>
+                  <a:lumOff val="35000"/>
+                </a:schemeClr>
+              </a:solidFill>
+            </a:ln>
+          </p:spPr>
+          <p:style>
+            <a:lnRef idx="2">
+              <a:schemeClr val="accent1">
+                <a:shade val="50000"/>
+              </a:schemeClr>
+            </a:lnRef>
+            <a:fillRef idx="1">
+              <a:schemeClr val="accent1"/>
+            </a:fillRef>
+            <a:effectRef idx="0">
+              <a:schemeClr val="accent1"/>
+            </a:effectRef>
+            <a:fontRef idx="minor">
+              <a:schemeClr val="lt1"/>
+            </a:fontRef>
+          </p:style>
+          <p:txBody>
+            <a:bodyPr rtlCol="0" anchor="ctr"/>
+            <a:lstStyle/>
+            <a:p>
+              <a:pPr algn="ctr"/>
+              <a:endParaRPr lang="ko-KR" altLang="en-US"/>
+            </a:p>
+          </p:txBody>
+        </p:sp>
+        <p:sp>
+          <p:nvSpPr>
+            <p:cNvPr id="203" name="직사각형 202"/>
+            <p:cNvSpPr/>
+            <p:nvPr/>
+          </p:nvSpPr>
+          <p:spPr>
+            <a:xfrm>
+              <a:off x="7741494" y="1451687"/>
+              <a:ext cx="658868" cy="663342"/>
+            </a:xfrm>
+            <a:prstGeom prst="rect">
+              <a:avLst/>
+            </a:prstGeom>
+            <a:solidFill>
+              <a:schemeClr val="bg1">
+                <a:lumMod val="65000"/>
+              </a:schemeClr>
+            </a:solidFill>
+            <a:ln w="28575">
+              <a:solidFill>
+                <a:schemeClr val="tx1">
+                  <a:lumMod val="65000"/>
+                  <a:lumOff val="35000"/>
+                </a:schemeClr>
+              </a:solidFill>
+            </a:ln>
+          </p:spPr>
+          <p:style>
+            <a:lnRef idx="2">
+              <a:schemeClr val="accent1">
+                <a:shade val="50000"/>
+              </a:schemeClr>
+            </a:lnRef>
+            <a:fillRef idx="1">
+              <a:schemeClr val="accent1"/>
+            </a:fillRef>
+            <a:effectRef idx="0">
+              <a:schemeClr val="accent1"/>
+            </a:effectRef>
+            <a:fontRef idx="minor">
+              <a:schemeClr val="lt1"/>
+            </a:fontRef>
+          </p:style>
+          <p:txBody>
+            <a:bodyPr rtlCol="0" anchor="ctr"/>
+            <a:lstStyle/>
+            <a:p>
+              <a:pPr algn="ctr"/>
+              <a:endParaRPr lang="ko-KR" altLang="en-US"/>
+            </a:p>
+          </p:txBody>
+        </p:sp>
+        <p:sp>
+          <p:nvSpPr>
+            <p:cNvPr id="204" name="직사각형 203"/>
+            <p:cNvSpPr/>
+            <p:nvPr/>
+          </p:nvSpPr>
+          <p:spPr>
+            <a:xfrm>
+              <a:off x="7082625" y="1451687"/>
+              <a:ext cx="658868" cy="663342"/>
+            </a:xfrm>
+            <a:prstGeom prst="rect">
+              <a:avLst/>
+            </a:prstGeom>
+            <a:solidFill>
+              <a:schemeClr val="bg1">
+                <a:lumMod val="65000"/>
+              </a:schemeClr>
+            </a:solidFill>
+            <a:ln w="28575">
+              <a:solidFill>
+                <a:schemeClr val="tx1">
+                  <a:lumMod val="65000"/>
+                  <a:lumOff val="35000"/>
+                </a:schemeClr>
+              </a:solidFill>
+            </a:ln>
+          </p:spPr>
+          <p:style>
+            <a:lnRef idx="2">
+              <a:schemeClr val="accent1">
+                <a:shade val="50000"/>
+              </a:schemeClr>
+            </a:lnRef>
+            <a:fillRef idx="1">
+              <a:schemeClr val="accent1"/>
+            </a:fillRef>
+            <a:effectRef idx="0">
+              <a:schemeClr val="accent1"/>
+            </a:effectRef>
+            <a:fontRef idx="minor">
+              <a:schemeClr val="lt1"/>
+            </a:fontRef>
+          </p:style>
+          <p:txBody>
+            <a:bodyPr rtlCol="0" anchor="ctr"/>
+            <a:lstStyle/>
+            <a:p>
+              <a:pPr algn="ctr"/>
+              <a:endParaRPr lang="ko-KR" altLang="en-US"/>
+            </a:p>
+          </p:txBody>
+        </p:sp>
+        <p:sp>
+          <p:nvSpPr>
+            <p:cNvPr id="205" name="직사각형 204"/>
+            <p:cNvSpPr/>
+            <p:nvPr/>
+          </p:nvSpPr>
+          <p:spPr>
+            <a:xfrm>
+              <a:off x="9061939" y="793526"/>
+              <a:ext cx="658868" cy="658868"/>
+            </a:xfrm>
+            <a:prstGeom prst="rect">
+              <a:avLst/>
+            </a:prstGeom>
+            <a:solidFill>
+              <a:schemeClr val="bg1">
+                <a:lumMod val="65000"/>
+              </a:schemeClr>
+            </a:solidFill>
+            <a:ln w="28575">
+              <a:solidFill>
+                <a:schemeClr val="tx1">
+                  <a:lumMod val="65000"/>
+                  <a:lumOff val="35000"/>
+                </a:schemeClr>
+              </a:solidFill>
+            </a:ln>
+          </p:spPr>
+          <p:style>
+            <a:lnRef idx="2">
+              <a:schemeClr val="accent1">
+                <a:shade val="50000"/>
+              </a:schemeClr>
+            </a:lnRef>
+            <a:fillRef idx="1">
+              <a:schemeClr val="accent1"/>
+            </a:fillRef>
+            <a:effectRef idx="0">
+              <a:schemeClr val="accent1"/>
+            </a:effectRef>
+            <a:fontRef idx="minor">
+              <a:schemeClr val="lt1"/>
+            </a:fontRef>
+          </p:style>
+          <p:txBody>
+            <a:bodyPr rtlCol="0" anchor="ctr"/>
+            <a:lstStyle/>
+            <a:p>
+              <a:pPr algn="ctr"/>
+              <a:endParaRPr lang="ko-KR" altLang="en-US"/>
+            </a:p>
+          </p:txBody>
+        </p:sp>
+        <p:sp>
+          <p:nvSpPr>
+            <p:cNvPr id="206" name="직사각형 205"/>
+            <p:cNvSpPr/>
+            <p:nvPr/>
+          </p:nvSpPr>
+          <p:spPr>
+            <a:xfrm>
+              <a:off x="8400363" y="1451687"/>
+              <a:ext cx="658868" cy="663342"/>
+            </a:xfrm>
+            <a:prstGeom prst="rect">
+              <a:avLst/>
+            </a:prstGeom>
+            <a:solidFill>
+              <a:schemeClr val="bg1">
+                <a:lumMod val="65000"/>
+              </a:schemeClr>
+            </a:solidFill>
+            <a:ln w="28575">
+              <a:solidFill>
+                <a:schemeClr val="tx1">
+                  <a:lumMod val="65000"/>
+                  <a:lumOff val="35000"/>
+                </a:schemeClr>
+              </a:solidFill>
+            </a:ln>
+          </p:spPr>
+          <p:style>
+            <a:lnRef idx="2">
+              <a:schemeClr val="accent1">
+                <a:shade val="50000"/>
+              </a:schemeClr>
+            </a:lnRef>
+            <a:fillRef idx="1">
+              <a:schemeClr val="accent1"/>
+            </a:fillRef>
+            <a:effectRef idx="0">
+              <a:schemeClr val="accent1"/>
+            </a:effectRef>
+            <a:fontRef idx="minor">
+              <a:schemeClr val="lt1"/>
+            </a:fontRef>
+          </p:style>
+          <p:txBody>
+            <a:bodyPr rtlCol="0" anchor="ctr"/>
+            <a:lstStyle/>
+            <a:p>
+              <a:pPr algn="ctr"/>
+              <a:endParaRPr lang="ko-KR" altLang="en-US"/>
+            </a:p>
+          </p:txBody>
+        </p:sp>
+        <p:sp>
+          <p:nvSpPr>
+            <p:cNvPr id="207" name="직사각형 206"/>
+            <p:cNvSpPr/>
+            <p:nvPr/>
+          </p:nvSpPr>
+          <p:spPr>
+            <a:xfrm>
+              <a:off x="9720809" y="793526"/>
+              <a:ext cx="658868" cy="658868"/>
+            </a:xfrm>
+            <a:prstGeom prst="rect">
+              <a:avLst/>
+            </a:prstGeom>
+            <a:solidFill>
+              <a:schemeClr val="bg1">
+                <a:lumMod val="65000"/>
+              </a:schemeClr>
+            </a:solidFill>
+            <a:ln w="28575">
+              <a:solidFill>
+                <a:schemeClr val="tx1">
+                  <a:lumMod val="65000"/>
+                  <a:lumOff val="35000"/>
+                </a:schemeClr>
+              </a:solidFill>
+            </a:ln>
+          </p:spPr>
+          <p:style>
+            <a:lnRef idx="2">
+              <a:schemeClr val="accent1">
+                <a:shade val="50000"/>
+              </a:schemeClr>
+            </a:lnRef>
+            <a:fillRef idx="1">
+              <a:schemeClr val="accent1"/>
+            </a:fillRef>
+            <a:effectRef idx="0">
+              <a:schemeClr val="accent1"/>
+            </a:effectRef>
+            <a:fontRef idx="minor">
+              <a:schemeClr val="lt1"/>
+            </a:fontRef>
+          </p:style>
+          <p:txBody>
+            <a:bodyPr rtlCol="0" anchor="ctr"/>
+            <a:lstStyle/>
+            <a:p>
+              <a:pPr algn="ctr"/>
+              <a:endParaRPr lang="ko-KR" altLang="en-US"/>
+            </a:p>
+          </p:txBody>
+        </p:sp>
+        <p:sp>
+          <p:nvSpPr>
+            <p:cNvPr id="208" name="직사각형 207"/>
+            <p:cNvSpPr/>
+            <p:nvPr/>
+          </p:nvSpPr>
+          <p:spPr>
+            <a:xfrm>
+              <a:off x="2473252" y="793526"/>
+              <a:ext cx="658868" cy="658868"/>
+            </a:xfrm>
+            <a:prstGeom prst="rect">
+              <a:avLst/>
+            </a:prstGeom>
+            <a:solidFill>
+              <a:schemeClr val="bg1">
+                <a:lumMod val="65000"/>
+              </a:schemeClr>
+            </a:solidFill>
+            <a:ln w="28575">
+              <a:solidFill>
+                <a:schemeClr val="tx1">
+                  <a:lumMod val="65000"/>
+                  <a:lumOff val="35000"/>
+                </a:schemeClr>
+              </a:solidFill>
+            </a:ln>
+          </p:spPr>
+          <p:style>
+            <a:lnRef idx="2">
+              <a:schemeClr val="accent1">
+                <a:shade val="50000"/>
+              </a:schemeClr>
+            </a:lnRef>
+            <a:fillRef idx="1">
+              <a:schemeClr val="accent1"/>
+            </a:fillRef>
+            <a:effectRef idx="0">
+              <a:schemeClr val="accent1"/>
+            </a:effectRef>
+            <a:fontRef idx="minor">
+              <a:schemeClr val="lt1"/>
+            </a:fontRef>
+          </p:style>
+          <p:txBody>
+            <a:bodyPr rtlCol="0" anchor="ctr"/>
+            <a:lstStyle/>
+            <a:p>
+              <a:pPr algn="ctr"/>
+              <a:endParaRPr lang="ko-KR" altLang="en-US"/>
+            </a:p>
+          </p:txBody>
+        </p:sp>
+        <p:sp>
+          <p:nvSpPr>
+            <p:cNvPr id="209" name="직사각형 208"/>
+            <p:cNvSpPr/>
+            <p:nvPr/>
+          </p:nvSpPr>
+          <p:spPr>
+            <a:xfrm>
+              <a:off x="1814384" y="793526"/>
+              <a:ext cx="658868" cy="658868"/>
+            </a:xfrm>
+            <a:prstGeom prst="rect">
+              <a:avLst/>
+            </a:prstGeom>
+            <a:solidFill>
+              <a:schemeClr val="bg1">
+                <a:lumMod val="65000"/>
+              </a:schemeClr>
+            </a:solidFill>
+            <a:ln w="28575">
+              <a:solidFill>
+                <a:schemeClr val="tx1">
+                  <a:lumMod val="65000"/>
+                  <a:lumOff val="35000"/>
+                </a:schemeClr>
+              </a:solidFill>
+            </a:ln>
+          </p:spPr>
+          <p:style>
+            <a:lnRef idx="2">
+              <a:schemeClr val="accent1">
+                <a:shade val="50000"/>
+              </a:schemeClr>
+            </a:lnRef>
+            <a:fillRef idx="1">
+              <a:schemeClr val="accent1"/>
+            </a:fillRef>
+            <a:effectRef idx="0">
+              <a:schemeClr val="accent1"/>
+            </a:effectRef>
+            <a:fontRef idx="minor">
+              <a:schemeClr val="lt1"/>
+            </a:fontRef>
+          </p:style>
+          <p:txBody>
+            <a:bodyPr rtlCol="0" anchor="ctr"/>
+            <a:lstStyle/>
+            <a:p>
+              <a:pPr algn="ctr"/>
+              <a:endParaRPr lang="ko-KR" altLang="en-US"/>
+            </a:p>
+          </p:txBody>
+        </p:sp>
+        <p:sp>
+          <p:nvSpPr>
+            <p:cNvPr id="210" name="직사각형 209"/>
+            <p:cNvSpPr/>
+            <p:nvPr/>
+          </p:nvSpPr>
+          <p:spPr>
+            <a:xfrm>
+              <a:off x="3790990" y="793526"/>
+              <a:ext cx="658868" cy="658868"/>
+            </a:xfrm>
+            <a:prstGeom prst="rect">
+              <a:avLst/>
+            </a:prstGeom>
+            <a:solidFill>
+              <a:schemeClr val="bg1">
+                <a:lumMod val="65000"/>
+              </a:schemeClr>
+            </a:solidFill>
+            <a:ln w="28575">
+              <a:solidFill>
+                <a:schemeClr val="tx1">
+                  <a:lumMod val="65000"/>
+                  <a:lumOff val="35000"/>
+                </a:schemeClr>
+              </a:solidFill>
+            </a:ln>
+          </p:spPr>
+          <p:style>
+            <a:lnRef idx="2">
+              <a:schemeClr val="accent1">
+                <a:shade val="50000"/>
+              </a:schemeClr>
+            </a:lnRef>
+            <a:fillRef idx="1">
+              <a:schemeClr val="accent1"/>
+            </a:fillRef>
+            <a:effectRef idx="0">
+              <a:schemeClr val="accent1"/>
+            </a:effectRef>
+            <a:fontRef idx="minor">
+              <a:schemeClr val="lt1"/>
+            </a:fontRef>
+          </p:style>
+          <p:txBody>
+            <a:bodyPr rtlCol="0" anchor="ctr"/>
+            <a:lstStyle/>
+            <a:p>
+              <a:pPr algn="ctr"/>
+              <a:endParaRPr lang="ko-KR" altLang="en-US"/>
+            </a:p>
+          </p:txBody>
+        </p:sp>
+        <p:sp>
+          <p:nvSpPr>
+            <p:cNvPr id="211" name="직사각형 210"/>
+            <p:cNvSpPr/>
+            <p:nvPr/>
+          </p:nvSpPr>
+          <p:spPr>
+            <a:xfrm>
+              <a:off x="3132122" y="793526"/>
+              <a:ext cx="658868" cy="658868"/>
+            </a:xfrm>
+            <a:prstGeom prst="rect">
+              <a:avLst/>
+            </a:prstGeom>
+            <a:solidFill>
+              <a:schemeClr val="bg1">
+                <a:lumMod val="65000"/>
+              </a:schemeClr>
+            </a:solidFill>
+            <a:ln w="28575">
+              <a:solidFill>
+                <a:schemeClr val="tx1">
+                  <a:lumMod val="65000"/>
+                  <a:lumOff val="35000"/>
+                </a:schemeClr>
+              </a:solidFill>
+            </a:ln>
+          </p:spPr>
+          <p:style>
+            <a:lnRef idx="2">
+              <a:schemeClr val="accent1">
+                <a:shade val="50000"/>
+              </a:schemeClr>
+            </a:lnRef>
+            <a:fillRef idx="1">
+              <a:schemeClr val="accent1"/>
+            </a:fillRef>
+            <a:effectRef idx="0">
+              <a:schemeClr val="accent1"/>
+            </a:effectRef>
+            <a:fontRef idx="minor">
+              <a:schemeClr val="lt1"/>
+            </a:fontRef>
+          </p:style>
+          <p:txBody>
+            <a:bodyPr rtlCol="0" anchor="ctr"/>
+            <a:lstStyle/>
+            <a:p>
+              <a:pPr algn="ctr"/>
+              <a:endParaRPr lang="ko-KR" altLang="en-US"/>
+            </a:p>
+          </p:txBody>
+        </p:sp>
+        <p:sp>
+          <p:nvSpPr>
+            <p:cNvPr id="212" name="직사각형 211"/>
+            <p:cNvSpPr/>
+            <p:nvPr/>
+          </p:nvSpPr>
+          <p:spPr>
+            <a:xfrm>
+              <a:off x="7085333" y="3424973"/>
+              <a:ext cx="658868" cy="658868"/>
+            </a:xfrm>
+            <a:prstGeom prst="rect">
+              <a:avLst/>
+            </a:prstGeom>
+            <a:solidFill>
+              <a:schemeClr val="bg1">
+                <a:lumMod val="65000"/>
+              </a:schemeClr>
+            </a:solidFill>
+            <a:ln w="28575">
+              <a:solidFill>
+                <a:schemeClr val="tx1">
+                  <a:lumMod val="65000"/>
+                  <a:lumOff val="35000"/>
+                </a:schemeClr>
+              </a:solidFill>
+            </a:ln>
+          </p:spPr>
+          <p:style>
+            <a:lnRef idx="2">
+              <a:schemeClr val="accent1">
+                <a:shade val="50000"/>
+              </a:schemeClr>
+            </a:lnRef>
+            <a:fillRef idx="1">
+              <a:schemeClr val="accent1"/>
+            </a:fillRef>
+            <a:effectRef idx="0">
+              <a:schemeClr val="accent1"/>
+            </a:effectRef>
+            <a:fontRef idx="minor">
+              <a:schemeClr val="lt1"/>
+            </a:fontRef>
+          </p:style>
+          <p:txBody>
+            <a:bodyPr rtlCol="0" anchor="ctr"/>
+            <a:lstStyle/>
+            <a:p>
+              <a:pPr algn="ctr"/>
+              <a:endParaRPr lang="ko-KR" altLang="en-US"/>
+            </a:p>
+          </p:txBody>
+        </p:sp>
+        <p:sp>
+          <p:nvSpPr>
+            <p:cNvPr id="213" name="직사각형 212"/>
+            <p:cNvSpPr/>
+            <p:nvPr/>
+          </p:nvSpPr>
+          <p:spPr>
+            <a:xfrm>
+              <a:off x="7744202" y="3424973"/>
+              <a:ext cx="658868" cy="658868"/>
+            </a:xfrm>
+            <a:prstGeom prst="rect">
+              <a:avLst/>
+            </a:prstGeom>
+            <a:solidFill>
+              <a:schemeClr val="bg1">
+                <a:lumMod val="65000"/>
+              </a:schemeClr>
+            </a:solidFill>
+            <a:ln w="28575">
+              <a:solidFill>
+                <a:schemeClr val="tx1">
+                  <a:lumMod val="65000"/>
+                  <a:lumOff val="35000"/>
+                </a:schemeClr>
+              </a:solidFill>
+            </a:ln>
+          </p:spPr>
+          <p:style>
+            <a:lnRef idx="2">
+              <a:schemeClr val="accent1">
+                <a:shade val="50000"/>
+              </a:schemeClr>
+            </a:lnRef>
+            <a:fillRef idx="1">
+              <a:schemeClr val="accent1"/>
+            </a:fillRef>
+            <a:effectRef idx="0">
+              <a:schemeClr val="accent1"/>
+            </a:effectRef>
+            <a:fontRef idx="minor">
+              <a:schemeClr val="lt1"/>
+            </a:fontRef>
+          </p:style>
+          <p:txBody>
+            <a:bodyPr rtlCol="0" anchor="ctr"/>
+            <a:lstStyle/>
+            <a:p>
+              <a:pPr algn="ctr"/>
+              <a:endParaRPr lang="ko-KR" altLang="en-US"/>
+            </a:p>
+          </p:txBody>
+        </p:sp>
+        <p:sp>
+          <p:nvSpPr>
+            <p:cNvPr id="214" name="직사각형 213"/>
+            <p:cNvSpPr/>
+            <p:nvPr/>
+          </p:nvSpPr>
+          <p:spPr>
+            <a:xfrm>
+              <a:off x="5767596" y="5405604"/>
+              <a:ext cx="658868" cy="658868"/>
+            </a:xfrm>
+            <a:prstGeom prst="rect">
+              <a:avLst/>
+            </a:prstGeom>
+            <a:solidFill>
+              <a:schemeClr val="bg1">
+                <a:lumMod val="65000"/>
+              </a:schemeClr>
+            </a:solidFill>
+            <a:ln w="28575">
+              <a:solidFill>
+                <a:schemeClr val="tx1">
+                  <a:lumMod val="65000"/>
+                  <a:lumOff val="35000"/>
+                </a:schemeClr>
+              </a:solidFill>
+            </a:ln>
+          </p:spPr>
+          <p:style>
+            <a:lnRef idx="2">
+              <a:schemeClr val="accent1">
+                <a:shade val="50000"/>
+              </a:schemeClr>
+            </a:lnRef>
+            <a:fillRef idx="1">
+              <a:schemeClr val="accent1"/>
+            </a:fillRef>
+            <a:effectRef idx="0">
+              <a:schemeClr val="accent1"/>
+            </a:effectRef>
+            <a:fontRef idx="minor">
+              <a:schemeClr val="lt1"/>
+            </a:fontRef>
+          </p:style>
+          <p:txBody>
+            <a:bodyPr rtlCol="0" anchor="ctr"/>
+            <a:lstStyle/>
+            <a:p>
+              <a:pPr algn="ctr"/>
+              <a:endParaRPr lang="ko-KR" altLang="en-US"/>
+            </a:p>
+          </p:txBody>
+        </p:sp>
+        <p:sp>
+          <p:nvSpPr>
+            <p:cNvPr id="215" name="직사각형 214"/>
+            <p:cNvSpPr/>
+            <p:nvPr/>
+          </p:nvSpPr>
+          <p:spPr>
+            <a:xfrm>
+              <a:off x="6426465" y="5405604"/>
+              <a:ext cx="658868" cy="658868"/>
+            </a:xfrm>
+            <a:prstGeom prst="rect">
+              <a:avLst/>
+            </a:prstGeom>
+            <a:solidFill>
+              <a:schemeClr val="bg1">
+                <a:lumMod val="65000"/>
+              </a:schemeClr>
+            </a:solidFill>
+            <a:ln w="28575">
+              <a:solidFill>
+                <a:schemeClr val="tx1">
+                  <a:lumMod val="65000"/>
+                  <a:lumOff val="35000"/>
+                </a:schemeClr>
+              </a:solidFill>
+            </a:ln>
+          </p:spPr>
+          <p:style>
+            <a:lnRef idx="2">
+              <a:schemeClr val="accent1">
+                <a:shade val="50000"/>
+              </a:schemeClr>
+            </a:lnRef>
+            <a:fillRef idx="1">
+              <a:schemeClr val="accent1"/>
+            </a:fillRef>
+            <a:effectRef idx="0">
+              <a:schemeClr val="accent1"/>
+            </a:effectRef>
+            <a:fontRef idx="minor">
+              <a:schemeClr val="lt1"/>
+            </a:fontRef>
+          </p:style>
+          <p:txBody>
+            <a:bodyPr rtlCol="0" anchor="ctr"/>
+            <a:lstStyle/>
+            <a:p>
+              <a:pPr algn="ctr"/>
+              <a:endParaRPr lang="ko-KR" altLang="en-US"/>
+            </a:p>
+          </p:txBody>
+        </p:sp>
+        <p:sp>
+          <p:nvSpPr>
+            <p:cNvPr id="216" name="직사각형 215"/>
+            <p:cNvSpPr/>
+            <p:nvPr/>
+          </p:nvSpPr>
+          <p:spPr>
+            <a:xfrm>
+              <a:off x="4449859" y="5405604"/>
+              <a:ext cx="658868" cy="658868"/>
+            </a:xfrm>
+            <a:prstGeom prst="rect">
+              <a:avLst/>
+            </a:prstGeom>
+            <a:solidFill>
+              <a:schemeClr val="bg1">
+                <a:lumMod val="65000"/>
+              </a:schemeClr>
+            </a:solidFill>
+            <a:ln w="28575">
+              <a:solidFill>
+                <a:schemeClr val="tx1">
+                  <a:lumMod val="65000"/>
+                  <a:lumOff val="35000"/>
+                </a:schemeClr>
+              </a:solidFill>
+            </a:ln>
+          </p:spPr>
+          <p:style>
+            <a:lnRef idx="2">
+              <a:schemeClr val="accent1">
+                <a:shade val="50000"/>
+              </a:schemeClr>
+            </a:lnRef>
+            <a:fillRef idx="1">
+              <a:schemeClr val="accent1"/>
+            </a:fillRef>
+            <a:effectRef idx="0">
+              <a:schemeClr val="accent1"/>
+            </a:effectRef>
+            <a:fontRef idx="minor">
+              <a:schemeClr val="lt1"/>
+            </a:fontRef>
+          </p:style>
+          <p:txBody>
+            <a:bodyPr rtlCol="0" anchor="ctr"/>
+            <a:lstStyle/>
+            <a:p>
+              <a:pPr algn="ctr"/>
+              <a:endParaRPr lang="ko-KR" altLang="en-US"/>
+            </a:p>
+          </p:txBody>
+        </p:sp>
+        <p:sp>
+          <p:nvSpPr>
+            <p:cNvPr id="217" name="직사각형 216"/>
+            <p:cNvSpPr/>
+            <p:nvPr/>
+          </p:nvSpPr>
+          <p:spPr>
+            <a:xfrm>
+              <a:off x="5108728" y="5405604"/>
+              <a:ext cx="658868" cy="658868"/>
+            </a:xfrm>
+            <a:prstGeom prst="rect">
+              <a:avLst/>
+            </a:prstGeom>
+            <a:solidFill>
+              <a:schemeClr val="bg1">
+                <a:lumMod val="65000"/>
+              </a:schemeClr>
+            </a:solidFill>
+            <a:ln w="28575">
+              <a:solidFill>
+                <a:schemeClr val="tx1">
+                  <a:lumMod val="65000"/>
+                  <a:lumOff val="35000"/>
+                </a:schemeClr>
+              </a:solidFill>
+            </a:ln>
+          </p:spPr>
+          <p:style>
+            <a:lnRef idx="2">
+              <a:schemeClr val="accent1">
+                <a:shade val="50000"/>
+              </a:schemeClr>
+            </a:lnRef>
+            <a:fillRef idx="1">
+              <a:schemeClr val="accent1"/>
+            </a:fillRef>
+            <a:effectRef idx="0">
+              <a:schemeClr val="accent1"/>
+            </a:effectRef>
+            <a:fontRef idx="minor">
+              <a:schemeClr val="lt1"/>
+            </a:fontRef>
+          </p:style>
+          <p:txBody>
+            <a:bodyPr rtlCol="0" anchor="ctr"/>
+            <a:lstStyle/>
+            <a:p>
+              <a:pPr algn="ctr"/>
+              <a:endParaRPr lang="ko-KR" altLang="en-US"/>
+            </a:p>
+          </p:txBody>
+        </p:sp>
+        <p:sp>
+          <p:nvSpPr>
+            <p:cNvPr id="218" name="직사각형 217"/>
+            <p:cNvSpPr/>
+            <p:nvPr/>
+          </p:nvSpPr>
+          <p:spPr>
+            <a:xfrm>
+              <a:off x="8403071" y="3424973"/>
+              <a:ext cx="658868" cy="658868"/>
+            </a:xfrm>
+            <a:prstGeom prst="rect">
+              <a:avLst/>
+            </a:prstGeom>
+            <a:solidFill>
+              <a:schemeClr val="bg1">
+                <a:lumMod val="65000"/>
+              </a:schemeClr>
+            </a:solidFill>
+            <a:ln w="28575">
+              <a:solidFill>
+                <a:schemeClr val="tx1">
+                  <a:lumMod val="65000"/>
+                  <a:lumOff val="35000"/>
+                </a:schemeClr>
+              </a:solidFill>
+            </a:ln>
+          </p:spPr>
+          <p:style>
+            <a:lnRef idx="2">
+              <a:schemeClr val="accent1">
+                <a:shade val="50000"/>
+              </a:schemeClr>
+            </a:lnRef>
+            <a:fillRef idx="1">
+              <a:schemeClr val="accent1"/>
+            </a:fillRef>
+            <a:effectRef idx="0">
+              <a:schemeClr val="accent1"/>
+            </a:effectRef>
+            <a:fontRef idx="minor">
+              <a:schemeClr val="lt1"/>
+            </a:fontRef>
+          </p:style>
+          <p:txBody>
+            <a:bodyPr rtlCol="0" anchor="ctr"/>
+            <a:lstStyle/>
+            <a:p>
+              <a:pPr algn="ctr"/>
+              <a:endParaRPr lang="ko-KR" altLang="en-US"/>
+            </a:p>
+          </p:txBody>
+        </p:sp>
+        <p:sp>
+          <p:nvSpPr>
+            <p:cNvPr id="219" name="직사각형 218"/>
+            <p:cNvSpPr/>
+            <p:nvPr/>
+          </p:nvSpPr>
+          <p:spPr>
+            <a:xfrm>
+              <a:off x="9061939" y="3424973"/>
+              <a:ext cx="658868" cy="658868"/>
+            </a:xfrm>
+            <a:prstGeom prst="rect">
+              <a:avLst/>
+            </a:prstGeom>
+            <a:solidFill>
+              <a:schemeClr val="bg1">
+                <a:lumMod val="65000"/>
+              </a:schemeClr>
+            </a:solidFill>
+            <a:ln w="28575">
+              <a:solidFill>
+                <a:schemeClr val="tx1">
+                  <a:lumMod val="65000"/>
+                  <a:lumOff val="35000"/>
+                </a:schemeClr>
+              </a:solidFill>
+            </a:ln>
+          </p:spPr>
+          <p:style>
+            <a:lnRef idx="2">
+              <a:schemeClr val="accent1">
+                <a:shade val="50000"/>
+              </a:schemeClr>
+            </a:lnRef>
+            <a:fillRef idx="1">
+              <a:schemeClr val="accent1"/>
+            </a:fillRef>
+            <a:effectRef idx="0">
+              <a:schemeClr val="accent1"/>
+            </a:effectRef>
+            <a:fontRef idx="minor">
+              <a:schemeClr val="lt1"/>
+            </a:fontRef>
+          </p:style>
+          <p:txBody>
+            <a:bodyPr rtlCol="0" anchor="ctr"/>
+            <a:lstStyle/>
+            <a:p>
+              <a:pPr algn="ctr"/>
+              <a:endParaRPr lang="ko-KR" altLang="en-US"/>
+            </a:p>
+          </p:txBody>
+        </p:sp>
+        <p:sp>
+          <p:nvSpPr>
+            <p:cNvPr id="220" name="직사각형 219"/>
+            <p:cNvSpPr/>
+            <p:nvPr/>
+          </p:nvSpPr>
+          <p:spPr>
+            <a:xfrm>
+              <a:off x="9720809" y="3424973"/>
+              <a:ext cx="658868" cy="658868"/>
+            </a:xfrm>
+            <a:prstGeom prst="rect">
+              <a:avLst/>
+            </a:prstGeom>
+            <a:solidFill>
+              <a:schemeClr val="bg1">
+                <a:lumMod val="65000"/>
+              </a:schemeClr>
+            </a:solidFill>
+            <a:ln w="28575">
+              <a:solidFill>
+                <a:schemeClr val="tx1">
+                  <a:lumMod val="65000"/>
+                  <a:lumOff val="35000"/>
+                </a:schemeClr>
+              </a:solidFill>
+            </a:ln>
+          </p:spPr>
+          <p:style>
+            <a:lnRef idx="2">
+              <a:schemeClr val="accent1">
+                <a:shade val="50000"/>
+              </a:schemeClr>
+            </a:lnRef>
+            <a:fillRef idx="1">
+              <a:schemeClr val="accent1"/>
+            </a:fillRef>
+            <a:effectRef idx="0">
+              <a:schemeClr val="accent1"/>
+            </a:effectRef>
+            <a:fontRef idx="minor">
+              <a:schemeClr val="lt1"/>
+            </a:fontRef>
+          </p:style>
+          <p:txBody>
+            <a:bodyPr rtlCol="0" anchor="ctr"/>
+            <a:lstStyle/>
+            <a:p>
+              <a:pPr algn="ctr"/>
+              <a:endParaRPr lang="ko-KR" altLang="en-US"/>
+            </a:p>
+          </p:txBody>
+        </p:sp>
+        <p:sp>
+          <p:nvSpPr>
+            <p:cNvPr id="221" name="직사각형 220"/>
+            <p:cNvSpPr/>
+            <p:nvPr/>
+          </p:nvSpPr>
+          <p:spPr>
+            <a:xfrm>
+              <a:off x="3132122" y="5405604"/>
+              <a:ext cx="658868" cy="658868"/>
+            </a:xfrm>
+            <a:prstGeom prst="rect">
+              <a:avLst/>
+            </a:prstGeom>
+            <a:solidFill>
+              <a:schemeClr val="bg1">
+                <a:lumMod val="65000"/>
+              </a:schemeClr>
+            </a:solidFill>
+            <a:ln w="28575">
+              <a:solidFill>
+                <a:schemeClr val="tx1">
+                  <a:lumMod val="65000"/>
+                  <a:lumOff val="35000"/>
+                </a:schemeClr>
+              </a:solidFill>
+            </a:ln>
+          </p:spPr>
+          <p:style>
+            <a:lnRef idx="2">
+              <a:schemeClr val="accent1">
+                <a:shade val="50000"/>
+              </a:schemeClr>
+            </a:lnRef>
+            <a:fillRef idx="1">
+              <a:schemeClr val="accent1"/>
+            </a:fillRef>
+            <a:effectRef idx="0">
+              <a:schemeClr val="accent1"/>
+            </a:effectRef>
+            <a:fontRef idx="minor">
+              <a:schemeClr val="lt1"/>
+            </a:fontRef>
+          </p:style>
+          <p:txBody>
+            <a:bodyPr rtlCol="0" anchor="ctr"/>
+            <a:lstStyle/>
+            <a:p>
+              <a:pPr algn="ctr"/>
+              <a:endParaRPr lang="ko-KR" altLang="en-US"/>
+            </a:p>
+          </p:txBody>
+        </p:sp>
+        <p:sp>
+          <p:nvSpPr>
+            <p:cNvPr id="222" name="직사각형 221"/>
+            <p:cNvSpPr/>
+            <p:nvPr/>
+          </p:nvSpPr>
+          <p:spPr>
+            <a:xfrm>
+              <a:off x="3790990" y="5405604"/>
+              <a:ext cx="658868" cy="658868"/>
+            </a:xfrm>
+            <a:prstGeom prst="rect">
+              <a:avLst/>
+            </a:prstGeom>
+            <a:solidFill>
+              <a:schemeClr val="bg1">
+                <a:lumMod val="65000"/>
+              </a:schemeClr>
+            </a:solidFill>
+            <a:ln w="28575">
+              <a:solidFill>
+                <a:schemeClr val="tx1">
+                  <a:lumMod val="65000"/>
+                  <a:lumOff val="35000"/>
+                </a:schemeClr>
+              </a:solidFill>
+            </a:ln>
+          </p:spPr>
+          <p:style>
+            <a:lnRef idx="2">
+              <a:schemeClr val="accent1">
+                <a:shade val="50000"/>
+              </a:schemeClr>
+            </a:lnRef>
+            <a:fillRef idx="1">
+              <a:schemeClr val="accent1"/>
+            </a:fillRef>
+            <a:effectRef idx="0">
+              <a:schemeClr val="accent1"/>
+            </a:effectRef>
+            <a:fontRef idx="minor">
+              <a:schemeClr val="lt1"/>
+            </a:fontRef>
+          </p:style>
+          <p:txBody>
+            <a:bodyPr rtlCol="0" anchor="ctr"/>
+            <a:lstStyle/>
+            <a:p>
+              <a:pPr algn="ctr"/>
+              <a:endParaRPr lang="ko-KR" altLang="en-US"/>
+            </a:p>
+          </p:txBody>
+        </p:sp>
+        <p:sp>
+          <p:nvSpPr>
+            <p:cNvPr id="223" name="직사각형 222"/>
+            <p:cNvSpPr/>
+            <p:nvPr/>
+          </p:nvSpPr>
+          <p:spPr>
+            <a:xfrm>
+              <a:off x="1814384" y="5405604"/>
+              <a:ext cx="658868" cy="658868"/>
+            </a:xfrm>
+            <a:prstGeom prst="rect">
+              <a:avLst/>
+            </a:prstGeom>
+            <a:solidFill>
+              <a:schemeClr val="bg1">
+                <a:lumMod val="65000"/>
+              </a:schemeClr>
+            </a:solidFill>
+            <a:ln w="28575">
+              <a:solidFill>
+                <a:schemeClr val="tx1">
+                  <a:lumMod val="65000"/>
+                  <a:lumOff val="35000"/>
+                </a:schemeClr>
+              </a:solidFill>
+            </a:ln>
+          </p:spPr>
+          <p:style>
+            <a:lnRef idx="2">
+              <a:schemeClr val="accent1">
+                <a:shade val="50000"/>
+              </a:schemeClr>
+            </a:lnRef>
+            <a:fillRef idx="1">
+              <a:schemeClr val="accent1"/>
+            </a:fillRef>
+            <a:effectRef idx="0">
+              <a:schemeClr val="accent1"/>
+            </a:effectRef>
+            <a:fontRef idx="minor">
+              <a:schemeClr val="lt1"/>
+            </a:fontRef>
+          </p:style>
+          <p:txBody>
+            <a:bodyPr rtlCol="0" anchor="ctr"/>
+            <a:lstStyle/>
+            <a:p>
+              <a:pPr algn="ctr"/>
+              <a:endParaRPr lang="ko-KR" altLang="en-US"/>
+            </a:p>
+          </p:txBody>
+        </p:sp>
+        <p:sp>
+          <p:nvSpPr>
+            <p:cNvPr id="224" name="직사각형 223"/>
+            <p:cNvSpPr/>
+            <p:nvPr/>
+          </p:nvSpPr>
+          <p:spPr>
+            <a:xfrm>
+              <a:off x="2473252" y="5405604"/>
+              <a:ext cx="658868" cy="658868"/>
+            </a:xfrm>
+            <a:prstGeom prst="rect">
+              <a:avLst/>
+            </a:prstGeom>
+            <a:solidFill>
+              <a:schemeClr val="bg1">
+                <a:lumMod val="65000"/>
+              </a:schemeClr>
+            </a:solidFill>
+            <a:ln w="28575">
+              <a:solidFill>
+                <a:schemeClr val="tx1">
+                  <a:lumMod val="65000"/>
+                  <a:lumOff val="35000"/>
+                </a:schemeClr>
+              </a:solidFill>
+            </a:ln>
+          </p:spPr>
+          <p:style>
+            <a:lnRef idx="2">
+              <a:schemeClr val="accent1">
+                <a:shade val="50000"/>
+              </a:schemeClr>
+            </a:lnRef>
+            <a:fillRef idx="1">
+              <a:schemeClr val="accent1"/>
+            </a:fillRef>
+            <a:effectRef idx="0">
+              <a:schemeClr val="accent1"/>
+            </a:effectRef>
+            <a:fontRef idx="minor">
+              <a:schemeClr val="lt1"/>
+            </a:fontRef>
+          </p:style>
+          <p:txBody>
+            <a:bodyPr rtlCol="0" anchor="ctr"/>
+            <a:lstStyle/>
+            <a:p>
+              <a:pPr algn="ctr"/>
+              <a:endParaRPr lang="ko-KR" altLang="en-US"/>
+            </a:p>
+          </p:txBody>
+        </p:sp>
+        <p:grpSp>
+          <p:nvGrpSpPr>
+            <p:cNvPr id="225" name="그룹 224"/>
+            <p:cNvGrpSpPr/>
+            <p:nvPr/>
+          </p:nvGrpSpPr>
+          <p:grpSpPr>
+            <a:xfrm>
+              <a:off x="1814384" y="4087869"/>
+              <a:ext cx="676404" cy="658868"/>
+              <a:chOff x="1814384" y="4087869"/>
+              <a:chExt cx="676404" cy="658868"/>
+            </a:xfrm>
+          </p:grpSpPr>
+          <p:sp>
+            <p:nvSpPr>
+              <p:cNvPr id="253" name="직사각형 252"/>
+              <p:cNvSpPr/>
+              <p:nvPr/>
+            </p:nvSpPr>
+            <p:spPr>
+              <a:xfrm>
+                <a:off x="1814384" y="4087869"/>
+                <a:ext cx="658868" cy="658868"/>
+              </a:xfrm>
+              <a:prstGeom prst="rect">
+                <a:avLst/>
+              </a:prstGeom>
+              <a:solidFill>
+                <a:srgbClr val="E2E29E"/>
+              </a:solidFill>
+              <a:ln w="28575">
+                <a:solidFill>
+                  <a:schemeClr val="tx1">
+                    <a:lumMod val="65000"/>
+                    <a:lumOff val="35000"/>
+                  </a:schemeClr>
+                </a:solidFill>
+              </a:ln>
+            </p:spPr>
+            <p:style>
+              <a:lnRef idx="2">
+                <a:schemeClr val="accent1">
+                  <a:shade val="50000"/>
+                </a:schemeClr>
+              </a:lnRef>
+              <a:fillRef idx="1">
+                <a:schemeClr val="accent1"/>
+              </a:fillRef>
+              <a:effectRef idx="0">
+                <a:schemeClr val="accent1"/>
+              </a:effectRef>
+              <a:fontRef idx="minor">
+                <a:schemeClr val="lt1"/>
+              </a:fontRef>
+            </p:style>
+            <p:txBody>
+              <a:bodyPr rtlCol="0" anchor="ctr"/>
+              <a:lstStyle/>
+              <a:p>
+                <a:pPr algn="ctr"/>
+                <a:endParaRPr lang="ko-KR" altLang="en-US"/>
+              </a:p>
+            </p:txBody>
+          </p:sp>
+          <p:sp>
+            <p:nvSpPr>
+              <p:cNvPr id="254" name="직사각형 253"/>
+              <p:cNvSpPr/>
+              <p:nvPr/>
+            </p:nvSpPr>
+            <p:spPr>
+              <a:xfrm>
+                <a:off x="2219204" y="4364620"/>
+                <a:ext cx="254046" cy="116754"/>
+              </a:xfrm>
+              <a:prstGeom prst="rect">
+                <a:avLst/>
+              </a:prstGeom>
+              <a:solidFill>
+                <a:schemeClr val="bg1"/>
+              </a:solidFill>
+              <a:ln w="28575">
+                <a:solidFill>
+                  <a:schemeClr val="tx1">
+                    <a:lumMod val="65000"/>
+                    <a:lumOff val="35000"/>
+                  </a:schemeClr>
+                </a:solidFill>
+              </a:ln>
+            </p:spPr>
+            <p:style>
+              <a:lnRef idx="2">
+                <a:schemeClr val="accent1">
+                  <a:shade val="50000"/>
+                </a:schemeClr>
+              </a:lnRef>
+              <a:fillRef idx="1">
+                <a:schemeClr val="accent1"/>
+              </a:fillRef>
+              <a:effectRef idx="0">
+                <a:schemeClr val="accent1"/>
+              </a:effectRef>
+              <a:fontRef idx="minor">
+                <a:schemeClr val="lt1"/>
+              </a:fontRef>
+            </p:style>
+            <p:txBody>
+              <a:bodyPr rtlCol="0" anchor="ctr"/>
+              <a:lstStyle/>
+              <a:p>
+                <a:pPr algn="ctr"/>
+                <a:endParaRPr lang="ko-KR" altLang="en-US"/>
+              </a:p>
+            </p:txBody>
+          </p:sp>
+          <p:sp>
+            <p:nvSpPr>
+              <p:cNvPr id="255" name="타원 254"/>
+              <p:cNvSpPr/>
+              <p:nvPr/>
+            </p:nvSpPr>
+            <p:spPr>
+              <a:xfrm>
+                <a:off x="2033891" y="4305380"/>
+                <a:ext cx="223820" cy="223820"/>
+              </a:xfrm>
+              <a:prstGeom prst="ellipse">
+                <a:avLst/>
+              </a:prstGeom>
+              <a:solidFill>
+                <a:schemeClr val="bg1"/>
+              </a:solidFill>
+              <a:ln w="28575">
+                <a:solidFill>
+                  <a:schemeClr val="tx1">
+                    <a:lumMod val="65000"/>
+                    <a:lumOff val="35000"/>
+                  </a:schemeClr>
+                </a:solidFill>
+              </a:ln>
+            </p:spPr>
+            <p:style>
+              <a:lnRef idx="2">
+                <a:schemeClr val="accent1">
+                  <a:shade val="50000"/>
+                </a:schemeClr>
+              </a:lnRef>
+              <a:fillRef idx="1">
+                <a:schemeClr val="accent1"/>
+              </a:fillRef>
+              <a:effectRef idx="0">
+                <a:schemeClr val="accent1"/>
+              </a:effectRef>
+              <a:fontRef idx="minor">
+                <a:schemeClr val="lt1"/>
+              </a:fontRef>
+            </p:style>
+            <p:txBody>
+              <a:bodyPr rtlCol="0" anchor="ctr"/>
+              <a:lstStyle/>
+              <a:p>
+                <a:pPr algn="ctr"/>
+                <a:endParaRPr lang="ko-KR" altLang="en-US"/>
+              </a:p>
+            </p:txBody>
+          </p:sp>
+          <p:sp>
+            <p:nvSpPr>
+              <p:cNvPr id="256" name="직사각형 255"/>
+              <p:cNvSpPr/>
+              <p:nvPr/>
+            </p:nvSpPr>
+            <p:spPr>
+              <a:xfrm flipV="1">
+                <a:off x="2219206" y="4379117"/>
+                <a:ext cx="271582" cy="88108"/>
+              </a:xfrm>
+              <a:prstGeom prst="rect">
+                <a:avLst/>
+              </a:prstGeom>
+              <a:solidFill>
+                <a:schemeClr val="bg1"/>
+              </a:solidFill>
+              <a:ln w="28575">
+                <a:noFill/>
+              </a:ln>
+            </p:spPr>
+            <p:style>
+              <a:lnRef idx="2">
+                <a:schemeClr val="accent1">
+                  <a:shade val="50000"/>
+                </a:schemeClr>
+              </a:lnRef>
+              <a:fillRef idx="1">
+                <a:schemeClr val="accent1"/>
+              </a:fillRef>
+              <a:effectRef idx="0">
+                <a:schemeClr val="accent1"/>
+              </a:effectRef>
+              <a:fontRef idx="minor">
+                <a:schemeClr val="lt1"/>
+              </a:fontRef>
+            </p:style>
+            <p:txBody>
+              <a:bodyPr rtlCol="0" anchor="ctr"/>
+              <a:lstStyle/>
+              <a:p>
+                <a:pPr algn="ctr"/>
+                <a:endParaRPr lang="ko-KR" altLang="en-US"/>
+              </a:p>
+            </p:txBody>
+          </p:sp>
+        </p:grpSp>
+        <p:grpSp>
+          <p:nvGrpSpPr>
+            <p:cNvPr id="226" name="그룹 225"/>
+            <p:cNvGrpSpPr/>
+            <p:nvPr/>
+          </p:nvGrpSpPr>
+          <p:grpSpPr>
+            <a:xfrm rot="10800000">
+              <a:off x="5767596" y="754149"/>
+              <a:ext cx="658868" cy="731446"/>
+              <a:chOff x="5766678" y="759618"/>
+              <a:chExt cx="658868" cy="731446"/>
+            </a:xfrm>
+          </p:grpSpPr>
+          <p:grpSp>
+            <p:nvGrpSpPr>
+              <p:cNvPr id="247" name="그룹 246"/>
+              <p:cNvGrpSpPr/>
+              <p:nvPr/>
+            </p:nvGrpSpPr>
+            <p:grpSpPr>
+              <a:xfrm>
+                <a:off x="5766678" y="759618"/>
+                <a:ext cx="658868" cy="692776"/>
+                <a:chOff x="5766678" y="759618"/>
+                <a:chExt cx="658868" cy="692776"/>
+              </a:xfrm>
+            </p:grpSpPr>
+            <p:sp>
+              <p:nvSpPr>
+                <p:cNvPr id="249" name="직사각형 248"/>
+                <p:cNvSpPr/>
+                <p:nvPr/>
+              </p:nvSpPr>
+              <p:spPr>
+                <a:xfrm>
+                  <a:off x="5766678" y="793526"/>
+                  <a:ext cx="658868" cy="658868"/>
+                </a:xfrm>
+                <a:prstGeom prst="rect">
+                  <a:avLst/>
+                </a:prstGeom>
+                <a:solidFill>
+                  <a:srgbClr val="E2E29E"/>
+                </a:solidFill>
+                <a:ln w="28575">
+                  <a:solidFill>
+                    <a:schemeClr val="tx1">
+                      <a:lumMod val="65000"/>
+                      <a:lumOff val="35000"/>
+                    </a:schemeClr>
+                  </a:solidFill>
+                </a:ln>
+              </p:spPr>
+              <p:style>
+                <a:lnRef idx="2">
+                  <a:schemeClr val="accent1">
+                    <a:shade val="50000"/>
+                  </a:schemeClr>
+                </a:lnRef>
+                <a:fillRef idx="1">
+                  <a:schemeClr val="accent1"/>
+                </a:fillRef>
+                <a:effectRef idx="0">
+                  <a:schemeClr val="accent1"/>
+                </a:effectRef>
+                <a:fontRef idx="minor">
+                  <a:schemeClr val="lt1"/>
+                </a:fontRef>
+              </p:style>
+              <p:txBody>
+                <a:bodyPr rtlCol="0" anchor="ctr"/>
+                <a:lstStyle/>
+                <a:p>
+                  <a:pPr algn="ctr"/>
+                  <a:endParaRPr lang="ko-KR" altLang="en-US"/>
+                </a:p>
+              </p:txBody>
+            </p:sp>
+            <p:sp>
+              <p:nvSpPr>
+                <p:cNvPr id="250" name="직사각형 249"/>
+                <p:cNvSpPr/>
+                <p:nvPr/>
+              </p:nvSpPr>
+              <p:spPr>
+                <a:xfrm rot="16200000">
+                  <a:off x="5829942" y="1001319"/>
+                  <a:ext cx="532340" cy="116754"/>
+                </a:xfrm>
+                <a:prstGeom prst="rect">
+                  <a:avLst/>
+                </a:prstGeom>
+                <a:solidFill>
+                  <a:schemeClr val="bg1"/>
+                </a:solidFill>
+                <a:ln w="28575">
+                  <a:solidFill>
+                    <a:schemeClr val="tx1">
+                      <a:lumMod val="65000"/>
+                      <a:lumOff val="35000"/>
+                    </a:schemeClr>
+                  </a:solidFill>
+                </a:ln>
+              </p:spPr>
+              <p:style>
+                <a:lnRef idx="2">
+                  <a:schemeClr val="accent1">
+                    <a:shade val="50000"/>
+                  </a:schemeClr>
+                </a:lnRef>
+                <a:fillRef idx="1">
+                  <a:schemeClr val="accent1"/>
+                </a:fillRef>
+                <a:effectRef idx="0">
+                  <a:schemeClr val="accent1"/>
+                </a:effectRef>
+                <a:fontRef idx="minor">
+                  <a:schemeClr val="lt1"/>
+                </a:fontRef>
+              </p:style>
+              <p:txBody>
+                <a:bodyPr rtlCol="0" anchor="ctr"/>
+                <a:lstStyle/>
+                <a:p>
+                  <a:pPr algn="ctr"/>
+                  <a:endParaRPr lang="ko-KR" altLang="en-US"/>
+                </a:p>
+              </p:txBody>
+            </p:sp>
+            <p:sp>
+              <p:nvSpPr>
+                <p:cNvPr id="251" name="이등변 삼각형 250"/>
+                <p:cNvSpPr/>
+                <p:nvPr/>
+              </p:nvSpPr>
+              <p:spPr>
+                <a:xfrm>
+                  <a:off x="5972746" y="1237914"/>
+                  <a:ext cx="247650" cy="213491"/>
+                </a:xfrm>
+                <a:prstGeom prst="triangle">
+                  <a:avLst/>
+                </a:prstGeom>
+                <a:solidFill>
+                  <a:schemeClr val="bg1"/>
+                </a:solidFill>
+                <a:ln w="28575">
+                  <a:solidFill>
+                    <a:schemeClr val="tx1">
+                      <a:lumMod val="65000"/>
+                      <a:lumOff val="35000"/>
+                    </a:schemeClr>
+                  </a:solidFill>
+                </a:ln>
+              </p:spPr>
+              <p:style>
+                <a:lnRef idx="2">
+                  <a:schemeClr val="accent1">
+                    <a:shade val="50000"/>
+                  </a:schemeClr>
+                </a:lnRef>
+                <a:fillRef idx="1">
+                  <a:schemeClr val="accent1"/>
+                </a:fillRef>
+                <a:effectRef idx="0">
+                  <a:schemeClr val="accent1"/>
+                </a:effectRef>
+                <a:fontRef idx="minor">
+                  <a:schemeClr val="lt1"/>
+                </a:fontRef>
+              </p:style>
+              <p:txBody>
+                <a:bodyPr rtlCol="0" anchor="ctr"/>
+                <a:lstStyle/>
+                <a:p>
+                  <a:pPr algn="ctr"/>
+                  <a:endParaRPr lang="ko-KR" altLang="en-US"/>
+                </a:p>
+              </p:txBody>
+            </p:sp>
+            <p:sp>
+              <p:nvSpPr>
+                <p:cNvPr id="252" name="직사각형 251"/>
+                <p:cNvSpPr/>
+                <p:nvPr/>
+              </p:nvSpPr>
+              <p:spPr>
+                <a:xfrm rot="16200000" flipV="1">
+                  <a:off x="5780483" y="1029890"/>
+                  <a:ext cx="631031" cy="90487"/>
+                </a:xfrm>
+                <a:prstGeom prst="rect">
+                  <a:avLst/>
+                </a:prstGeom>
+                <a:solidFill>
+                  <a:schemeClr val="bg1"/>
+                </a:solidFill>
+                <a:ln w="28575">
+                  <a:noFill/>
+                </a:ln>
+              </p:spPr>
+              <p:style>
+                <a:lnRef idx="2">
+                  <a:schemeClr val="accent1">
+                    <a:shade val="50000"/>
+                  </a:schemeClr>
+                </a:lnRef>
+                <a:fillRef idx="1">
+                  <a:schemeClr val="accent1"/>
+                </a:fillRef>
+                <a:effectRef idx="0">
+                  <a:schemeClr val="accent1"/>
+                </a:effectRef>
+                <a:fontRef idx="minor">
+                  <a:schemeClr val="lt1"/>
+                </a:fontRef>
+              </p:style>
+              <p:txBody>
+                <a:bodyPr rtlCol="0" anchor="ctr"/>
+                <a:lstStyle/>
+                <a:p>
+                  <a:pPr algn="ctr"/>
+                  <a:endParaRPr lang="ko-KR" altLang="en-US"/>
+                </a:p>
+              </p:txBody>
+            </p:sp>
+          </p:grpSp>
+          <p:sp>
+            <p:nvSpPr>
+              <p:cNvPr id="248" name="이등변 삼각형 247"/>
+              <p:cNvSpPr/>
+              <p:nvPr/>
+            </p:nvSpPr>
+            <p:spPr>
+              <a:xfrm>
+                <a:off x="5965860" y="1266492"/>
+                <a:ext cx="260504" cy="224572"/>
+              </a:xfrm>
+              <a:prstGeom prst="triangle">
+                <a:avLst/>
+              </a:prstGeom>
+              <a:solidFill>
+                <a:schemeClr val="bg1"/>
+              </a:solidFill>
+              <a:ln w="28575">
+                <a:noFill/>
+              </a:ln>
+            </p:spPr>
+            <p:style>
+              <a:lnRef idx="2">
+                <a:schemeClr val="accent1">
+                  <a:shade val="50000"/>
+                </a:schemeClr>
+              </a:lnRef>
+              <a:fillRef idx="1">
+                <a:schemeClr val="accent1"/>
+              </a:fillRef>
+              <a:effectRef idx="0">
+                <a:schemeClr val="accent1"/>
+              </a:effectRef>
+              <a:fontRef idx="minor">
+                <a:schemeClr val="lt1"/>
+              </a:fontRef>
+            </p:style>
+            <p:txBody>
+              <a:bodyPr rtlCol="0" anchor="ctr"/>
+              <a:lstStyle/>
+              <a:p>
+                <a:pPr algn="ctr"/>
+                <a:endParaRPr lang="ko-KR" altLang="en-US"/>
+              </a:p>
+            </p:txBody>
+          </p:sp>
+        </p:grpSp>
+        <p:cxnSp>
+          <p:nvCxnSpPr>
+            <p:cNvPr id="227" name="직선 연결선 226"/>
+            <p:cNvCxnSpPr/>
+            <p:nvPr/>
+          </p:nvCxnSpPr>
+          <p:spPr>
+            <a:xfrm flipV="1">
+              <a:off x="2153265" y="4417449"/>
+              <a:ext cx="2628735" cy="7067"/>
+            </a:xfrm>
+            <a:prstGeom prst="line">
+              <a:avLst/>
+            </a:prstGeom>
+            <a:ln w="28575">
+              <a:solidFill>
+                <a:srgbClr val="E2E29E"/>
+              </a:solidFill>
+              <a:headEnd type="oval" w="med" len="med"/>
+              <a:tailEnd type="oval" w="med" len="med"/>
+            </a:ln>
+          </p:spPr>
+          <p:style>
+            <a:lnRef idx="1">
+              <a:schemeClr val="accent1"/>
+            </a:lnRef>
+            <a:fillRef idx="0">
+              <a:schemeClr val="accent1"/>
+            </a:fillRef>
+            <a:effectRef idx="0">
+              <a:schemeClr val="accent1"/>
+            </a:effectRef>
+            <a:fontRef idx="minor">
+              <a:schemeClr val="tx1"/>
+            </a:fontRef>
+          </p:style>
+        </p:cxnSp>
+        <p:grpSp>
+          <p:nvGrpSpPr>
+            <p:cNvPr id="228" name="그룹 227"/>
+            <p:cNvGrpSpPr/>
+            <p:nvPr/>
+          </p:nvGrpSpPr>
+          <p:grpSpPr>
+            <a:xfrm rot="10800000">
+              <a:off x="9703916" y="2107957"/>
+              <a:ext cx="676404" cy="658868"/>
+              <a:chOff x="1814384" y="4087869"/>
+              <a:chExt cx="676404" cy="658868"/>
+            </a:xfrm>
+          </p:grpSpPr>
+          <p:sp>
+            <p:nvSpPr>
+              <p:cNvPr id="243" name="직사각형 242"/>
+              <p:cNvSpPr/>
+              <p:nvPr/>
+            </p:nvSpPr>
+            <p:spPr>
+              <a:xfrm>
+                <a:off x="1814384" y="4087869"/>
+                <a:ext cx="658868" cy="658868"/>
+              </a:xfrm>
+              <a:prstGeom prst="rect">
+                <a:avLst/>
+              </a:prstGeom>
+              <a:solidFill>
+                <a:srgbClr val="A6DEA2"/>
+              </a:solidFill>
+              <a:ln w="28575">
+                <a:solidFill>
+                  <a:schemeClr val="tx1">
+                    <a:lumMod val="65000"/>
+                    <a:lumOff val="35000"/>
+                  </a:schemeClr>
+                </a:solidFill>
+              </a:ln>
+            </p:spPr>
+            <p:style>
+              <a:lnRef idx="2">
+                <a:schemeClr val="accent1">
+                  <a:shade val="50000"/>
+                </a:schemeClr>
+              </a:lnRef>
+              <a:fillRef idx="1">
+                <a:schemeClr val="accent1"/>
+              </a:fillRef>
+              <a:effectRef idx="0">
+                <a:schemeClr val="accent1"/>
+              </a:effectRef>
+              <a:fontRef idx="minor">
+                <a:schemeClr val="lt1"/>
+              </a:fontRef>
+            </p:style>
+            <p:txBody>
+              <a:bodyPr rtlCol="0" anchor="ctr"/>
+              <a:lstStyle/>
+              <a:p>
+                <a:pPr algn="ctr"/>
+                <a:endParaRPr lang="ko-KR" altLang="en-US"/>
+              </a:p>
+            </p:txBody>
+          </p:sp>
+          <p:sp>
+            <p:nvSpPr>
+              <p:cNvPr id="244" name="직사각형 243"/>
+              <p:cNvSpPr/>
+              <p:nvPr/>
+            </p:nvSpPr>
+            <p:spPr>
+              <a:xfrm>
+                <a:off x="2219204" y="4364620"/>
+                <a:ext cx="254046" cy="116754"/>
+              </a:xfrm>
+              <a:prstGeom prst="rect">
+                <a:avLst/>
+              </a:prstGeom>
+              <a:solidFill>
+                <a:schemeClr val="bg1"/>
+              </a:solidFill>
+              <a:ln w="28575">
+                <a:solidFill>
+                  <a:schemeClr val="tx1">
+                    <a:lumMod val="65000"/>
+                    <a:lumOff val="35000"/>
+                  </a:schemeClr>
+                </a:solidFill>
+              </a:ln>
+            </p:spPr>
+            <p:style>
+              <a:lnRef idx="2">
+                <a:schemeClr val="accent1">
+                  <a:shade val="50000"/>
+                </a:schemeClr>
+              </a:lnRef>
+              <a:fillRef idx="1">
+                <a:schemeClr val="accent1"/>
+              </a:fillRef>
+              <a:effectRef idx="0">
+                <a:schemeClr val="accent1"/>
+              </a:effectRef>
+              <a:fontRef idx="minor">
+                <a:schemeClr val="lt1"/>
+              </a:fontRef>
+            </p:style>
+            <p:txBody>
+              <a:bodyPr rtlCol="0" anchor="ctr"/>
+              <a:lstStyle/>
+              <a:p>
+                <a:pPr algn="ctr"/>
+                <a:endParaRPr lang="ko-KR" altLang="en-US"/>
+              </a:p>
+            </p:txBody>
+          </p:sp>
+          <p:sp>
+            <p:nvSpPr>
+              <p:cNvPr id="245" name="타원 244"/>
+              <p:cNvSpPr/>
+              <p:nvPr/>
+            </p:nvSpPr>
+            <p:spPr>
+              <a:xfrm>
+                <a:off x="2033891" y="4305380"/>
+                <a:ext cx="223820" cy="223820"/>
+              </a:xfrm>
+              <a:prstGeom prst="ellipse">
+                <a:avLst/>
+              </a:prstGeom>
+              <a:solidFill>
+                <a:schemeClr val="bg1"/>
+              </a:solidFill>
+              <a:ln w="28575">
+                <a:solidFill>
+                  <a:schemeClr val="tx1">
+                    <a:lumMod val="65000"/>
+                    <a:lumOff val="35000"/>
+                  </a:schemeClr>
+                </a:solidFill>
+              </a:ln>
+            </p:spPr>
+            <p:style>
+              <a:lnRef idx="2">
+                <a:schemeClr val="accent1">
+                  <a:shade val="50000"/>
+                </a:schemeClr>
+              </a:lnRef>
+              <a:fillRef idx="1">
+                <a:schemeClr val="accent1"/>
+              </a:fillRef>
+              <a:effectRef idx="0">
+                <a:schemeClr val="accent1"/>
+              </a:effectRef>
+              <a:fontRef idx="minor">
+                <a:schemeClr val="lt1"/>
+              </a:fontRef>
+            </p:style>
+            <p:txBody>
+              <a:bodyPr rtlCol="0" anchor="ctr"/>
+              <a:lstStyle/>
+              <a:p>
+                <a:pPr algn="ctr"/>
+                <a:endParaRPr lang="ko-KR" altLang="en-US"/>
+              </a:p>
+            </p:txBody>
+          </p:sp>
+          <p:sp>
+            <p:nvSpPr>
+              <p:cNvPr id="246" name="직사각형 245"/>
+              <p:cNvSpPr/>
+              <p:nvPr/>
+            </p:nvSpPr>
+            <p:spPr>
+              <a:xfrm flipV="1">
+                <a:off x="2219206" y="4379117"/>
+                <a:ext cx="271582" cy="88108"/>
+              </a:xfrm>
+              <a:prstGeom prst="rect">
+                <a:avLst/>
+              </a:prstGeom>
+              <a:solidFill>
+                <a:schemeClr val="bg1"/>
+              </a:solidFill>
+              <a:ln w="28575">
+                <a:noFill/>
+              </a:ln>
+            </p:spPr>
+            <p:style>
+              <a:lnRef idx="2">
+                <a:schemeClr val="accent1">
+                  <a:shade val="50000"/>
+                </a:schemeClr>
+              </a:lnRef>
+              <a:fillRef idx="1">
+                <a:schemeClr val="accent1"/>
+              </a:fillRef>
+              <a:effectRef idx="0">
+                <a:schemeClr val="accent1"/>
+              </a:effectRef>
+              <a:fontRef idx="minor">
+                <a:schemeClr val="lt1"/>
+              </a:fontRef>
+            </p:style>
+            <p:txBody>
+              <a:bodyPr rtlCol="0" anchor="ctr"/>
+              <a:lstStyle/>
+              <a:p>
+                <a:pPr algn="ctr"/>
+                <a:endParaRPr lang="ko-KR" altLang="en-US"/>
+              </a:p>
+            </p:txBody>
+          </p:sp>
+        </p:grpSp>
+        <p:grpSp>
+          <p:nvGrpSpPr>
+            <p:cNvPr id="229" name="그룹 228"/>
+            <p:cNvGrpSpPr/>
+            <p:nvPr/>
+          </p:nvGrpSpPr>
+          <p:grpSpPr>
+            <a:xfrm rot="5400000" flipH="1">
+              <a:off x="1837699" y="2085877"/>
+              <a:ext cx="658868" cy="705500"/>
+              <a:chOff x="5766678" y="751717"/>
+              <a:chExt cx="658868" cy="700677"/>
+            </a:xfrm>
+          </p:grpSpPr>
+          <p:sp>
+            <p:nvSpPr>
+              <p:cNvPr id="239" name="직사각형 238"/>
+              <p:cNvSpPr/>
+              <p:nvPr/>
+            </p:nvSpPr>
+            <p:spPr>
+              <a:xfrm>
+                <a:off x="5766678" y="793526"/>
+                <a:ext cx="658868" cy="658868"/>
+              </a:xfrm>
+              <a:prstGeom prst="rect">
+                <a:avLst/>
+              </a:prstGeom>
+              <a:solidFill>
+                <a:srgbClr val="A6DEA2"/>
+              </a:solidFill>
+              <a:ln w="28575">
+                <a:solidFill>
+                  <a:schemeClr val="tx1">
+                    <a:lumMod val="65000"/>
+                    <a:lumOff val="35000"/>
+                  </a:schemeClr>
+                </a:solidFill>
+              </a:ln>
+            </p:spPr>
+            <p:style>
+              <a:lnRef idx="2">
+                <a:schemeClr val="accent1">
+                  <a:shade val="50000"/>
+                </a:schemeClr>
+              </a:lnRef>
+              <a:fillRef idx="1">
+                <a:schemeClr val="accent1"/>
+              </a:fillRef>
+              <a:effectRef idx="0">
+                <a:schemeClr val="accent1"/>
+              </a:effectRef>
+              <a:fontRef idx="minor">
+                <a:schemeClr val="lt1"/>
+              </a:fontRef>
+            </p:style>
+            <p:txBody>
+              <a:bodyPr rtlCol="0" anchor="ctr"/>
+              <a:lstStyle/>
+              <a:p>
+                <a:pPr algn="ctr"/>
+                <a:endParaRPr lang="ko-KR" altLang="en-US"/>
+              </a:p>
+            </p:txBody>
+          </p:sp>
+          <p:sp>
+            <p:nvSpPr>
+              <p:cNvPr id="240" name="이등변 삼각형 239"/>
+              <p:cNvSpPr/>
+              <p:nvPr/>
+            </p:nvSpPr>
+            <p:spPr>
+              <a:xfrm>
+                <a:off x="5972746" y="1237914"/>
+                <a:ext cx="247650" cy="213491"/>
+              </a:xfrm>
+              <a:prstGeom prst="triangle">
+                <a:avLst/>
+              </a:prstGeom>
+              <a:solidFill>
+                <a:schemeClr val="bg1"/>
+              </a:solidFill>
+              <a:ln w="28575">
+                <a:solidFill>
+                  <a:schemeClr val="tx1">
+                    <a:lumMod val="65000"/>
+                    <a:lumOff val="35000"/>
+                  </a:schemeClr>
+                </a:solidFill>
+              </a:ln>
+            </p:spPr>
+            <p:style>
+              <a:lnRef idx="2">
+                <a:schemeClr val="accent1">
+                  <a:shade val="50000"/>
+                </a:schemeClr>
+              </a:lnRef>
+              <a:fillRef idx="1">
+                <a:schemeClr val="accent1"/>
+              </a:fillRef>
+              <a:effectRef idx="0">
+                <a:schemeClr val="accent1"/>
+              </a:effectRef>
+              <a:fontRef idx="minor">
+                <a:schemeClr val="lt1"/>
+              </a:fontRef>
+            </p:style>
+            <p:txBody>
+              <a:bodyPr rtlCol="0" anchor="ctr"/>
+              <a:lstStyle/>
+              <a:p>
+                <a:pPr algn="ctr"/>
+                <a:endParaRPr lang="ko-KR" altLang="en-US"/>
+              </a:p>
+            </p:txBody>
+          </p:sp>
+          <p:sp>
+            <p:nvSpPr>
+              <p:cNvPr id="241" name="직사각형 240"/>
+              <p:cNvSpPr/>
+              <p:nvPr/>
+            </p:nvSpPr>
+            <p:spPr>
+              <a:xfrm rot="16200000">
+                <a:off x="5829942" y="1001319"/>
+                <a:ext cx="532340" cy="116754"/>
+              </a:xfrm>
+              <a:prstGeom prst="rect">
+                <a:avLst/>
+              </a:prstGeom>
+              <a:solidFill>
+                <a:schemeClr val="bg1"/>
+              </a:solidFill>
+              <a:ln w="28575">
+                <a:solidFill>
+                  <a:schemeClr val="tx1">
+                    <a:lumMod val="65000"/>
+                    <a:lumOff val="35000"/>
+                  </a:schemeClr>
+                </a:solidFill>
+              </a:ln>
+            </p:spPr>
+            <p:style>
+              <a:lnRef idx="2">
+                <a:schemeClr val="accent1">
+                  <a:shade val="50000"/>
+                </a:schemeClr>
+              </a:lnRef>
+              <a:fillRef idx="1">
+                <a:schemeClr val="accent1"/>
+              </a:fillRef>
+              <a:effectRef idx="0">
+                <a:schemeClr val="accent1"/>
+              </a:effectRef>
+              <a:fontRef idx="minor">
+                <a:schemeClr val="lt1"/>
+              </a:fontRef>
+            </p:style>
+            <p:txBody>
+              <a:bodyPr rtlCol="0" anchor="ctr"/>
+              <a:lstStyle/>
+              <a:p>
+                <a:pPr algn="ctr"/>
+                <a:endParaRPr lang="ko-KR" altLang="en-US"/>
+              </a:p>
+            </p:txBody>
+          </p:sp>
+          <p:sp>
+            <p:nvSpPr>
+              <p:cNvPr id="242" name="직사각형 241"/>
+              <p:cNvSpPr/>
+              <p:nvPr/>
+            </p:nvSpPr>
+            <p:spPr>
+              <a:xfrm rot="16200000" flipV="1">
+                <a:off x="5793887" y="1008584"/>
+                <a:ext cx="604222" cy="90487"/>
+              </a:xfrm>
+              <a:prstGeom prst="rect">
+                <a:avLst/>
+              </a:prstGeom>
+              <a:solidFill>
+                <a:schemeClr val="bg1"/>
+              </a:solidFill>
+              <a:ln w="28575">
+                <a:noFill/>
+              </a:ln>
+            </p:spPr>
+            <p:style>
+              <a:lnRef idx="2">
+                <a:schemeClr val="accent1">
+                  <a:shade val="50000"/>
+                </a:schemeClr>
+              </a:lnRef>
+              <a:fillRef idx="1">
+                <a:schemeClr val="accent1"/>
+              </a:fillRef>
+              <a:effectRef idx="0">
+                <a:schemeClr val="accent1"/>
+              </a:effectRef>
+              <a:fontRef idx="minor">
+                <a:schemeClr val="lt1"/>
+              </a:fontRef>
+            </p:style>
+            <p:txBody>
+              <a:bodyPr rtlCol="0" anchor="ctr"/>
+              <a:lstStyle/>
+              <a:p>
+                <a:pPr algn="ctr"/>
+                <a:endParaRPr lang="ko-KR" altLang="en-US"/>
+              </a:p>
+            </p:txBody>
+          </p:sp>
+        </p:grpSp>
+        <p:sp>
+          <p:nvSpPr>
+            <p:cNvPr id="230" name="직사각형 229"/>
+            <p:cNvSpPr/>
+            <p:nvPr/>
+          </p:nvSpPr>
+          <p:spPr>
+            <a:xfrm>
+              <a:off x="6427820" y="4746738"/>
+              <a:ext cx="658868" cy="658868"/>
+            </a:xfrm>
+            <a:prstGeom prst="rect">
+              <a:avLst/>
+            </a:prstGeom>
+            <a:solidFill>
+              <a:schemeClr val="bg1">
+                <a:lumMod val="65000"/>
+              </a:schemeClr>
+            </a:solidFill>
+            <a:ln w="28575">
+              <a:solidFill>
+                <a:schemeClr val="tx1">
+                  <a:lumMod val="65000"/>
+                  <a:lumOff val="35000"/>
+                </a:schemeClr>
+              </a:solidFill>
+            </a:ln>
+          </p:spPr>
+          <p:style>
+            <a:lnRef idx="2">
+              <a:schemeClr val="accent1">
+                <a:shade val="50000"/>
+              </a:schemeClr>
+            </a:lnRef>
+            <a:fillRef idx="1">
+              <a:schemeClr val="accent1"/>
+            </a:fillRef>
+            <a:effectRef idx="0">
+              <a:schemeClr val="accent1"/>
+            </a:effectRef>
+            <a:fontRef idx="minor">
+              <a:schemeClr val="lt1"/>
+            </a:fontRef>
+          </p:style>
+          <p:txBody>
+            <a:bodyPr rtlCol="0" anchor="ctr"/>
+            <a:lstStyle/>
+            <a:p>
+              <a:pPr algn="ctr"/>
+              <a:endParaRPr lang="ko-KR" altLang="en-US"/>
+            </a:p>
+          </p:txBody>
+        </p:sp>
+        <p:sp>
+          <p:nvSpPr>
+            <p:cNvPr id="231" name="직사각형 230"/>
+            <p:cNvSpPr/>
+            <p:nvPr/>
+          </p:nvSpPr>
+          <p:spPr>
+            <a:xfrm>
+              <a:off x="8403069" y="793526"/>
+              <a:ext cx="658868" cy="658868"/>
+            </a:xfrm>
+            <a:prstGeom prst="rect">
+              <a:avLst/>
+            </a:prstGeom>
+            <a:solidFill>
+              <a:schemeClr val="bg1">
+                <a:lumMod val="65000"/>
+              </a:schemeClr>
+            </a:solidFill>
+            <a:ln w="28575">
+              <a:solidFill>
+                <a:schemeClr val="tx1">
+                  <a:lumMod val="65000"/>
+                  <a:lumOff val="35000"/>
+                </a:schemeClr>
+              </a:solidFill>
+            </a:ln>
+          </p:spPr>
+          <p:style>
+            <a:lnRef idx="2">
+              <a:schemeClr val="accent1">
+                <a:shade val="50000"/>
+              </a:schemeClr>
+            </a:lnRef>
+            <a:fillRef idx="1">
+              <a:schemeClr val="accent1"/>
+            </a:fillRef>
+            <a:effectRef idx="0">
+              <a:schemeClr val="accent1"/>
+            </a:effectRef>
+            <a:fontRef idx="minor">
+              <a:schemeClr val="lt1"/>
+            </a:fontRef>
+          </p:style>
+          <p:txBody>
+            <a:bodyPr rtlCol="0" anchor="ctr"/>
+            <a:lstStyle/>
+            <a:p>
+              <a:pPr algn="ctr"/>
+              <a:endParaRPr lang="ko-KR" altLang="en-US"/>
+            </a:p>
+          </p:txBody>
+        </p:sp>
+        <p:sp>
+          <p:nvSpPr>
+            <p:cNvPr id="232" name="직사각형 231"/>
+            <p:cNvSpPr/>
+            <p:nvPr/>
+          </p:nvSpPr>
+          <p:spPr>
+            <a:xfrm>
+              <a:off x="7085331" y="793526"/>
+              <a:ext cx="658868" cy="658868"/>
+            </a:xfrm>
+            <a:prstGeom prst="rect">
+              <a:avLst/>
+            </a:prstGeom>
+            <a:solidFill>
+              <a:schemeClr val="bg1">
+                <a:lumMod val="65000"/>
+              </a:schemeClr>
+            </a:solidFill>
+            <a:ln w="28575">
+              <a:solidFill>
+                <a:schemeClr val="tx1">
+                  <a:lumMod val="65000"/>
+                  <a:lumOff val="35000"/>
+                </a:schemeClr>
+              </a:solidFill>
+            </a:ln>
+          </p:spPr>
+          <p:style>
+            <a:lnRef idx="2">
+              <a:schemeClr val="accent1">
+                <a:shade val="50000"/>
+              </a:schemeClr>
+            </a:lnRef>
+            <a:fillRef idx="1">
+              <a:schemeClr val="accent1"/>
+            </a:fillRef>
+            <a:effectRef idx="0">
+              <a:schemeClr val="accent1"/>
+            </a:effectRef>
+            <a:fontRef idx="minor">
+              <a:schemeClr val="lt1"/>
+            </a:fontRef>
+          </p:style>
+          <p:txBody>
+            <a:bodyPr rtlCol="0" anchor="ctr"/>
+            <a:lstStyle/>
+            <a:p>
+              <a:pPr algn="ctr"/>
+              <a:endParaRPr lang="ko-KR" altLang="en-US"/>
+            </a:p>
+          </p:txBody>
+        </p:sp>
+        <p:sp>
+          <p:nvSpPr>
+            <p:cNvPr id="233" name="대각선 줄무늬 232"/>
+            <p:cNvSpPr/>
+            <p:nvPr/>
+          </p:nvSpPr>
+          <p:spPr>
+            <a:xfrm rot="16200000" flipH="1" flipV="1">
+              <a:off x="5195220" y="3523193"/>
+              <a:ext cx="476976" cy="476655"/>
+            </a:xfrm>
+            <a:prstGeom prst="diagStripe">
+              <a:avLst>
+                <a:gd name="adj" fmla="val 0"/>
+              </a:avLst>
+            </a:prstGeom>
+            <a:solidFill>
+              <a:schemeClr val="bg1">
+                <a:lumMod val="65000"/>
+              </a:schemeClr>
+            </a:solidFill>
+            <a:ln w="28575">
+              <a:solidFill>
+                <a:schemeClr val="tx1">
+                  <a:lumMod val="65000"/>
+                  <a:lumOff val="35000"/>
+                </a:schemeClr>
+              </a:solidFill>
+            </a:ln>
+          </p:spPr>
+          <p:style>
+            <a:lnRef idx="2">
+              <a:schemeClr val="accent1">
+                <a:shade val="50000"/>
+              </a:schemeClr>
+            </a:lnRef>
+            <a:fillRef idx="1">
+              <a:schemeClr val="accent1"/>
+            </a:fillRef>
+            <a:effectRef idx="0">
+              <a:schemeClr val="accent1"/>
+            </a:effectRef>
+            <a:fontRef idx="minor">
+              <a:schemeClr val="lt1"/>
+            </a:fontRef>
+          </p:style>
+          <p:txBody>
+            <a:bodyPr rtlCol="0" anchor="ctr"/>
+            <a:lstStyle/>
+            <a:p>
+              <a:pPr algn="ctr"/>
+              <a:endParaRPr lang="ko-KR" altLang="en-US"/>
+            </a:p>
+          </p:txBody>
+        </p:sp>
+        <p:cxnSp>
+          <p:nvCxnSpPr>
+            <p:cNvPr id="234" name="직선 연결선 233"/>
+            <p:cNvCxnSpPr>
+              <a:stCxn id="237" idx="0"/>
+              <a:endCxn id="238" idx="2"/>
+            </p:cNvCxnSpPr>
+            <p:nvPr/>
+          </p:nvCxnSpPr>
+          <p:spPr>
+            <a:xfrm flipH="1" flipV="1">
+              <a:off x="4779293" y="1452394"/>
+              <a:ext cx="2707" cy="2965055"/>
+            </a:xfrm>
+            <a:prstGeom prst="line">
+              <a:avLst/>
+            </a:prstGeom>
+            <a:ln w="28575">
+              <a:solidFill>
+                <a:srgbClr val="E2E29E"/>
+              </a:solidFill>
+              <a:headEnd type="oval" w="med" len="med"/>
+              <a:tailEnd type="oval" w="med" len="med"/>
+            </a:ln>
+          </p:spPr>
+          <p:style>
+            <a:lnRef idx="1">
+              <a:schemeClr val="accent1"/>
+            </a:lnRef>
+            <a:fillRef idx="0">
+              <a:schemeClr val="accent1"/>
+            </a:fillRef>
+            <a:effectRef idx="0">
+              <a:schemeClr val="accent1"/>
+            </a:effectRef>
+            <a:fontRef idx="minor">
+              <a:schemeClr val="tx1"/>
+            </a:fontRef>
+          </p:style>
+        </p:cxnSp>
+        <p:cxnSp>
+          <p:nvCxnSpPr>
+            <p:cNvPr id="235" name="직선 연결선 234"/>
+            <p:cNvCxnSpPr>
+              <a:endCxn id="240" idx="3"/>
+            </p:cNvCxnSpPr>
+            <p:nvPr/>
+          </p:nvCxnSpPr>
+          <p:spPr>
+            <a:xfrm flipH="1">
+              <a:off x="1815379" y="2437391"/>
+              <a:ext cx="8248660" cy="778"/>
+            </a:xfrm>
+            <a:prstGeom prst="line">
+              <a:avLst/>
+            </a:prstGeom>
+            <a:ln w="28575">
+              <a:solidFill>
+                <a:srgbClr val="A6DEA2"/>
+              </a:solidFill>
+              <a:headEnd type="oval" w="sm" len="med"/>
+              <a:tailEnd type="none" w="med" len="med"/>
+            </a:ln>
+          </p:spPr>
+          <p:style>
+            <a:lnRef idx="1">
+              <a:schemeClr val="accent1"/>
+            </a:lnRef>
+            <a:fillRef idx="0">
+              <a:schemeClr val="accent1"/>
+            </a:fillRef>
+            <a:effectRef idx="0">
+              <a:schemeClr val="accent1"/>
+            </a:effectRef>
+            <a:fontRef idx="minor">
+              <a:schemeClr val="tx1"/>
+            </a:fontRef>
+          </p:style>
+        </p:cxnSp>
+        <p:sp>
+          <p:nvSpPr>
+            <p:cNvPr id="236" name="타원 235"/>
+            <p:cNvSpPr/>
+            <p:nvPr/>
+          </p:nvSpPr>
+          <p:spPr>
+            <a:xfrm>
+              <a:off x="6514863" y="2204035"/>
+              <a:ext cx="476656" cy="476656"/>
+            </a:xfrm>
+            <a:prstGeom prst="ellipse">
+              <a:avLst/>
+            </a:prstGeom>
+            <a:solidFill>
+              <a:srgbClr val="A6DEA2"/>
+            </a:solidFill>
+            <a:ln w="28575">
+              <a:solidFill>
+                <a:schemeClr val="tx1">
+                  <a:lumMod val="65000"/>
+                  <a:lumOff val="35000"/>
+                </a:schemeClr>
+              </a:solidFill>
+            </a:ln>
+          </p:spPr>
+          <p:style>
+            <a:lnRef idx="2">
+              <a:schemeClr val="accent1">
+                <a:shade val="50000"/>
+              </a:schemeClr>
+            </a:lnRef>
+            <a:fillRef idx="1">
+              <a:schemeClr val="accent1"/>
+            </a:fillRef>
+            <a:effectRef idx="0">
+              <a:schemeClr val="accent1"/>
+            </a:effectRef>
+            <a:fontRef idx="minor">
+              <a:schemeClr val="lt1"/>
+            </a:fontRef>
+          </p:style>
+          <p:txBody>
+            <a:bodyPr rtlCol="0" anchor="ctr"/>
+            <a:lstStyle/>
+            <a:p>
+              <a:pPr algn="ctr"/>
+              <a:endParaRPr lang="ko-KR" altLang="en-US"/>
+            </a:p>
+          </p:txBody>
+        </p:sp>
+        <p:sp>
+          <p:nvSpPr>
+            <p:cNvPr id="237" name="대각선 줄무늬 236"/>
+            <p:cNvSpPr/>
+            <p:nvPr/>
+          </p:nvSpPr>
+          <p:spPr>
+            <a:xfrm flipH="1" flipV="1">
+              <a:off x="4543512" y="4179122"/>
+              <a:ext cx="476976" cy="476655"/>
+            </a:xfrm>
+            <a:prstGeom prst="diagStripe">
+              <a:avLst>
+                <a:gd name="adj" fmla="val 0"/>
+              </a:avLst>
+            </a:prstGeom>
+            <a:solidFill>
+              <a:srgbClr val="E2E29E"/>
+            </a:solidFill>
+            <a:ln w="28575">
+              <a:solidFill>
+                <a:schemeClr val="tx1">
+                  <a:lumMod val="65000"/>
+                  <a:lumOff val="35000"/>
+                </a:schemeClr>
+              </a:solidFill>
+            </a:ln>
+          </p:spPr>
+          <p:style>
+            <a:lnRef idx="2">
+              <a:schemeClr val="accent1">
+                <a:shade val="50000"/>
+              </a:schemeClr>
+            </a:lnRef>
+            <a:fillRef idx="1">
+              <a:schemeClr val="accent1"/>
+            </a:fillRef>
+            <a:effectRef idx="0">
+              <a:schemeClr val="accent1"/>
+            </a:effectRef>
+            <a:fontRef idx="minor">
+              <a:schemeClr val="lt1"/>
+            </a:fontRef>
+          </p:style>
+          <p:txBody>
+            <a:bodyPr rtlCol="0" anchor="ctr"/>
+            <a:lstStyle/>
+            <a:p>
+              <a:pPr algn="ctr"/>
+              <a:endParaRPr lang="ko-KR" altLang="en-US"/>
+            </a:p>
+          </p:txBody>
+        </p:sp>
+        <p:sp>
+          <p:nvSpPr>
+            <p:cNvPr id="238" name="직사각형 237"/>
+            <p:cNvSpPr/>
+            <p:nvPr/>
+          </p:nvSpPr>
+          <p:spPr>
+            <a:xfrm>
+              <a:off x="4449859" y="793526"/>
+              <a:ext cx="658868" cy="658868"/>
+            </a:xfrm>
+            <a:prstGeom prst="rect">
+              <a:avLst/>
+            </a:prstGeom>
+            <a:solidFill>
+              <a:schemeClr val="bg1">
+                <a:lumMod val="65000"/>
+              </a:schemeClr>
+            </a:solidFill>
+            <a:ln w="28575">
+              <a:solidFill>
+                <a:schemeClr val="tx1">
+                  <a:lumMod val="65000"/>
+                  <a:lumOff val="35000"/>
+                </a:schemeClr>
+              </a:solidFill>
+            </a:ln>
+          </p:spPr>
+          <p:style>
+            <a:lnRef idx="2">
+              <a:schemeClr val="accent1">
+                <a:shade val="50000"/>
+              </a:schemeClr>
+            </a:lnRef>
+            <a:fillRef idx="1">
+              <a:schemeClr val="accent1"/>
+            </a:fillRef>
+            <a:effectRef idx="0">
+              <a:schemeClr val="accent1"/>
+            </a:effectRef>
+            <a:fontRef idx="minor">
+              <a:schemeClr val="lt1"/>
+            </a:fontRef>
+          </p:style>
+          <p:txBody>
+            <a:bodyPr rtlCol="0" anchor="ctr"/>
+            <a:lstStyle/>
+            <a:p>
+              <a:pPr algn="ctr"/>
+              <a:endParaRPr lang="ko-KR" altLang="en-US"/>
+            </a:p>
+          </p:txBody>
+        </p:sp>
+      </p:grpSp>
+      <p:sp>
+        <p:nvSpPr>
+          <p:cNvPr id="257" name="직사각형 256"/>
+          <p:cNvSpPr/>
+          <p:nvPr/>
+        </p:nvSpPr>
+        <p:spPr>
+          <a:xfrm>
+            <a:off x="0" y="1"/>
+            <a:ext cx="12192000" cy="6862129"/>
           </a:xfrm>
           <a:prstGeom prst="rect">
             <a:avLst/>
@@ -9950,15 +16081,11 @@
           <a:solidFill>
             <a:schemeClr val="bg1">
               <a:lumMod val="65000"/>
+              <a:alpha val="70000"/>
             </a:schemeClr>
           </a:solidFill>
-          <a:ln w="38100">
-            <a:solidFill>
-              <a:schemeClr val="tx1">
-                <a:lumMod val="65000"/>
-                <a:lumOff val="35000"/>
-              </a:schemeClr>
-            </a:solidFill>
+          <a:ln>
+            <a:noFill/>
           </a:ln>
         </p:spPr>
         <p:style>
@@ -9982,234 +16109,386 @@
           <a:lstStyle/>
           <a:p>
             <a:pPr algn="ctr"/>
-            <a:endParaRPr lang="ko-KR" altLang="en-US"/>
-          </a:p>
-        </p:txBody>
-      </p:sp>
-      <p:sp>
-        <p:nvSpPr>
-          <p:cNvPr id="249" name="직사각형 248"/>
-          <p:cNvSpPr/>
+            <a:endParaRPr lang="ko-KR" altLang="en-US" dirty="0"/>
+          </a:p>
+        </p:txBody>
+      </p:sp>
+      <p:grpSp>
+        <p:nvGrpSpPr>
+          <p:cNvPr id="258" name="그룹 257"/>
+          <p:cNvGrpSpPr/>
           <p:nvPr/>
-        </p:nvSpPr>
-        <p:spPr>
+        </p:nvGrpSpPr>
+        <p:grpSpPr>
           <a:xfrm>
-            <a:off x="9503603" y="4752902"/>
-            <a:ext cx="659265" cy="659265"/>
+            <a:off x="3500794" y="1916948"/>
+            <a:ext cx="5213512" cy="4005788"/>
+            <a:chOff x="4163829" y="1944423"/>
+            <a:chExt cx="3864338" cy="2969157"/>
           </a:xfrm>
-          <a:prstGeom prst="rect">
-            <a:avLst/>
-          </a:prstGeom>
-          <a:noFill/>
-          <a:ln w="38100">
-            <a:solidFill>
-              <a:schemeClr val="tx1">
+        </p:grpSpPr>
+        <p:sp>
+          <p:nvSpPr>
+            <p:cNvPr id="259" name="모서리가 둥근 직사각형 258"/>
+            <p:cNvSpPr/>
+            <p:nvPr/>
+          </p:nvSpPr>
+          <p:spPr>
+            <a:xfrm>
+              <a:off x="4163829" y="1944423"/>
+              <a:ext cx="3864338" cy="2756734"/>
+            </a:xfrm>
+            <a:prstGeom prst="roundRect">
+              <a:avLst/>
+            </a:prstGeom>
+            <a:solidFill>
+              <a:schemeClr val="bg1">
+                <a:lumMod val="75000"/>
+              </a:schemeClr>
+            </a:solidFill>
+            <a:ln w="38100">
+              <a:solidFill>
+                <a:schemeClr val="tx1">
+                  <a:lumMod val="65000"/>
+                  <a:lumOff val="35000"/>
+                </a:schemeClr>
+              </a:solidFill>
+            </a:ln>
+          </p:spPr>
+          <p:style>
+            <a:lnRef idx="2">
+              <a:schemeClr val="accent1">
+                <a:shade val="50000"/>
+              </a:schemeClr>
+            </a:lnRef>
+            <a:fillRef idx="1">
+              <a:schemeClr val="accent1"/>
+            </a:fillRef>
+            <a:effectRef idx="0">
+              <a:schemeClr val="accent1"/>
+            </a:effectRef>
+            <a:fontRef idx="minor">
+              <a:schemeClr val="lt1"/>
+            </a:fontRef>
+          </p:style>
+          <p:txBody>
+            <a:bodyPr rtlCol="0" anchor="ctr"/>
+            <a:lstStyle/>
+            <a:p>
+              <a:pPr algn="ctr"/>
+              <a:endParaRPr lang="ko-KR" altLang="en-US"/>
+            </a:p>
+          </p:txBody>
+        </p:sp>
+        <p:sp>
+          <p:nvSpPr>
+            <p:cNvPr id="260" name="실행 단추: 홈 259">
+              <a:hlinkClick r:id="" action="ppaction://hlinkshowjump?jump=firstslide" highlightClick="1"/>
+            </p:cNvPr>
+            <p:cNvSpPr/>
+            <p:nvPr/>
+          </p:nvSpPr>
+          <p:spPr>
+            <a:xfrm>
+              <a:off x="5764200" y="4227233"/>
+              <a:ext cx="686348" cy="686347"/>
+            </a:xfrm>
+            <a:prstGeom prst="actionButtonHome">
+              <a:avLst/>
+            </a:prstGeom>
+            <a:solidFill>
+              <a:schemeClr val="bg1">
                 <a:lumMod val="65000"/>
-                <a:lumOff val="35000"/>
-              </a:schemeClr>
-            </a:solidFill>
-          </a:ln>
-        </p:spPr>
-        <p:style>
-          <a:lnRef idx="2">
-            <a:schemeClr val="accent1">
-              <a:shade val="50000"/>
-            </a:schemeClr>
-          </a:lnRef>
-          <a:fillRef idx="1">
-            <a:schemeClr val="accent1"/>
-          </a:fillRef>
-          <a:effectRef idx="0">
-            <a:schemeClr val="accent1"/>
-          </a:effectRef>
-          <a:fontRef idx="minor">
-            <a:schemeClr val="lt1"/>
-          </a:fontRef>
-        </p:style>
-        <p:txBody>
-          <a:bodyPr rtlCol="0" anchor="ctr"/>
-          <a:lstStyle/>
-          <a:p>
-            <a:pPr algn="ctr"/>
-            <a:endParaRPr lang="ko-KR" altLang="en-US"/>
-          </a:p>
-        </p:txBody>
-      </p:sp>
-      <p:sp>
-        <p:nvSpPr>
-          <p:cNvPr id="123" name="직사각형 122"/>
-          <p:cNvSpPr/>
-          <p:nvPr/>
-        </p:nvSpPr>
-        <p:spPr>
-          <a:xfrm>
-            <a:off x="9507669" y="6064816"/>
-            <a:ext cx="659265" cy="659265"/>
-          </a:xfrm>
-          <a:prstGeom prst="rect">
-            <a:avLst/>
-          </a:prstGeom>
-          <a:solidFill>
-            <a:schemeClr val="accent5">
-              <a:lumMod val="40000"/>
-              <a:lumOff val="60000"/>
-            </a:schemeClr>
-          </a:solidFill>
-          <a:ln w="38100">
-            <a:solidFill>
-              <a:schemeClr val="tx1">
-                <a:lumMod val="65000"/>
-                <a:lumOff val="35000"/>
-              </a:schemeClr>
-            </a:solidFill>
-          </a:ln>
-        </p:spPr>
-        <p:style>
-          <a:lnRef idx="2">
-            <a:schemeClr val="accent1">
-              <a:shade val="50000"/>
-            </a:schemeClr>
-          </a:lnRef>
-          <a:fillRef idx="1">
-            <a:schemeClr val="accent1"/>
-          </a:fillRef>
-          <a:effectRef idx="0">
-            <a:schemeClr val="accent1"/>
-          </a:effectRef>
-          <a:fontRef idx="minor">
-            <a:schemeClr val="lt1"/>
-          </a:fontRef>
-        </p:style>
-        <p:txBody>
-          <a:bodyPr rtlCol="0" anchor="ctr"/>
-          <a:lstStyle/>
-          <a:p>
-            <a:pPr algn="ctr"/>
-            <a:endParaRPr lang="ko-KR" altLang="en-US"/>
-          </a:p>
-        </p:txBody>
-      </p:sp>
-      <p:sp>
-        <p:nvSpPr>
-          <p:cNvPr id="124" name="대각선 줄무늬 123"/>
-          <p:cNvSpPr/>
-          <p:nvPr/>
-        </p:nvSpPr>
-        <p:spPr>
-          <a:xfrm rot="16200000" flipH="1" flipV="1">
-            <a:off x="10385768" y="6155258"/>
-            <a:ext cx="477263" cy="476942"/>
-          </a:xfrm>
-          <a:prstGeom prst="diagStripe">
-            <a:avLst>
-              <a:gd name="adj" fmla="val 0"/>
-            </a:avLst>
-          </a:prstGeom>
-          <a:solidFill>
-            <a:schemeClr val="accent5">
-              <a:lumMod val="40000"/>
-              <a:lumOff val="60000"/>
-            </a:schemeClr>
-          </a:solidFill>
-          <a:ln w="38100">
-            <a:solidFill>
-              <a:schemeClr val="tx1">
-                <a:lumMod val="65000"/>
-                <a:lumOff val="35000"/>
-              </a:schemeClr>
-            </a:solidFill>
-          </a:ln>
-        </p:spPr>
-        <p:style>
-          <a:lnRef idx="2">
-            <a:schemeClr val="accent1">
-              <a:shade val="50000"/>
-            </a:schemeClr>
-          </a:lnRef>
-          <a:fillRef idx="1">
-            <a:schemeClr val="accent1"/>
-          </a:fillRef>
-          <a:effectRef idx="0">
-            <a:schemeClr val="accent1"/>
-          </a:effectRef>
-          <a:fontRef idx="minor">
-            <a:schemeClr val="lt1"/>
-          </a:fontRef>
-        </p:style>
-        <p:txBody>
-          <a:bodyPr rtlCol="0" anchor="ctr"/>
-          <a:lstStyle/>
-          <a:p>
-            <a:pPr algn="ctr"/>
-            <a:endParaRPr lang="ko-KR" altLang="en-US">
+              </a:schemeClr>
+            </a:solidFill>
+            <a:ln w="38100">
               <a:solidFill>
-                <a:schemeClr val="tx1"/>
+                <a:schemeClr val="tx1">
+                  <a:lumMod val="65000"/>
+                  <a:lumOff val="35000"/>
+                </a:schemeClr>
               </a:solidFill>
-            </a:endParaRPr>
-          </a:p>
-        </p:txBody>
-      </p:sp>
-      <p:sp>
-        <p:nvSpPr>
-          <p:cNvPr id="125" name="대각선 줄무늬 124"/>
-          <p:cNvSpPr/>
-          <p:nvPr/>
-        </p:nvSpPr>
-        <p:spPr>
-          <a:xfrm rot="16200000" flipH="1" flipV="1">
-            <a:off x="10385768" y="4749757"/>
-            <a:ext cx="477263" cy="476942"/>
-          </a:xfrm>
-          <a:prstGeom prst="diagStripe">
-            <a:avLst>
-              <a:gd name="adj" fmla="val 0"/>
-            </a:avLst>
-          </a:prstGeom>
-          <a:solidFill>
-            <a:srgbClr val="A6DEA2"/>
-          </a:solidFill>
-          <a:ln w="38100">
-            <a:solidFill>
-              <a:schemeClr val="tx1">
-                <a:lumMod val="65000"/>
-                <a:lumOff val="35000"/>
-              </a:schemeClr>
-            </a:solidFill>
-          </a:ln>
-        </p:spPr>
-        <p:style>
-          <a:lnRef idx="2">
-            <a:schemeClr val="accent1">
-              <a:shade val="50000"/>
-            </a:schemeClr>
-          </a:lnRef>
-          <a:fillRef idx="1">
-            <a:schemeClr val="accent1"/>
-          </a:fillRef>
-          <a:effectRef idx="0">
-            <a:schemeClr val="accent1"/>
-          </a:effectRef>
-          <a:fontRef idx="minor">
-            <a:schemeClr val="lt1"/>
-          </a:fontRef>
-        </p:style>
-        <p:txBody>
-          <a:bodyPr rtlCol="0" anchor="ctr"/>
-          <a:lstStyle/>
-          <a:p>
-            <a:pPr algn="ctr"/>
-            <a:endParaRPr lang="ko-KR" altLang="en-US">
+            </a:ln>
+          </p:spPr>
+          <p:style>
+            <a:lnRef idx="2">
+              <a:schemeClr val="accent1">
+                <a:shade val="50000"/>
+              </a:schemeClr>
+            </a:lnRef>
+            <a:fillRef idx="1">
+              <a:schemeClr val="accent1"/>
+            </a:fillRef>
+            <a:effectRef idx="0">
+              <a:schemeClr val="accent1"/>
+            </a:effectRef>
+            <a:fontRef idx="minor">
+              <a:schemeClr val="lt1"/>
+            </a:fontRef>
+          </p:style>
+          <p:txBody>
+            <a:bodyPr rtlCol="0" anchor="ctr"/>
+            <a:lstStyle/>
+            <a:p>
+              <a:pPr algn="ctr"/>
+              <a:endParaRPr lang="ko-KR" altLang="en-US"/>
+            </a:p>
+          </p:txBody>
+        </p:sp>
+        <p:grpSp>
+          <p:nvGrpSpPr>
+            <p:cNvPr id="261" name="그룹 260"/>
+            <p:cNvGrpSpPr/>
+            <p:nvPr/>
+          </p:nvGrpSpPr>
+          <p:grpSpPr>
+            <a:xfrm>
+              <a:off x="7016564" y="4227230"/>
+              <a:ext cx="686348" cy="686347"/>
+              <a:chOff x="5422156" y="3703681"/>
+              <a:chExt cx="686348" cy="686347"/>
+            </a:xfrm>
+          </p:grpSpPr>
+          <p:sp>
+            <p:nvSpPr>
+              <p:cNvPr id="266" name="직사각형 265"/>
+              <p:cNvSpPr/>
+              <p:nvPr/>
+            </p:nvSpPr>
+            <p:spPr>
+              <a:xfrm>
+                <a:off x="5422156" y="3703681"/>
+                <a:ext cx="686348" cy="686347"/>
+              </a:xfrm>
+              <a:prstGeom prst="rect">
+                <a:avLst/>
+              </a:prstGeom>
               <a:solidFill>
-                <a:schemeClr val="tx1"/>
+                <a:schemeClr val="bg1">
+                  <a:lumMod val="65000"/>
+                </a:schemeClr>
               </a:solidFill>
-            </a:endParaRPr>
-          </a:p>
-        </p:txBody>
-      </p:sp>
+              <a:ln w="38100">
+                <a:solidFill>
+                  <a:schemeClr val="tx1">
+                    <a:lumMod val="65000"/>
+                    <a:lumOff val="35000"/>
+                  </a:schemeClr>
+                </a:solidFill>
+              </a:ln>
+            </p:spPr>
+            <p:style>
+              <a:lnRef idx="2">
+                <a:schemeClr val="accent1">
+                  <a:shade val="50000"/>
+                </a:schemeClr>
+              </a:lnRef>
+              <a:fillRef idx="1">
+                <a:schemeClr val="accent1"/>
+              </a:fillRef>
+              <a:effectRef idx="0">
+                <a:schemeClr val="accent1"/>
+              </a:effectRef>
+              <a:fontRef idx="minor">
+                <a:schemeClr val="lt1"/>
+              </a:fontRef>
+            </p:style>
+            <p:txBody>
+              <a:bodyPr rtlCol="0" anchor="ctr"/>
+              <a:lstStyle/>
+              <a:p>
+                <a:pPr algn="ctr"/>
+                <a:endParaRPr lang="ko-KR" altLang="en-US"/>
+              </a:p>
+            </p:txBody>
+          </p:sp>
+          <p:sp>
+            <p:nvSpPr>
+              <p:cNvPr id="267" name="오른쪽 화살표 266"/>
+              <p:cNvSpPr/>
+              <p:nvPr/>
+            </p:nvSpPr>
+            <p:spPr>
+              <a:xfrm>
+                <a:off x="5515797" y="3811792"/>
+                <a:ext cx="513528" cy="469522"/>
+              </a:xfrm>
+              <a:prstGeom prst="rightArrow">
+                <a:avLst/>
+              </a:prstGeom>
+              <a:solidFill>
+                <a:schemeClr val="bg1">
+                  <a:lumMod val="50000"/>
+                </a:schemeClr>
+              </a:solidFill>
+              <a:ln w="38100">
+                <a:solidFill>
+                  <a:schemeClr val="tx1">
+                    <a:lumMod val="65000"/>
+                    <a:lumOff val="35000"/>
+                  </a:schemeClr>
+                </a:solidFill>
+              </a:ln>
+            </p:spPr>
+            <p:style>
+              <a:lnRef idx="2">
+                <a:schemeClr val="accent1">
+                  <a:shade val="50000"/>
+                </a:schemeClr>
+              </a:lnRef>
+              <a:fillRef idx="1">
+                <a:schemeClr val="accent1"/>
+              </a:fillRef>
+              <a:effectRef idx="0">
+                <a:schemeClr val="accent1"/>
+              </a:effectRef>
+              <a:fontRef idx="minor">
+                <a:schemeClr val="lt1"/>
+              </a:fontRef>
+            </p:style>
+            <p:txBody>
+              <a:bodyPr rtlCol="0" anchor="ctr"/>
+              <a:lstStyle/>
+              <a:p>
+                <a:pPr algn="ctr"/>
+                <a:endParaRPr lang="ko-KR" altLang="en-US"/>
+              </a:p>
+            </p:txBody>
+          </p:sp>
+        </p:grpSp>
+        <p:grpSp>
+          <p:nvGrpSpPr>
+            <p:cNvPr id="263" name="그룹 262"/>
+            <p:cNvGrpSpPr/>
+            <p:nvPr/>
+          </p:nvGrpSpPr>
+          <p:grpSpPr>
+            <a:xfrm>
+              <a:off x="4511837" y="4226928"/>
+              <a:ext cx="686348" cy="686347"/>
+              <a:chOff x="2994282" y="3703681"/>
+              <a:chExt cx="686348" cy="686347"/>
+            </a:xfrm>
+          </p:grpSpPr>
+          <p:sp>
+            <p:nvSpPr>
+              <p:cNvPr id="264" name="직사각형 263"/>
+              <p:cNvSpPr/>
+              <p:nvPr/>
+            </p:nvSpPr>
+            <p:spPr>
+              <a:xfrm>
+                <a:off x="2994282" y="3703681"/>
+                <a:ext cx="686348" cy="686347"/>
+              </a:xfrm>
+              <a:prstGeom prst="rect">
+                <a:avLst/>
+              </a:prstGeom>
+              <a:solidFill>
+                <a:schemeClr val="bg1">
+                  <a:lumMod val="65000"/>
+                </a:schemeClr>
+              </a:solidFill>
+              <a:ln w="38100">
+                <a:solidFill>
+                  <a:schemeClr val="tx1">
+                    <a:lumMod val="65000"/>
+                    <a:lumOff val="35000"/>
+                  </a:schemeClr>
+                </a:solidFill>
+              </a:ln>
+            </p:spPr>
+            <p:style>
+              <a:lnRef idx="2">
+                <a:schemeClr val="accent1">
+                  <a:shade val="50000"/>
+                </a:schemeClr>
+              </a:lnRef>
+              <a:fillRef idx="1">
+                <a:schemeClr val="accent1"/>
+              </a:fillRef>
+              <a:effectRef idx="0">
+                <a:schemeClr val="accent1"/>
+              </a:effectRef>
+              <a:fontRef idx="minor">
+                <a:schemeClr val="lt1"/>
+              </a:fontRef>
+            </p:style>
+            <p:txBody>
+              <a:bodyPr rtlCol="0" anchor="ctr"/>
+              <a:lstStyle/>
+              <a:p>
+                <a:pPr algn="ctr"/>
+                <a:endParaRPr lang="ko-KR" altLang="en-US"/>
+              </a:p>
+            </p:txBody>
+          </p:sp>
+          <p:sp>
+            <p:nvSpPr>
+              <p:cNvPr id="265" name="원형 화살표 264"/>
+              <p:cNvSpPr/>
+              <p:nvPr/>
+            </p:nvSpPr>
+            <p:spPr>
+              <a:xfrm>
+                <a:off x="3061139" y="3791515"/>
+                <a:ext cx="517346" cy="517344"/>
+              </a:xfrm>
+              <a:prstGeom prst="circularArrow">
+                <a:avLst>
+                  <a:gd name="adj1" fmla="val 12696"/>
+                  <a:gd name="adj2" fmla="val 1142319"/>
+                  <a:gd name="adj3" fmla="val 21328141"/>
+                  <a:gd name="adj4" fmla="val 2882010"/>
+                  <a:gd name="adj5" fmla="val 13502"/>
+                </a:avLst>
+              </a:prstGeom>
+              <a:solidFill>
+                <a:schemeClr val="tx1">
+                  <a:lumMod val="50000"/>
+                  <a:lumOff val="50000"/>
+                </a:schemeClr>
+              </a:solidFill>
+              <a:ln w="38100">
+                <a:solidFill>
+                  <a:schemeClr val="tx1">
+                    <a:lumMod val="65000"/>
+                    <a:lumOff val="35000"/>
+                  </a:schemeClr>
+                </a:solidFill>
+              </a:ln>
+            </p:spPr>
+            <p:style>
+              <a:lnRef idx="2">
+                <a:schemeClr val="accent1">
+                  <a:shade val="50000"/>
+                </a:schemeClr>
+              </a:lnRef>
+              <a:fillRef idx="1">
+                <a:schemeClr val="accent1"/>
+              </a:fillRef>
+              <a:effectRef idx="0">
+                <a:schemeClr val="accent1"/>
+              </a:effectRef>
+              <a:fontRef idx="minor">
+                <a:schemeClr val="lt1"/>
+              </a:fontRef>
+            </p:style>
+            <p:txBody>
+              <a:bodyPr rtlCol="0" anchor="ctr"/>
+              <a:lstStyle/>
+              <a:p>
+                <a:pPr algn="ctr"/>
+                <a:endParaRPr lang="ko-KR" altLang="en-US"/>
+              </a:p>
+            </p:txBody>
+          </p:sp>
+        </p:grpSp>
+      </p:grpSp>
     </p:spTree>
     <p:extLst>
       <p:ext uri="{BB962C8B-B14F-4D97-AF65-F5344CB8AC3E}">
-        <p14:creationId xmlns:p14="http://schemas.microsoft.com/office/powerpoint/2010/main" val="2452226769"/>
+        <p14:creationId xmlns:p14="http://schemas.microsoft.com/office/powerpoint/2010/main" val="676617353"/>
       </p:ext>
     </p:extLst>
   </p:cSld>
